--- a/wavelet_notes.pptx
+++ b/wavelet_notes.pptx
@@ -5,24 +5,29 @@
     <p:sldMasterId id="2147483648" r:id="rId1"/>
   </p:sldMasterIdLst>
   <p:notesMasterIdLst>
-    <p:notesMasterId r:id="rId9"/>
+    <p:notesMasterId r:id="rId14"/>
   </p:notesMasterIdLst>
   <p:handoutMasterIdLst>
-    <p:handoutMasterId r:id="rId10"/>
+    <p:handoutMasterId r:id="rId15"/>
   </p:handoutMasterIdLst>
   <p:sldIdLst>
     <p:sldId id="1840" r:id="rId2"/>
     <p:sldId id="1883" r:id="rId3"/>
     <p:sldId id="1886" r:id="rId4"/>
-    <p:sldId id="1882" r:id="rId5"/>
-    <p:sldId id="1887" r:id="rId6"/>
-    <p:sldId id="1888" r:id="rId7"/>
-    <p:sldId id="1889" r:id="rId8"/>
+    <p:sldId id="1893" r:id="rId5"/>
+    <p:sldId id="1882" r:id="rId6"/>
+    <p:sldId id="1887" r:id="rId7"/>
+    <p:sldId id="1888" r:id="rId8"/>
+    <p:sldId id="1894" r:id="rId9"/>
+    <p:sldId id="1890" r:id="rId10"/>
+    <p:sldId id="1891" r:id="rId11"/>
+    <p:sldId id="1892" r:id="rId12"/>
+    <p:sldId id="1889" r:id="rId13"/>
   </p:sldIdLst>
   <p:sldSz cx="12192000" cy="6858000"/>
   <p:notesSz cx="6858000" cy="9144000"/>
   <p:custDataLst>
-    <p:tags r:id="rId11"/>
+    <p:tags r:id="rId16"/>
   </p:custDataLst>
   <p:defaultTextStyle>
     <a:defPPr>
@@ -264,7 +269,7 @@
               <a:rPr lang="en-US">
                 <a:latin typeface="MetricHPE" panose="020B0503030202060203" pitchFamily="34" charset="0"/>
               </a:rPr>
-              <a:t>1/24/23</a:t>
+              <a:t>1/31/23</a:t>
             </a:fld>
             <a:endParaRPr dirty="0">
               <a:latin typeface="MetricHPE" panose="020B0503030202060203" pitchFamily="34" charset="0"/>
@@ -761,6 +766,96 @@
 </p:notes>
 </file>
 
+<file path=ppt/notesSlides/notesSlide10.xml><?xml version="1.0" encoding="utf-8"?>
+<p:notes xmlns:a="http://schemas.openxmlformats.org/drawingml/2006/main" xmlns:r="http://schemas.openxmlformats.org/officeDocument/2006/relationships" xmlns:p="http://schemas.openxmlformats.org/presentationml/2006/main">
+  <p:cSld>
+    <p:spTree>
+      <p:nvGrpSpPr>
+        <p:cNvPr id="1" name=""/>
+        <p:cNvGrpSpPr/>
+        <p:nvPr/>
+      </p:nvGrpSpPr>
+      <p:grpSpPr>
+        <a:xfrm>
+          <a:off x="0" y="0"/>
+          <a:ext cx="0" cy="0"/>
+          <a:chOff x="0" y="0"/>
+          <a:chExt cx="0" cy="0"/>
+        </a:xfrm>
+      </p:grpSpPr>
+      <p:sp>
+        <p:nvSpPr>
+          <p:cNvPr id="2" name="Slide Image Placeholder 1"/>
+          <p:cNvSpPr>
+            <a:spLocks noGrp="1" noRot="1" noChangeAspect="1"/>
+          </p:cNvSpPr>
+          <p:nvPr>
+            <p:ph type="sldImg"/>
+          </p:nvPr>
+        </p:nvSpPr>
+        <p:spPr>
+          <a:xfrm>
+            <a:off x="381000" y="381000"/>
+            <a:ext cx="4572000" cy="2573338"/>
+          </a:xfrm>
+        </p:spPr>
+      </p:sp>
+      <p:sp>
+        <p:nvSpPr>
+          <p:cNvPr id="3" name="Notes Placeholder 2"/>
+          <p:cNvSpPr>
+            <a:spLocks noGrp="1"/>
+          </p:cNvSpPr>
+          <p:nvPr>
+            <p:ph type="body" idx="1"/>
+          </p:nvPr>
+        </p:nvSpPr>
+        <p:spPr/>
+        <p:txBody>
+          <a:bodyPr/>
+          <a:lstStyle/>
+          <a:p>
+            <a:endParaRPr lang="en-US" dirty="0"/>
+          </a:p>
+        </p:txBody>
+      </p:sp>
+      <p:sp>
+        <p:nvSpPr>
+          <p:cNvPr id="4" name="Slide Number Placeholder 3"/>
+          <p:cNvSpPr>
+            <a:spLocks noGrp="1"/>
+          </p:cNvSpPr>
+          <p:nvPr>
+            <p:ph type="sldNum" sz="quarter" idx="5"/>
+          </p:nvPr>
+        </p:nvSpPr>
+        <p:spPr/>
+        <p:txBody>
+          <a:bodyPr/>
+          <a:lstStyle/>
+          <a:p>
+            <a:fld id="{5BFEAE42-E3FE-4405-B7FC-4425D05B92A0}" type="slidenum">
+              <a:rPr lang="en-US" smtClean="0"/>
+              <a:pPr/>
+              <a:t>12</a:t>
+            </a:fld>
+            <a:endParaRPr lang="en-US" dirty="0"/>
+          </a:p>
+        </p:txBody>
+      </p:sp>
+    </p:spTree>
+    <p:extLst>
+      <p:ext uri="{BB962C8B-B14F-4D97-AF65-F5344CB8AC3E}">
+        <p14:creationId xmlns:p14="http://schemas.microsoft.com/office/powerpoint/2010/main" val="3480416817"/>
+      </p:ext>
+    </p:extLst>
+  </p:cSld>
+  <p:clrMapOvr>
+    <a:masterClrMapping/>
+  </p:clrMapOvr>
+</p:notes>
+</file>
+
 <file path=ppt/notesSlides/notesSlide2.xml><?xml version="1.0" encoding="utf-8"?>
 <p:notes xmlns:a="http://schemas.openxmlformats.org/drawingml/2006/main" xmlns:r="http://schemas.openxmlformats.org/officeDocument/2006/relationships" xmlns:p="http://schemas.openxmlformats.org/presentationml/2006/main">
   <p:cSld>
@@ -841,7 +936,7 @@
     </p:spTree>
     <p:extLst>
       <p:ext uri="{BB962C8B-B14F-4D97-AF65-F5344CB8AC3E}">
-        <p14:creationId xmlns:p14="http://schemas.microsoft.com/office/powerpoint/2010/main" val="1922329303"/>
+        <p14:creationId xmlns:p14="http://schemas.microsoft.com/office/powerpoint/2010/main" val="160428257"/>
       </p:ext>
     </p:extLst>
   </p:cSld>
@@ -931,7 +1026,7 @@
     </p:spTree>
     <p:extLst>
       <p:ext uri="{BB962C8B-B14F-4D97-AF65-F5344CB8AC3E}">
-        <p14:creationId xmlns:p14="http://schemas.microsoft.com/office/powerpoint/2010/main" val="870657319"/>
+        <p14:creationId xmlns:p14="http://schemas.microsoft.com/office/powerpoint/2010/main" val="1922329303"/>
       </p:ext>
     </p:extLst>
   </p:cSld>
@@ -1021,7 +1116,7 @@
     </p:spTree>
     <p:extLst>
       <p:ext uri="{BB962C8B-B14F-4D97-AF65-F5344CB8AC3E}">
-        <p14:creationId xmlns:p14="http://schemas.microsoft.com/office/powerpoint/2010/main" val="1032109426"/>
+        <p14:creationId xmlns:p14="http://schemas.microsoft.com/office/powerpoint/2010/main" val="870657319"/>
       </p:ext>
     </p:extLst>
   </p:cSld>
@@ -1111,7 +1206,367 @@
     </p:spTree>
     <p:extLst>
       <p:ext uri="{BB962C8B-B14F-4D97-AF65-F5344CB8AC3E}">
-        <p14:creationId xmlns:p14="http://schemas.microsoft.com/office/powerpoint/2010/main" val="3480416817"/>
+        <p14:creationId xmlns:p14="http://schemas.microsoft.com/office/powerpoint/2010/main" val="1032109426"/>
+      </p:ext>
+    </p:extLst>
+  </p:cSld>
+  <p:clrMapOvr>
+    <a:masterClrMapping/>
+  </p:clrMapOvr>
+</p:notes>
+</file>
+
+<file path=ppt/notesSlides/notesSlide6.xml><?xml version="1.0" encoding="utf-8"?>
+<p:notes xmlns:a="http://schemas.openxmlformats.org/drawingml/2006/main" xmlns:r="http://schemas.openxmlformats.org/officeDocument/2006/relationships" xmlns:p="http://schemas.openxmlformats.org/presentationml/2006/main">
+  <p:cSld>
+    <p:spTree>
+      <p:nvGrpSpPr>
+        <p:cNvPr id="1" name=""/>
+        <p:cNvGrpSpPr/>
+        <p:nvPr/>
+      </p:nvGrpSpPr>
+      <p:grpSpPr>
+        <a:xfrm>
+          <a:off x="0" y="0"/>
+          <a:ext cx="0" cy="0"/>
+          <a:chOff x="0" y="0"/>
+          <a:chExt cx="0" cy="0"/>
+        </a:xfrm>
+      </p:grpSpPr>
+      <p:sp>
+        <p:nvSpPr>
+          <p:cNvPr id="2" name="Slide Image Placeholder 1"/>
+          <p:cNvSpPr>
+            <a:spLocks noGrp="1" noRot="1" noChangeAspect="1"/>
+          </p:cNvSpPr>
+          <p:nvPr>
+            <p:ph type="sldImg"/>
+          </p:nvPr>
+        </p:nvSpPr>
+        <p:spPr>
+          <a:xfrm>
+            <a:off x="381000" y="381000"/>
+            <a:ext cx="4572000" cy="2573338"/>
+          </a:xfrm>
+        </p:spPr>
+      </p:sp>
+      <p:sp>
+        <p:nvSpPr>
+          <p:cNvPr id="3" name="Notes Placeholder 2"/>
+          <p:cNvSpPr>
+            <a:spLocks noGrp="1"/>
+          </p:cNvSpPr>
+          <p:nvPr>
+            <p:ph type="body" idx="1"/>
+          </p:nvPr>
+        </p:nvSpPr>
+        <p:spPr/>
+        <p:txBody>
+          <a:bodyPr/>
+          <a:lstStyle/>
+          <a:p>
+            <a:endParaRPr lang="en-US" dirty="0"/>
+          </a:p>
+        </p:txBody>
+      </p:sp>
+      <p:sp>
+        <p:nvSpPr>
+          <p:cNvPr id="4" name="Slide Number Placeholder 3"/>
+          <p:cNvSpPr>
+            <a:spLocks noGrp="1"/>
+          </p:cNvSpPr>
+          <p:nvPr>
+            <p:ph type="sldNum" sz="quarter" idx="5"/>
+          </p:nvPr>
+        </p:nvSpPr>
+        <p:spPr/>
+        <p:txBody>
+          <a:bodyPr/>
+          <a:lstStyle/>
+          <a:p>
+            <a:fld id="{5BFEAE42-E3FE-4405-B7FC-4425D05B92A0}" type="slidenum">
+              <a:rPr lang="en-US" smtClean="0"/>
+              <a:pPr/>
+              <a:t>8</a:t>
+            </a:fld>
+            <a:endParaRPr lang="en-US" dirty="0"/>
+          </a:p>
+        </p:txBody>
+      </p:sp>
+    </p:spTree>
+    <p:extLst>
+      <p:ext uri="{BB962C8B-B14F-4D97-AF65-F5344CB8AC3E}">
+        <p14:creationId xmlns:p14="http://schemas.microsoft.com/office/powerpoint/2010/main" val="1568816282"/>
+      </p:ext>
+    </p:extLst>
+  </p:cSld>
+  <p:clrMapOvr>
+    <a:masterClrMapping/>
+  </p:clrMapOvr>
+</p:notes>
+</file>
+
+<file path=ppt/notesSlides/notesSlide7.xml><?xml version="1.0" encoding="utf-8"?>
+<p:notes xmlns:a="http://schemas.openxmlformats.org/drawingml/2006/main" xmlns:r="http://schemas.openxmlformats.org/officeDocument/2006/relationships" xmlns:p="http://schemas.openxmlformats.org/presentationml/2006/main">
+  <p:cSld>
+    <p:spTree>
+      <p:nvGrpSpPr>
+        <p:cNvPr id="1" name=""/>
+        <p:cNvGrpSpPr/>
+        <p:nvPr/>
+      </p:nvGrpSpPr>
+      <p:grpSpPr>
+        <a:xfrm>
+          <a:off x="0" y="0"/>
+          <a:ext cx="0" cy="0"/>
+          <a:chOff x="0" y="0"/>
+          <a:chExt cx="0" cy="0"/>
+        </a:xfrm>
+      </p:grpSpPr>
+      <p:sp>
+        <p:nvSpPr>
+          <p:cNvPr id="2" name="Slide Image Placeholder 1"/>
+          <p:cNvSpPr>
+            <a:spLocks noGrp="1" noRot="1" noChangeAspect="1"/>
+          </p:cNvSpPr>
+          <p:nvPr>
+            <p:ph type="sldImg"/>
+          </p:nvPr>
+        </p:nvSpPr>
+        <p:spPr>
+          <a:xfrm>
+            <a:off x="381000" y="381000"/>
+            <a:ext cx="4572000" cy="2573338"/>
+          </a:xfrm>
+        </p:spPr>
+      </p:sp>
+      <p:sp>
+        <p:nvSpPr>
+          <p:cNvPr id="3" name="Notes Placeholder 2"/>
+          <p:cNvSpPr>
+            <a:spLocks noGrp="1"/>
+          </p:cNvSpPr>
+          <p:nvPr>
+            <p:ph type="body" idx="1"/>
+          </p:nvPr>
+        </p:nvSpPr>
+        <p:spPr/>
+        <p:txBody>
+          <a:bodyPr/>
+          <a:lstStyle/>
+          <a:p>
+            <a:endParaRPr lang="en-US" dirty="0"/>
+          </a:p>
+        </p:txBody>
+      </p:sp>
+      <p:sp>
+        <p:nvSpPr>
+          <p:cNvPr id="4" name="Slide Number Placeholder 3"/>
+          <p:cNvSpPr>
+            <a:spLocks noGrp="1"/>
+          </p:cNvSpPr>
+          <p:nvPr>
+            <p:ph type="sldNum" sz="quarter" idx="5"/>
+          </p:nvPr>
+        </p:nvSpPr>
+        <p:spPr/>
+        <p:txBody>
+          <a:bodyPr/>
+          <a:lstStyle/>
+          <a:p>
+            <a:fld id="{5BFEAE42-E3FE-4405-B7FC-4425D05B92A0}" type="slidenum">
+              <a:rPr lang="en-US" smtClean="0"/>
+              <a:pPr/>
+              <a:t>9</a:t>
+            </a:fld>
+            <a:endParaRPr lang="en-US" dirty="0"/>
+          </a:p>
+        </p:txBody>
+      </p:sp>
+    </p:spTree>
+    <p:extLst>
+      <p:ext uri="{BB962C8B-B14F-4D97-AF65-F5344CB8AC3E}">
+        <p14:creationId xmlns:p14="http://schemas.microsoft.com/office/powerpoint/2010/main" val="3519320861"/>
+      </p:ext>
+    </p:extLst>
+  </p:cSld>
+  <p:clrMapOvr>
+    <a:masterClrMapping/>
+  </p:clrMapOvr>
+</p:notes>
+</file>
+
+<file path=ppt/notesSlides/notesSlide8.xml><?xml version="1.0" encoding="utf-8"?>
+<p:notes xmlns:a="http://schemas.openxmlformats.org/drawingml/2006/main" xmlns:r="http://schemas.openxmlformats.org/officeDocument/2006/relationships" xmlns:p="http://schemas.openxmlformats.org/presentationml/2006/main">
+  <p:cSld>
+    <p:spTree>
+      <p:nvGrpSpPr>
+        <p:cNvPr id="1" name=""/>
+        <p:cNvGrpSpPr/>
+        <p:nvPr/>
+      </p:nvGrpSpPr>
+      <p:grpSpPr>
+        <a:xfrm>
+          <a:off x="0" y="0"/>
+          <a:ext cx="0" cy="0"/>
+          <a:chOff x="0" y="0"/>
+          <a:chExt cx="0" cy="0"/>
+        </a:xfrm>
+      </p:grpSpPr>
+      <p:sp>
+        <p:nvSpPr>
+          <p:cNvPr id="2" name="Slide Image Placeholder 1"/>
+          <p:cNvSpPr>
+            <a:spLocks noGrp="1" noRot="1" noChangeAspect="1"/>
+          </p:cNvSpPr>
+          <p:nvPr>
+            <p:ph type="sldImg"/>
+          </p:nvPr>
+        </p:nvSpPr>
+        <p:spPr>
+          <a:xfrm>
+            <a:off x="381000" y="381000"/>
+            <a:ext cx="4572000" cy="2573338"/>
+          </a:xfrm>
+        </p:spPr>
+      </p:sp>
+      <p:sp>
+        <p:nvSpPr>
+          <p:cNvPr id="3" name="Notes Placeholder 2"/>
+          <p:cNvSpPr>
+            <a:spLocks noGrp="1"/>
+          </p:cNvSpPr>
+          <p:nvPr>
+            <p:ph type="body" idx="1"/>
+          </p:nvPr>
+        </p:nvSpPr>
+        <p:spPr/>
+        <p:txBody>
+          <a:bodyPr/>
+          <a:lstStyle/>
+          <a:p>
+            <a:endParaRPr lang="en-US" dirty="0"/>
+          </a:p>
+        </p:txBody>
+      </p:sp>
+      <p:sp>
+        <p:nvSpPr>
+          <p:cNvPr id="4" name="Slide Number Placeholder 3"/>
+          <p:cNvSpPr>
+            <a:spLocks noGrp="1"/>
+          </p:cNvSpPr>
+          <p:nvPr>
+            <p:ph type="sldNum" sz="quarter" idx="5"/>
+          </p:nvPr>
+        </p:nvSpPr>
+        <p:spPr/>
+        <p:txBody>
+          <a:bodyPr/>
+          <a:lstStyle/>
+          <a:p>
+            <a:fld id="{5BFEAE42-E3FE-4405-B7FC-4425D05B92A0}" type="slidenum">
+              <a:rPr lang="en-US" smtClean="0"/>
+              <a:pPr/>
+              <a:t>10</a:t>
+            </a:fld>
+            <a:endParaRPr lang="en-US" dirty="0"/>
+          </a:p>
+        </p:txBody>
+      </p:sp>
+    </p:spTree>
+    <p:extLst>
+      <p:ext uri="{BB962C8B-B14F-4D97-AF65-F5344CB8AC3E}">
+        <p14:creationId xmlns:p14="http://schemas.microsoft.com/office/powerpoint/2010/main" val="56130451"/>
+      </p:ext>
+    </p:extLst>
+  </p:cSld>
+  <p:clrMapOvr>
+    <a:masterClrMapping/>
+  </p:clrMapOvr>
+</p:notes>
+</file>
+
+<file path=ppt/notesSlides/notesSlide9.xml><?xml version="1.0" encoding="utf-8"?>
+<p:notes xmlns:a="http://schemas.openxmlformats.org/drawingml/2006/main" xmlns:r="http://schemas.openxmlformats.org/officeDocument/2006/relationships" xmlns:p="http://schemas.openxmlformats.org/presentationml/2006/main">
+  <p:cSld>
+    <p:spTree>
+      <p:nvGrpSpPr>
+        <p:cNvPr id="1" name=""/>
+        <p:cNvGrpSpPr/>
+        <p:nvPr/>
+      </p:nvGrpSpPr>
+      <p:grpSpPr>
+        <a:xfrm>
+          <a:off x="0" y="0"/>
+          <a:ext cx="0" cy="0"/>
+          <a:chOff x="0" y="0"/>
+          <a:chExt cx="0" cy="0"/>
+        </a:xfrm>
+      </p:grpSpPr>
+      <p:sp>
+        <p:nvSpPr>
+          <p:cNvPr id="2" name="Slide Image Placeholder 1"/>
+          <p:cNvSpPr>
+            <a:spLocks noGrp="1" noRot="1" noChangeAspect="1"/>
+          </p:cNvSpPr>
+          <p:nvPr>
+            <p:ph type="sldImg"/>
+          </p:nvPr>
+        </p:nvSpPr>
+        <p:spPr>
+          <a:xfrm>
+            <a:off x="381000" y="381000"/>
+            <a:ext cx="4572000" cy="2573338"/>
+          </a:xfrm>
+        </p:spPr>
+      </p:sp>
+      <p:sp>
+        <p:nvSpPr>
+          <p:cNvPr id="3" name="Notes Placeholder 2"/>
+          <p:cNvSpPr>
+            <a:spLocks noGrp="1"/>
+          </p:cNvSpPr>
+          <p:nvPr>
+            <p:ph type="body" idx="1"/>
+          </p:nvPr>
+        </p:nvSpPr>
+        <p:spPr/>
+        <p:txBody>
+          <a:bodyPr/>
+          <a:lstStyle/>
+          <a:p>
+            <a:endParaRPr lang="en-US" dirty="0"/>
+          </a:p>
+        </p:txBody>
+      </p:sp>
+      <p:sp>
+        <p:nvSpPr>
+          <p:cNvPr id="4" name="Slide Number Placeholder 3"/>
+          <p:cNvSpPr>
+            <a:spLocks noGrp="1"/>
+          </p:cNvSpPr>
+          <p:nvPr>
+            <p:ph type="sldNum" sz="quarter" idx="5"/>
+          </p:nvPr>
+        </p:nvSpPr>
+        <p:spPr/>
+        <p:txBody>
+          <a:bodyPr/>
+          <a:lstStyle/>
+          <a:p>
+            <a:fld id="{5BFEAE42-E3FE-4405-B7FC-4425D05B92A0}" type="slidenum">
+              <a:rPr lang="en-US" smtClean="0"/>
+              <a:pPr/>
+              <a:t>11</a:t>
+            </a:fld>
+            <a:endParaRPr lang="en-US" dirty="0"/>
+          </a:p>
+        </p:txBody>
+      </p:sp>
+    </p:spTree>
+    <p:extLst>
+      <p:ext uri="{BB962C8B-B14F-4D97-AF65-F5344CB8AC3E}">
+        <p14:creationId xmlns:p14="http://schemas.microsoft.com/office/powerpoint/2010/main" val="3001343494"/>
       </p:ext>
     </p:extLst>
   </p:cSld>
@@ -1294,7 +1749,7 @@
             </a:ln>
             <a:extLst>
               <a:ext uri="{91240B29-F687-4f45-9708-019B960494DF}">
-                <a14:hiddenLine xmlns:a14="http://schemas.microsoft.com/office/drawing/2010/main" xmlns="" w="9525">
+                <a14:hiddenLine xmlns="" xmlns:a14="http://schemas.microsoft.com/office/drawing/2010/main" w="9525">
                   <a:solidFill>
                     <a:srgbClr val="000000"/>
                   </a:solidFill>
@@ -3356,7 +3811,7 @@
             </a:ln>
             <a:extLst>
               <a:ext uri="{91240B29-F687-4f45-9708-019B960494DF}">
-                <a14:hiddenLine xmlns:a14="http://schemas.microsoft.com/office/drawing/2010/main" xmlns="" w="9525">
+                <a14:hiddenLine xmlns="" xmlns:a14="http://schemas.microsoft.com/office/drawing/2010/main" w="9525">
                   <a:solidFill>
                     <a:srgbClr val="000000"/>
                   </a:solidFill>
@@ -6854,7 +7309,7 @@
             </a:ln>
             <a:extLst>
               <a:ext uri="{91240B29-F687-4f45-9708-019B960494DF}">
-                <a14:hiddenLine xmlns:a14="http://schemas.microsoft.com/office/drawing/2010/main" xmlns="" w="9525">
+                <a14:hiddenLine xmlns="" xmlns:a14="http://schemas.microsoft.com/office/drawing/2010/main" w="9525">
                   <a:solidFill>
                     <a:srgbClr val="000000"/>
                   </a:solidFill>
@@ -8916,7 +9371,7 @@
             </a:ln>
             <a:extLst>
               <a:ext uri="{91240B29-F687-4f45-9708-019B960494DF}">
-                <a14:hiddenLine xmlns:a14="http://schemas.microsoft.com/office/drawing/2010/main" xmlns="" w="9525">
+                <a14:hiddenLine xmlns="" xmlns:a14="http://schemas.microsoft.com/office/drawing/2010/main" w="9525">
                   <a:solidFill>
                     <a:srgbClr val="000000"/>
                   </a:solidFill>
@@ -14458,7 +14913,7 @@
             </a:ln>
             <a:extLst>
               <a:ext uri="{91240B29-F687-4f45-9708-019B960494DF}">
-                <a14:hiddenLine xmlns:a14="http://schemas.microsoft.com/office/drawing/2010/main" xmlns="" w="9525">
+                <a14:hiddenLine xmlns="" xmlns:a14="http://schemas.microsoft.com/office/drawing/2010/main" w="9525">
                   <a:solidFill>
                     <a:srgbClr val="000000"/>
                   </a:solidFill>
@@ -16526,7 +16981,7 @@
             </a:ln>
             <a:extLst>
               <a:ext uri="{91240B29-F687-4f45-9708-019B960494DF}">
-                <a14:hiddenLine xmlns:a14="http://schemas.microsoft.com/office/drawing/2010/main" xmlns="" w="9525">
+                <a14:hiddenLine xmlns="" xmlns:a14="http://schemas.microsoft.com/office/drawing/2010/main" w="9525">
                   <a:solidFill>
                     <a:srgbClr val="000000"/>
                   </a:solidFill>
@@ -16738,7 +17193,7 @@
             </a:ln>
             <a:extLst>
               <a:ext uri="{91240B29-F687-4f45-9708-019B960494DF}">
-                <a14:hiddenLine xmlns:a14="http://schemas.microsoft.com/office/drawing/2010/main" xmlns="" w="9525">
+                <a14:hiddenLine xmlns="" xmlns:a14="http://schemas.microsoft.com/office/drawing/2010/main" w="9525">
                   <a:solidFill>
                     <a:srgbClr val="000000"/>
                   </a:solidFill>
@@ -18800,7 +19255,7 @@
             </a:ln>
             <a:extLst>
               <a:ext uri="{91240B29-F687-4f45-9708-019B960494DF}">
-                <a14:hiddenLine xmlns:a14="http://schemas.microsoft.com/office/drawing/2010/main" xmlns="" w="9525">
+                <a14:hiddenLine xmlns="" xmlns:a14="http://schemas.microsoft.com/office/drawing/2010/main" w="9525">
                   <a:solidFill>
                     <a:srgbClr val="000000"/>
                   </a:solidFill>
@@ -23443,6 +23898,1131 @@
     <p:extLst>
       <p:ext uri="{BB962C8B-B14F-4D97-AF65-F5344CB8AC3E}">
         <p14:creationId xmlns:p14="http://schemas.microsoft.com/office/powerpoint/2010/main" val="3182448054"/>
+      </p:ext>
+    </p:extLst>
+  </p:cSld>
+  <p:clrMapOvr>
+    <a:masterClrMapping/>
+  </p:clrMapOvr>
+</p:sld>
+</file>
+
+<file path=ppt/slides/slide10.xml><?xml version="1.0" encoding="utf-8"?>
+<p:sld xmlns:a="http://schemas.openxmlformats.org/drawingml/2006/main" xmlns:r="http://schemas.openxmlformats.org/officeDocument/2006/relationships" xmlns:p="http://schemas.openxmlformats.org/presentationml/2006/main">
+  <p:cSld>
+    <p:spTree>
+      <p:nvGrpSpPr>
+        <p:cNvPr id="1" name=""/>
+        <p:cNvGrpSpPr/>
+        <p:nvPr/>
+      </p:nvGrpSpPr>
+      <p:grpSpPr>
+        <a:xfrm>
+          <a:off x="0" y="0"/>
+          <a:ext cx="0" cy="0"/>
+          <a:chOff x="0" y="0"/>
+          <a:chExt cx="0" cy="0"/>
+        </a:xfrm>
+      </p:grpSpPr>
+      <p:sp>
+        <p:nvSpPr>
+          <p:cNvPr id="2" name="Text Placeholder 1">
+            <a:extLst>
+              <a:ext uri="{FF2B5EF4-FFF2-40B4-BE49-F238E27FC236}">
+                <a16:creationId xmlns:a16="http://schemas.microsoft.com/office/drawing/2014/main" id="{E8A4E8EF-4032-D14A-84E4-E40CE1EC27AC}"/>
+              </a:ext>
+            </a:extLst>
+          </p:cNvPr>
+          <p:cNvSpPr>
+            <a:spLocks noGrp="1"/>
+          </p:cNvSpPr>
+          <p:nvPr>
+            <p:ph type="body" sz="quarter" idx="13"/>
+          </p:nvPr>
+        </p:nvSpPr>
+        <p:spPr/>
+        <p:txBody>
+          <a:bodyPr/>
+          <a:lstStyle/>
+          <a:p>
+            <a:r>
+              <a:rPr lang="en-US" dirty="0"/>
+              <a:t>Implementation – Progressive Filtering using a Recursive Procedure</a:t>
+            </a:r>
+          </a:p>
+        </p:txBody>
+      </p:sp>
+      <p:sp>
+        <p:nvSpPr>
+          <p:cNvPr id="3" name="Text Placeholder 2">
+            <a:extLst>
+              <a:ext uri="{FF2B5EF4-FFF2-40B4-BE49-F238E27FC236}">
+                <a16:creationId xmlns:a16="http://schemas.microsoft.com/office/drawing/2014/main" id="{0403268D-B53F-F94D-8F5E-2BC9C380ADA0}"/>
+              </a:ext>
+            </a:extLst>
+          </p:cNvPr>
+          <p:cNvSpPr>
+            <a:spLocks noGrp="1"/>
+          </p:cNvSpPr>
+          <p:nvPr>
+            <p:ph type="body" sz="quarter" idx="17"/>
+          </p:nvPr>
+        </p:nvSpPr>
+        <p:spPr>
+          <a:xfrm>
+            <a:off x="21220" y="1360194"/>
+            <a:ext cx="9829800" cy="4473488"/>
+          </a:xfrm>
+        </p:spPr>
+        <p:txBody>
+          <a:bodyPr>
+            <a:noAutofit/>
+          </a:bodyPr>
+          <a:lstStyle/>
+          <a:p>
+            <a:pPr lvl="3"/>
+            <a:r>
+              <a:rPr lang="en-US" i="1" dirty="0">
+                <a:solidFill>
+                  <a:schemeClr val="accent1"/>
+                </a:solidFill>
+                <a:latin typeface="MetricHPE" pitchFamily="2" charset="77"/>
+              </a:rPr>
+              <a:t>// </a:t>
+            </a:r>
+            <a:r>
+              <a:rPr lang="en-US" dirty="0">
+                <a:solidFill>
+                  <a:schemeClr val="accent1"/>
+                </a:solidFill>
+                <a:latin typeface="MetricHPE" pitchFamily="2" charset="77"/>
+              </a:rPr>
+              <a:t>recursive helper for wavelet computation</a:t>
+            </a:r>
+          </a:p>
+          <a:p>
+            <a:pPr lvl="3"/>
+            <a:r>
+              <a:rPr lang="en-US" b="1" dirty="0"/>
+              <a:t>proc</a:t>
+            </a:r>
+            <a:r>
+              <a:rPr lang="en-US" dirty="0"/>
+              <a:t> </a:t>
+            </a:r>
+            <a:r>
+              <a:rPr lang="en-US" dirty="0" err="1"/>
+              <a:t>hwRec</a:t>
+            </a:r>
+            <a:r>
+              <a:rPr lang="en-US" dirty="0"/>
+              <a:t>(</a:t>
+            </a:r>
+            <a:r>
+              <a:rPr lang="en-US" b="1" dirty="0"/>
+              <a:t>const</a:t>
+            </a:r>
+            <a:r>
+              <a:rPr lang="en-US" dirty="0"/>
+              <a:t> signal, </a:t>
+            </a:r>
+            <a:r>
+              <a:rPr lang="en-US" b="1" dirty="0"/>
+              <a:t>ref </a:t>
+            </a:r>
+            <a:r>
+              <a:rPr lang="en-US" dirty="0"/>
+              <a:t>output, fmax: </a:t>
+            </a:r>
+            <a:r>
+              <a:rPr lang="en-US" b="1" dirty="0"/>
+              <a:t>int</a:t>
+            </a:r>
+            <a:r>
+              <a:rPr lang="en-US" dirty="0"/>
+              <a:t>, </a:t>
+            </a:r>
+            <a:r>
+              <a:rPr lang="en-US" dirty="0" err="1"/>
+              <a:t>fstop</a:t>
+            </a:r>
+            <a:r>
+              <a:rPr lang="en-US" dirty="0"/>
+              <a:t>:</a:t>
+            </a:r>
+            <a:r>
+              <a:rPr lang="en-US" b="1" dirty="0"/>
+              <a:t> int</a:t>
+            </a:r>
+            <a:r>
+              <a:rPr lang="en-US" dirty="0"/>
+              <a:t>) {</a:t>
+            </a:r>
+          </a:p>
+          <a:p>
+            <a:pPr lvl="3"/>
+            <a:r>
+              <a:rPr lang="en-US" dirty="0"/>
+              <a:t>  </a:t>
+            </a:r>
+            <a:r>
+              <a:rPr lang="en-US" dirty="0">
+                <a:solidFill>
+                  <a:schemeClr val="accent1"/>
+                </a:solidFill>
+                <a:latin typeface="MetricHPE" pitchFamily="2" charset="77"/>
+              </a:rPr>
+              <a:t>// check termination condition</a:t>
+            </a:r>
+            <a:endParaRPr lang="en-US" dirty="0"/>
+          </a:p>
+          <a:p>
+            <a:pPr lvl="3"/>
+            <a:r>
+              <a:rPr lang="en-US" b="1" dirty="0"/>
+              <a:t>  if</a:t>
+            </a:r>
+            <a:r>
+              <a:rPr lang="en-US" dirty="0"/>
+              <a:t> fmax == </a:t>
+            </a:r>
+            <a:r>
+              <a:rPr lang="en-US" dirty="0" err="1"/>
+              <a:t>fstop</a:t>
+            </a:r>
+            <a:r>
+              <a:rPr lang="en-US" dirty="0"/>
+              <a:t> {</a:t>
+            </a:r>
+          </a:p>
+          <a:p>
+            <a:pPr lvl="3"/>
+            <a:r>
+              <a:rPr lang="en-US" dirty="0"/>
+              <a:t>    </a:t>
+            </a:r>
+            <a:r>
+              <a:rPr lang="en-US" dirty="0">
+                <a:solidFill>
+                  <a:schemeClr val="accent1"/>
+                </a:solidFill>
+                <a:latin typeface="MetricHPE" pitchFamily="2" charset="77"/>
+              </a:rPr>
+              <a:t>// store the final layer of high-pass coefficients</a:t>
+            </a:r>
+          </a:p>
+          <a:p>
+            <a:pPr lvl="3"/>
+            <a:r>
+              <a:rPr lang="en-US" dirty="0"/>
+              <a:t>	 output[{0..&lt;fmax}] = signal;</a:t>
+            </a:r>
+          </a:p>
+          <a:p>
+            <a:pPr lvl="3"/>
+            <a:r>
+              <a:rPr lang="en-US" dirty="0"/>
+              <a:t>  } </a:t>
+            </a:r>
+            <a:r>
+              <a:rPr lang="en-US" b="1" dirty="0"/>
+              <a:t>else</a:t>
+            </a:r>
+            <a:r>
+              <a:rPr lang="en-US" dirty="0"/>
+              <a:t> {</a:t>
+            </a:r>
+          </a:p>
+          <a:p>
+            <a:pPr lvl="3"/>
+            <a:r>
+              <a:rPr lang="en-US" dirty="0"/>
+              <a:t>    </a:t>
+            </a:r>
+            <a:r>
+              <a:rPr lang="en-US" b="1" dirty="0" err="1"/>
+              <a:t>cobegin</a:t>
+            </a:r>
+            <a:r>
+              <a:rPr lang="en-US" dirty="0"/>
+              <a:t> {</a:t>
+            </a:r>
+          </a:p>
+          <a:p>
+            <a:pPr lvl="3"/>
+            <a:r>
+              <a:rPr lang="en-US" dirty="0"/>
+              <a:t>      </a:t>
+            </a:r>
+            <a:r>
+              <a:rPr lang="en-US" dirty="0">
+                <a:solidFill>
+                  <a:schemeClr val="accent1"/>
+                </a:solidFill>
+                <a:latin typeface="MetricHPE" pitchFamily="2" charset="77"/>
+              </a:rPr>
+              <a:t>// compute and store the low-pass coefficients</a:t>
+            </a:r>
+          </a:p>
+          <a:p>
+            <a:pPr lvl="3"/>
+            <a:r>
+              <a:rPr lang="en-US" dirty="0"/>
+              <a:t>      output[{fmax/2..&lt;fmax}] = downSample2(</a:t>
+            </a:r>
+            <a:r>
+              <a:rPr lang="en-US" dirty="0" err="1"/>
+              <a:t>haarLP</a:t>
+            </a:r>
+            <a:r>
+              <a:rPr lang="en-US" dirty="0"/>
+              <a:t>(signal));</a:t>
+            </a:r>
+          </a:p>
+          <a:p>
+            <a:pPr lvl="3"/>
+            <a:br>
+              <a:rPr lang="en-US" dirty="0"/>
+            </a:br>
+            <a:r>
+              <a:rPr lang="en-US" dirty="0"/>
+              <a:t>	   </a:t>
+            </a:r>
+            <a:r>
+              <a:rPr lang="en-US" dirty="0">
+                <a:solidFill>
+                  <a:schemeClr val="accent1"/>
+                </a:solidFill>
+                <a:latin typeface="MetricHPE" pitchFamily="2" charset="77"/>
+              </a:rPr>
+              <a:t>// compute the high-pass coefficients and start the next layer of filtering</a:t>
+            </a:r>
+          </a:p>
+          <a:p>
+            <a:pPr lvl="3"/>
+            <a:r>
+              <a:rPr lang="en-US" dirty="0"/>
+              <a:t>	   </a:t>
+            </a:r>
+            <a:r>
+              <a:rPr lang="en-US" dirty="0" err="1"/>
+              <a:t>hwRec</a:t>
+            </a:r>
+            <a:r>
+              <a:rPr lang="en-US" dirty="0"/>
+              <a:t>(downSample2(</a:t>
+            </a:r>
+            <a:r>
+              <a:rPr lang="en-US" dirty="0" err="1"/>
+              <a:t>haarHP</a:t>
+            </a:r>
+            <a:r>
+              <a:rPr lang="en-US" dirty="0"/>
+              <a:t>(signal)), output, fmax/2, </a:t>
+            </a:r>
+            <a:r>
+              <a:rPr lang="en-US" dirty="0" err="1"/>
+              <a:t>fstop</a:t>
+            </a:r>
+            <a:r>
+              <a:rPr lang="en-US" dirty="0"/>
+              <a:t>);</a:t>
+            </a:r>
+          </a:p>
+          <a:p>
+            <a:pPr lvl="3"/>
+            <a:r>
+              <a:rPr lang="en-US" dirty="0"/>
+              <a:t>	 }</a:t>
+            </a:r>
+          </a:p>
+          <a:p>
+            <a:pPr lvl="3"/>
+            <a:r>
+              <a:rPr lang="en-US" dirty="0"/>
+              <a:t>  }</a:t>
+            </a:r>
+          </a:p>
+          <a:p>
+            <a:pPr lvl="3"/>
+            <a:r>
+              <a:rPr lang="en-US" dirty="0"/>
+              <a:t>}</a:t>
+            </a:r>
+          </a:p>
+          <a:p>
+            <a:pPr marL="228600" lvl="1" indent="0">
+              <a:buNone/>
+            </a:pPr>
+            <a:endParaRPr lang="en-US" dirty="0"/>
+          </a:p>
+        </p:txBody>
+      </p:sp>
+      <p:sp>
+        <p:nvSpPr>
+          <p:cNvPr id="4" name="Slide Number Placeholder 3">
+            <a:extLst>
+              <a:ext uri="{FF2B5EF4-FFF2-40B4-BE49-F238E27FC236}">
+                <a16:creationId xmlns:a16="http://schemas.microsoft.com/office/drawing/2014/main" id="{5C769D27-6D90-BB4B-81F4-5D24D8966175}"/>
+              </a:ext>
+            </a:extLst>
+          </p:cNvPr>
+          <p:cNvSpPr>
+            <a:spLocks noGrp="1"/>
+          </p:cNvSpPr>
+          <p:nvPr>
+            <p:ph type="sldNum" sz="quarter" idx="19"/>
+          </p:nvPr>
+        </p:nvSpPr>
+        <p:spPr/>
+        <p:txBody>
+          <a:bodyPr/>
+          <a:lstStyle/>
+          <a:p>
+            <a:pPr defTabSz="1088421">
+              <a:buFontTx/>
+              <a:buBlip>
+                <a:blip r:embed="rId3"/>
+              </a:buBlip>
+            </a:pPr>
+            <a:fld id="{104FC826-72BB-4AF1-BA01-A94F7396A7DC}" type="slidenum">
+              <a:rPr lang="en-US" smtClean="0"/>
+              <a:pPr defTabSz="1088421">
+                <a:buFontTx/>
+                <a:buBlip>
+                  <a:blip r:embed="rId3"/>
+                </a:buBlip>
+              </a:pPr>
+              <a:t>10</a:t>
+            </a:fld>
+            <a:endParaRPr lang="en-US" dirty="0"/>
+          </a:p>
+        </p:txBody>
+      </p:sp>
+      <p:sp>
+        <p:nvSpPr>
+          <p:cNvPr id="5" name="Title 4">
+            <a:extLst>
+              <a:ext uri="{FF2B5EF4-FFF2-40B4-BE49-F238E27FC236}">
+                <a16:creationId xmlns:a16="http://schemas.microsoft.com/office/drawing/2014/main" id="{23081C05-18A9-5E49-9AC3-CE63E7FC2E8B}"/>
+              </a:ext>
+            </a:extLst>
+          </p:cNvPr>
+          <p:cNvSpPr>
+            <a:spLocks noGrp="1"/>
+          </p:cNvSpPr>
+          <p:nvPr>
+            <p:ph type="title"/>
+          </p:nvPr>
+        </p:nvSpPr>
+        <p:spPr/>
+        <p:txBody>
+          <a:bodyPr/>
+          <a:lstStyle/>
+          <a:p>
+            <a:r>
+              <a:rPr lang="en-US" dirty="0"/>
+              <a:t>Wavelet Transform</a:t>
+            </a:r>
+          </a:p>
+        </p:txBody>
+      </p:sp>
+    </p:spTree>
+    <p:extLst>
+      <p:ext uri="{BB962C8B-B14F-4D97-AF65-F5344CB8AC3E}">
+        <p14:creationId xmlns:p14="http://schemas.microsoft.com/office/powerpoint/2010/main" val="873961934"/>
+      </p:ext>
+    </p:extLst>
+  </p:cSld>
+  <p:clrMapOvr>
+    <a:masterClrMapping/>
+  </p:clrMapOvr>
+</p:sld>
+</file>
+
+<file path=ppt/slides/slide11.xml><?xml version="1.0" encoding="utf-8"?>
+<p:sld xmlns:a="http://schemas.openxmlformats.org/drawingml/2006/main" xmlns:r="http://schemas.openxmlformats.org/officeDocument/2006/relationships" xmlns:p="http://schemas.openxmlformats.org/presentationml/2006/main">
+  <p:cSld>
+    <p:spTree>
+      <p:nvGrpSpPr>
+        <p:cNvPr id="1" name=""/>
+        <p:cNvGrpSpPr/>
+        <p:nvPr/>
+      </p:nvGrpSpPr>
+      <p:grpSpPr>
+        <a:xfrm>
+          <a:off x="0" y="0"/>
+          <a:ext cx="0" cy="0"/>
+          <a:chOff x="0" y="0"/>
+          <a:chExt cx="0" cy="0"/>
+        </a:xfrm>
+      </p:grpSpPr>
+      <p:sp>
+        <p:nvSpPr>
+          <p:cNvPr id="2" name="Text Placeholder 1">
+            <a:extLst>
+              <a:ext uri="{FF2B5EF4-FFF2-40B4-BE49-F238E27FC236}">
+                <a16:creationId xmlns:a16="http://schemas.microsoft.com/office/drawing/2014/main" id="{E8A4E8EF-4032-D14A-84E4-E40CE1EC27AC}"/>
+              </a:ext>
+            </a:extLst>
+          </p:cNvPr>
+          <p:cNvSpPr>
+            <a:spLocks noGrp="1"/>
+          </p:cNvSpPr>
+          <p:nvPr>
+            <p:ph type="body" sz="quarter" idx="13"/>
+          </p:nvPr>
+        </p:nvSpPr>
+        <p:spPr/>
+        <p:txBody>
+          <a:bodyPr/>
+          <a:lstStyle/>
+          <a:p>
+            <a:r>
+              <a:rPr lang="en-US" dirty="0"/>
+              <a:t>Implementation – Calling Recursive Procedure</a:t>
+            </a:r>
+          </a:p>
+        </p:txBody>
+      </p:sp>
+      <p:sp>
+        <p:nvSpPr>
+          <p:cNvPr id="3" name="Text Placeholder 2">
+            <a:extLst>
+              <a:ext uri="{FF2B5EF4-FFF2-40B4-BE49-F238E27FC236}">
+                <a16:creationId xmlns:a16="http://schemas.microsoft.com/office/drawing/2014/main" id="{0403268D-B53F-F94D-8F5E-2BC9C380ADA0}"/>
+              </a:ext>
+            </a:extLst>
+          </p:cNvPr>
+          <p:cNvSpPr>
+            <a:spLocks noGrp="1"/>
+          </p:cNvSpPr>
+          <p:nvPr>
+            <p:ph type="body" sz="quarter" idx="17"/>
+          </p:nvPr>
+        </p:nvSpPr>
+        <p:spPr>
+          <a:xfrm>
+            <a:off x="21220" y="1360194"/>
+            <a:ext cx="9829800" cy="4473488"/>
+          </a:xfrm>
+        </p:spPr>
+        <p:txBody>
+          <a:bodyPr>
+            <a:noAutofit/>
+          </a:bodyPr>
+          <a:lstStyle/>
+          <a:p>
+            <a:pPr lvl="3"/>
+            <a:r>
+              <a:rPr lang="en-US" dirty="0">
+                <a:solidFill>
+                  <a:schemeClr val="accent1"/>
+                </a:solidFill>
+                <a:latin typeface="MetricHPE" pitchFamily="2" charset="77"/>
+              </a:rPr>
+              <a:t>// compute an n-level DWT of x</a:t>
+            </a:r>
+          </a:p>
+          <a:p>
+            <a:pPr lvl="3"/>
+            <a:r>
+              <a:rPr lang="en-US" b="1" dirty="0"/>
+              <a:t>proc</a:t>
+            </a:r>
+            <a:r>
+              <a:rPr lang="en-US" dirty="0"/>
+              <a:t> haarWavelet1D(x: [?d] ?t, n): [d] t {</a:t>
+            </a:r>
+          </a:p>
+          <a:p>
+            <a:pPr lvl="3"/>
+            <a:r>
+              <a:rPr lang="en-US" dirty="0"/>
+              <a:t>	</a:t>
+            </a:r>
+            <a:r>
+              <a:rPr lang="en-US" b="1" dirty="0"/>
+              <a:t>assert</a:t>
+            </a:r>
+            <a:r>
+              <a:rPr lang="en-US" dirty="0"/>
+              <a:t>(2**log2(</a:t>
+            </a:r>
+            <a:r>
+              <a:rPr lang="en-US" dirty="0" err="1"/>
+              <a:t>d.size</a:t>
+            </a:r>
+            <a:r>
+              <a:rPr lang="en-US" dirty="0"/>
+              <a:t>) == </a:t>
+            </a:r>
+            <a:r>
+              <a:rPr lang="en-US" dirty="0" err="1"/>
+              <a:t>d.size</a:t>
+            </a:r>
+            <a:r>
+              <a:rPr lang="en-US" dirty="0"/>
+              <a:t>, "array size must be a power of 2");</a:t>
+            </a:r>
+          </a:p>
+          <a:p>
+            <a:pPr lvl="3"/>
+            <a:br>
+              <a:rPr lang="en-US" dirty="0"/>
+            </a:br>
+            <a:r>
+              <a:rPr lang="en-US" dirty="0"/>
+              <a:t>	</a:t>
+            </a:r>
+            <a:r>
+              <a:rPr lang="en-US" b="1" dirty="0"/>
+              <a:t>var</a:t>
+            </a:r>
+            <a:r>
+              <a:rPr lang="en-US" dirty="0"/>
+              <a:t> output : [d] t;</a:t>
+            </a:r>
+          </a:p>
+          <a:p>
+            <a:pPr lvl="3"/>
+            <a:r>
+              <a:rPr lang="en-US" dirty="0"/>
+              <a:t>	</a:t>
+            </a:r>
+            <a:r>
+              <a:rPr lang="en-US" dirty="0" err="1"/>
+              <a:t>hwRec</a:t>
+            </a:r>
+            <a:r>
+              <a:rPr lang="en-US" dirty="0"/>
+              <a:t>(x, output, </a:t>
+            </a:r>
+            <a:r>
+              <a:rPr lang="en-US" dirty="0" err="1"/>
+              <a:t>d.size</a:t>
+            </a:r>
+            <a:r>
+              <a:rPr lang="en-US" dirty="0"/>
+              <a:t>, </a:t>
+            </a:r>
+            <a:r>
+              <a:rPr lang="en-US" dirty="0" err="1"/>
+              <a:t>d.size</a:t>
+            </a:r>
+            <a:r>
+              <a:rPr lang="en-US" dirty="0"/>
+              <a:t> / 2**n);</a:t>
+            </a:r>
+          </a:p>
+          <a:p>
+            <a:pPr lvl="3"/>
+            <a:r>
+              <a:rPr lang="en-US" dirty="0"/>
+              <a:t>	</a:t>
+            </a:r>
+            <a:r>
+              <a:rPr lang="en-US" b="1" dirty="0"/>
+              <a:t>return</a:t>
+            </a:r>
+            <a:r>
+              <a:rPr lang="en-US" dirty="0"/>
+              <a:t> output;</a:t>
+            </a:r>
+          </a:p>
+          <a:p>
+            <a:pPr lvl="3"/>
+            <a:r>
+              <a:rPr lang="en-US" dirty="0"/>
+              <a:t>}</a:t>
+            </a:r>
+          </a:p>
+          <a:p>
+            <a:pPr lvl="3"/>
+            <a:endParaRPr lang="en-US" dirty="0"/>
+          </a:p>
+          <a:p>
+            <a:pPr lvl="3"/>
+            <a:r>
+              <a:rPr lang="en-US" dirty="0">
+                <a:solidFill>
+                  <a:schemeClr val="accent1"/>
+                </a:solidFill>
+                <a:latin typeface="MetricHPE" pitchFamily="2" charset="77"/>
+              </a:rPr>
+              <a:t>// apply a 3-level DWT to a simple signal</a:t>
+            </a:r>
+            <a:endParaRPr lang="en-US" dirty="0"/>
+          </a:p>
+          <a:p>
+            <a:pPr lvl="3"/>
+            <a:r>
+              <a:rPr lang="en-US" b="1" dirty="0"/>
+              <a:t>var</a:t>
+            </a:r>
+            <a:r>
+              <a:rPr lang="en-US" dirty="0"/>
+              <a:t> signal = [</a:t>
+            </a:r>
+            <a:r>
+              <a:rPr lang="en-US" dirty="0" err="1"/>
+              <a:t>i</a:t>
+            </a:r>
+            <a:r>
+              <a:rPr lang="en-US" dirty="0"/>
+              <a:t> </a:t>
+            </a:r>
+            <a:r>
+              <a:rPr lang="en-US" b="1" dirty="0"/>
+              <a:t>in</a:t>
+            </a:r>
+            <a:r>
+              <a:rPr lang="en-US" dirty="0"/>
+              <a:t> {0..&lt;32}] (i-16)**2;</a:t>
+            </a:r>
+          </a:p>
+          <a:p>
+            <a:pPr lvl="3"/>
+            <a:r>
+              <a:rPr lang="en-US" b="1" dirty="0"/>
+              <a:t>var</a:t>
+            </a:r>
+            <a:r>
+              <a:rPr lang="en-US" dirty="0"/>
+              <a:t> </a:t>
+            </a:r>
+            <a:r>
+              <a:rPr lang="en-US" dirty="0" err="1"/>
+              <a:t>wt</a:t>
+            </a:r>
+            <a:r>
+              <a:rPr lang="en-US" dirty="0"/>
+              <a:t> = haarWavelet1D(signal, 3);</a:t>
+            </a:r>
+          </a:p>
+          <a:p>
+            <a:pPr lvl="3"/>
+            <a:br>
+              <a:rPr lang="en-US" dirty="0"/>
+            </a:br>
+            <a:r>
+              <a:rPr lang="en-US" b="1" dirty="0" err="1"/>
+              <a:t>writeln</a:t>
+            </a:r>
+            <a:r>
+              <a:rPr lang="en-US" dirty="0"/>
+              <a:t>(signal);</a:t>
+            </a:r>
+          </a:p>
+          <a:p>
+            <a:pPr lvl="3"/>
+            <a:r>
+              <a:rPr lang="en-US" b="1" dirty="0" err="1"/>
+              <a:t>writeln</a:t>
+            </a:r>
+            <a:r>
+              <a:rPr lang="en-US" dirty="0"/>
+              <a:t>(</a:t>
+            </a:r>
+            <a:r>
+              <a:rPr lang="en-US" dirty="0" err="1"/>
+              <a:t>wt</a:t>
+            </a:r>
+            <a:r>
+              <a:rPr lang="en-US" dirty="0"/>
+              <a:t>);</a:t>
+            </a:r>
+          </a:p>
+          <a:p>
+            <a:pPr lvl="3"/>
+            <a:endParaRPr lang="en-US" dirty="0"/>
+          </a:p>
+          <a:p>
+            <a:pPr lvl="3"/>
+            <a:endParaRPr lang="en-US" dirty="0"/>
+          </a:p>
+          <a:p>
+            <a:pPr marL="228600" lvl="1" indent="0">
+              <a:buNone/>
+            </a:pPr>
+            <a:endParaRPr lang="en-US" dirty="0"/>
+          </a:p>
+        </p:txBody>
+      </p:sp>
+      <p:sp>
+        <p:nvSpPr>
+          <p:cNvPr id="4" name="Slide Number Placeholder 3">
+            <a:extLst>
+              <a:ext uri="{FF2B5EF4-FFF2-40B4-BE49-F238E27FC236}">
+                <a16:creationId xmlns:a16="http://schemas.microsoft.com/office/drawing/2014/main" id="{5C769D27-6D90-BB4B-81F4-5D24D8966175}"/>
+              </a:ext>
+            </a:extLst>
+          </p:cNvPr>
+          <p:cNvSpPr>
+            <a:spLocks noGrp="1"/>
+          </p:cNvSpPr>
+          <p:nvPr>
+            <p:ph type="sldNum" sz="quarter" idx="19"/>
+          </p:nvPr>
+        </p:nvSpPr>
+        <p:spPr/>
+        <p:txBody>
+          <a:bodyPr/>
+          <a:lstStyle/>
+          <a:p>
+            <a:pPr defTabSz="1088421">
+              <a:buFontTx/>
+              <a:buBlip>
+                <a:blip r:embed="rId3"/>
+              </a:buBlip>
+            </a:pPr>
+            <a:fld id="{104FC826-72BB-4AF1-BA01-A94F7396A7DC}" type="slidenum">
+              <a:rPr lang="en-US" smtClean="0"/>
+              <a:pPr defTabSz="1088421">
+                <a:buFontTx/>
+                <a:buBlip>
+                  <a:blip r:embed="rId3"/>
+                </a:buBlip>
+              </a:pPr>
+              <a:t>11</a:t>
+            </a:fld>
+            <a:endParaRPr lang="en-US" dirty="0"/>
+          </a:p>
+        </p:txBody>
+      </p:sp>
+      <p:sp>
+        <p:nvSpPr>
+          <p:cNvPr id="5" name="Title 4">
+            <a:extLst>
+              <a:ext uri="{FF2B5EF4-FFF2-40B4-BE49-F238E27FC236}">
+                <a16:creationId xmlns:a16="http://schemas.microsoft.com/office/drawing/2014/main" id="{23081C05-18A9-5E49-9AC3-CE63E7FC2E8B}"/>
+              </a:ext>
+            </a:extLst>
+          </p:cNvPr>
+          <p:cNvSpPr>
+            <a:spLocks noGrp="1"/>
+          </p:cNvSpPr>
+          <p:nvPr>
+            <p:ph type="title"/>
+          </p:nvPr>
+        </p:nvSpPr>
+        <p:spPr/>
+        <p:txBody>
+          <a:bodyPr/>
+          <a:lstStyle/>
+          <a:p>
+            <a:r>
+              <a:rPr lang="en-US" dirty="0"/>
+              <a:t>Wavelet Transform</a:t>
+            </a:r>
+          </a:p>
+        </p:txBody>
+      </p:sp>
+    </p:spTree>
+    <p:extLst>
+      <p:ext uri="{BB962C8B-B14F-4D97-AF65-F5344CB8AC3E}">
+        <p14:creationId xmlns:p14="http://schemas.microsoft.com/office/powerpoint/2010/main" val="303373903"/>
+      </p:ext>
+    </p:extLst>
+  </p:cSld>
+  <p:clrMapOvr>
+    <a:masterClrMapping/>
+  </p:clrMapOvr>
+</p:sld>
+</file>
+
+<file path=ppt/slides/slide12.xml><?xml version="1.0" encoding="utf-8"?>
+<p:sld xmlns:a="http://schemas.openxmlformats.org/drawingml/2006/main" xmlns:r="http://schemas.openxmlformats.org/officeDocument/2006/relationships" xmlns:p="http://schemas.openxmlformats.org/presentationml/2006/main">
+  <p:cSld>
+    <p:spTree>
+      <p:nvGrpSpPr>
+        <p:cNvPr id="1" name=""/>
+        <p:cNvGrpSpPr/>
+        <p:nvPr/>
+      </p:nvGrpSpPr>
+      <p:grpSpPr>
+        <a:xfrm>
+          <a:off x="0" y="0"/>
+          <a:ext cx="0" cy="0"/>
+          <a:chOff x="0" y="0"/>
+          <a:chExt cx="0" cy="0"/>
+        </a:xfrm>
+      </p:grpSpPr>
+      <p:sp>
+        <p:nvSpPr>
+          <p:cNvPr id="2" name="Text Placeholder 1">
+            <a:extLst>
+              <a:ext uri="{FF2B5EF4-FFF2-40B4-BE49-F238E27FC236}">
+                <a16:creationId xmlns:a16="http://schemas.microsoft.com/office/drawing/2014/main" id="{EC9C4A0F-287B-40DD-326C-B51F85714D1B}"/>
+              </a:ext>
+            </a:extLst>
+          </p:cNvPr>
+          <p:cNvSpPr>
+            <a:spLocks noGrp="1"/>
+          </p:cNvSpPr>
+          <p:nvPr>
+            <p:ph type="body" sz="quarter" idx="13"/>
+          </p:nvPr>
+        </p:nvSpPr>
+        <p:spPr/>
+        <p:txBody>
+          <a:bodyPr/>
+          <a:lstStyle/>
+          <a:p>
+            <a:r>
+              <a:rPr lang="en-US" dirty="0"/>
+              <a:t>Using code from previous slides on some real data</a:t>
+            </a:r>
+          </a:p>
+        </p:txBody>
+      </p:sp>
+      <p:sp>
+        <p:nvSpPr>
+          <p:cNvPr id="3" name="Text Placeholder 2">
+            <a:extLst>
+              <a:ext uri="{FF2B5EF4-FFF2-40B4-BE49-F238E27FC236}">
+                <a16:creationId xmlns:a16="http://schemas.microsoft.com/office/drawing/2014/main" id="{B8B315E4-AF66-F395-D51A-10A20D807810}"/>
+              </a:ext>
+            </a:extLst>
+          </p:cNvPr>
+          <p:cNvSpPr>
+            <a:spLocks noGrp="1"/>
+          </p:cNvSpPr>
+          <p:nvPr>
+            <p:ph type="body" sz="quarter" idx="17"/>
+          </p:nvPr>
+        </p:nvSpPr>
+        <p:spPr/>
+        <p:txBody>
+          <a:bodyPr/>
+          <a:lstStyle/>
+          <a:p>
+            <a:r>
+              <a:rPr lang="en-US" dirty="0"/>
+              <a:t>Looking at this example: </a:t>
+            </a:r>
+            <a:r>
+              <a:rPr lang="en-US" dirty="0">
+                <a:hlinkClick r:id="rId3"/>
+              </a:rPr>
+              <a:t>https://github.com/jeremiah-corrado/chpl_dwt_example</a:t>
+            </a:r>
+            <a:endParaRPr lang="en-US" dirty="0"/>
+          </a:p>
+          <a:p>
+            <a:pPr lvl="1"/>
+            <a:r>
+              <a:rPr lang="en-US" dirty="0"/>
+              <a:t>Compile with: </a:t>
+            </a:r>
+            <a:r>
+              <a:rPr lang="en-US" i="1" dirty="0"/>
+              <a:t>'</a:t>
+            </a:r>
+            <a:r>
+              <a:rPr lang="en-US" i="1" dirty="0" err="1"/>
+              <a:t>chpl</a:t>
+            </a:r>
+            <a:r>
+              <a:rPr lang="en-US" i="1" dirty="0"/>
+              <a:t> </a:t>
+            </a:r>
+            <a:r>
+              <a:rPr lang="en-US" i="1" dirty="0" err="1"/>
+              <a:t>wavelet.chpl</a:t>
+            </a:r>
+            <a:r>
+              <a:rPr lang="en-US" i="1" dirty="0"/>
+              <a:t> --fast</a:t>
+            </a:r>
+            <a:r>
+              <a:rPr lang="en-US" dirty="0"/>
+              <a:t>'</a:t>
+            </a:r>
+          </a:p>
+          <a:p>
+            <a:pPr lvl="1"/>
+            <a:r>
+              <a:rPr lang="en-US" dirty="0"/>
+              <a:t>Run with: </a:t>
+            </a:r>
+            <a:r>
+              <a:rPr lang="en-US" i="1" dirty="0"/>
+              <a:t>'./wavelet</a:t>
+            </a:r>
+            <a:r>
+              <a:rPr lang="en-US" dirty="0"/>
+              <a:t>'</a:t>
+            </a:r>
+          </a:p>
+          <a:p>
+            <a:r>
+              <a:rPr lang="en-US" dirty="0"/>
+              <a:t>You should see an output like this in the results folder:</a:t>
+            </a:r>
+          </a:p>
+          <a:p>
+            <a:endParaRPr lang="en-US" dirty="0"/>
+          </a:p>
+          <a:p>
+            <a:endParaRPr lang="en-US" dirty="0"/>
+          </a:p>
+          <a:p>
+            <a:endParaRPr lang="en-US" dirty="0"/>
+          </a:p>
+          <a:p>
+            <a:endParaRPr lang="en-US" dirty="0"/>
+          </a:p>
+          <a:p>
+            <a:endParaRPr lang="en-US" dirty="0"/>
+          </a:p>
+          <a:p>
+            <a:endParaRPr lang="en-US" dirty="0"/>
+          </a:p>
+          <a:p>
+            <a:endParaRPr lang="en-US" dirty="0"/>
+          </a:p>
+          <a:p>
+            <a:endParaRPr lang="en-US" dirty="0"/>
+          </a:p>
+          <a:p>
+            <a:r>
+              <a:rPr lang="en-US" dirty="0"/>
+              <a:t>Run again with: </a:t>
+            </a:r>
+            <a:r>
+              <a:rPr lang="en-US" i="1" dirty="0"/>
+              <a:t>'./wavelet -–</a:t>
+            </a:r>
+            <a:r>
+              <a:rPr lang="en-US" i="1" dirty="0" err="1"/>
+              <a:t>nLevels</a:t>
+            </a:r>
+            <a:r>
+              <a:rPr lang="en-US" i="1" dirty="0"/>
+              <a:t>=5</a:t>
+            </a:r>
+            <a:r>
+              <a:rPr lang="en-US" dirty="0"/>
+              <a:t>' to see different results</a:t>
+            </a:r>
+          </a:p>
+          <a:p>
+            <a:pPr marL="0" indent="0">
+              <a:buNone/>
+            </a:pPr>
+            <a:endParaRPr lang="en-US" dirty="0"/>
+          </a:p>
+        </p:txBody>
+      </p:sp>
+      <p:sp>
+        <p:nvSpPr>
+          <p:cNvPr id="4" name="Slide Number Placeholder 3">
+            <a:extLst>
+              <a:ext uri="{FF2B5EF4-FFF2-40B4-BE49-F238E27FC236}">
+                <a16:creationId xmlns:a16="http://schemas.microsoft.com/office/drawing/2014/main" id="{A4347D42-6115-E85A-E2DF-584BC80C59C3}"/>
+              </a:ext>
+            </a:extLst>
+          </p:cNvPr>
+          <p:cNvSpPr>
+            <a:spLocks noGrp="1"/>
+          </p:cNvSpPr>
+          <p:nvPr>
+            <p:ph type="sldNum" sz="quarter" idx="19"/>
+          </p:nvPr>
+        </p:nvSpPr>
+        <p:spPr/>
+        <p:txBody>
+          <a:bodyPr/>
+          <a:lstStyle/>
+          <a:p>
+            <a:pPr defTabSz="1088421">
+              <a:buFontTx/>
+              <a:buBlip>
+                <a:blip r:embed="rId4"/>
+              </a:buBlip>
+            </a:pPr>
+            <a:fld id="{104FC826-72BB-4AF1-BA01-A94F7396A7DC}" type="slidenum">
+              <a:rPr lang="en-US" smtClean="0"/>
+              <a:pPr defTabSz="1088421">
+                <a:buFontTx/>
+                <a:buBlip>
+                  <a:blip r:embed="rId4"/>
+                </a:buBlip>
+              </a:pPr>
+              <a:t>12</a:t>
+            </a:fld>
+            <a:endParaRPr lang="en-US" dirty="0"/>
+          </a:p>
+        </p:txBody>
+      </p:sp>
+      <p:sp>
+        <p:nvSpPr>
+          <p:cNvPr id="5" name="Title 4">
+            <a:extLst>
+              <a:ext uri="{FF2B5EF4-FFF2-40B4-BE49-F238E27FC236}">
+                <a16:creationId xmlns:a16="http://schemas.microsoft.com/office/drawing/2014/main" id="{DD840852-063D-C8DF-3C16-5B478EEB7BC6}"/>
+              </a:ext>
+            </a:extLst>
+          </p:cNvPr>
+          <p:cNvSpPr>
+            <a:spLocks noGrp="1"/>
+          </p:cNvSpPr>
+          <p:nvPr>
+            <p:ph type="title"/>
+          </p:nvPr>
+        </p:nvSpPr>
+        <p:spPr/>
+        <p:txBody>
+          <a:bodyPr/>
+          <a:lstStyle/>
+          <a:p>
+            <a:r>
+              <a:rPr lang="en-US" dirty="0"/>
+              <a:t>ECG Example</a:t>
+            </a:r>
+          </a:p>
+        </p:txBody>
+      </p:sp>
+      <p:pic>
+        <p:nvPicPr>
+          <p:cNvPr id="8" name="Picture 7">
+            <a:extLst>
+              <a:ext uri="{FF2B5EF4-FFF2-40B4-BE49-F238E27FC236}">
+                <a16:creationId xmlns:a16="http://schemas.microsoft.com/office/drawing/2014/main" id="{6DD68139-68ED-0876-0914-321E407C7D2C}"/>
+              </a:ext>
+            </a:extLst>
+          </p:cNvPr>
+          <p:cNvPicPr>
+            <a:picLocks noChangeAspect="1"/>
+          </p:cNvPicPr>
+          <p:nvPr/>
+        </p:nvPicPr>
+        <p:blipFill>
+          <a:blip r:embed="rId5"/>
+          <a:stretch>
+            <a:fillRect/>
+          </a:stretch>
+        </p:blipFill>
+        <p:spPr>
+          <a:xfrm>
+            <a:off x="838200" y="2819400"/>
+            <a:ext cx="3424727" cy="2568545"/>
+          </a:xfrm>
+          <a:prstGeom prst="rect">
+            <a:avLst/>
+          </a:prstGeom>
+          <a:ln>
+            <a:solidFill>
+              <a:schemeClr val="accent1"/>
+            </a:solidFill>
+          </a:ln>
+        </p:spPr>
+      </p:pic>
+    </p:spTree>
+    <p:extLst>
+      <p:ext uri="{BB962C8B-B14F-4D97-AF65-F5344CB8AC3E}">
+        <p14:creationId xmlns:p14="http://schemas.microsoft.com/office/powerpoint/2010/main" val="1464078239"/>
       </p:ext>
     </p:extLst>
   </p:cSld>
@@ -25225,397 +26805,10 @@
       </p:grpSpPr>
       <p:sp>
         <p:nvSpPr>
-          <p:cNvPr id="2" name="Text Placeholder 1">
-            <a:extLst>
-              <a:ext uri="{FF2B5EF4-FFF2-40B4-BE49-F238E27FC236}">
-                <a16:creationId xmlns:a16="http://schemas.microsoft.com/office/drawing/2014/main" id="{E8A4E8EF-4032-D14A-84E4-E40CE1EC27AC}"/>
-              </a:ext>
-            </a:extLst>
-          </p:cNvPr>
-          <p:cNvSpPr>
-            <a:spLocks noGrp="1"/>
-          </p:cNvSpPr>
-          <p:nvPr>
-            <p:ph type="body" sz="quarter" idx="13"/>
-          </p:nvPr>
-        </p:nvSpPr>
-        <p:spPr/>
-        <p:txBody>
-          <a:bodyPr/>
-          <a:lstStyle/>
-          <a:p>
-            <a:r>
-              <a:rPr lang="en-US" dirty="0"/>
-              <a:t>Implementation – Filter Convolution and Down-sampling</a:t>
-            </a:r>
-          </a:p>
-        </p:txBody>
-      </p:sp>
-      <p:sp>
-        <p:nvSpPr>
-          <p:cNvPr id="3" name="Text Placeholder 2">
-            <a:extLst>
-              <a:ext uri="{FF2B5EF4-FFF2-40B4-BE49-F238E27FC236}">
-                <a16:creationId xmlns:a16="http://schemas.microsoft.com/office/drawing/2014/main" id="{0403268D-B53F-F94D-8F5E-2BC9C380ADA0}"/>
-              </a:ext>
-            </a:extLst>
-          </p:cNvPr>
-          <p:cNvSpPr>
-            <a:spLocks noGrp="1"/>
-          </p:cNvSpPr>
-          <p:nvPr>
-            <p:ph type="body" sz="quarter" idx="17"/>
-          </p:nvPr>
-        </p:nvSpPr>
-        <p:spPr>
-          <a:xfrm>
-            <a:off x="609600" y="1219200"/>
-            <a:ext cx="6705600" cy="5638800"/>
-          </a:xfrm>
-        </p:spPr>
-        <p:txBody>
-          <a:bodyPr>
-            <a:noAutofit/>
-          </a:bodyPr>
-          <a:lstStyle/>
-          <a:p>
-            <a:pPr lvl="3"/>
-            <a:r>
-              <a:rPr lang="en-US" sz="1400" dirty="0">
-                <a:solidFill>
-                  <a:schemeClr val="accent1"/>
-                </a:solidFill>
-                <a:latin typeface="MetricHPE" pitchFamily="2" charset="77"/>
-              </a:rPr>
-              <a:t>// convolution with the HAAR wavelet high-pass filter</a:t>
-            </a:r>
-          </a:p>
-          <a:p>
-            <a:pPr lvl="3"/>
-            <a:r>
-              <a:rPr lang="en-US" sz="1400" b="1" dirty="0"/>
-              <a:t>proc</a:t>
-            </a:r>
-            <a:r>
-              <a:rPr lang="en-US" sz="1400" dirty="0"/>
-              <a:t> </a:t>
-            </a:r>
-            <a:r>
-              <a:rPr lang="en-US" sz="1400" dirty="0" err="1"/>
-              <a:t>haarHP</a:t>
-            </a:r>
-            <a:r>
-              <a:rPr lang="en-US" sz="1400" dirty="0"/>
-              <a:t>(x: [?d] ?t): [d] t {</a:t>
-            </a:r>
-          </a:p>
-          <a:p>
-            <a:pPr lvl="3"/>
-            <a:r>
-              <a:rPr lang="en-US" sz="1400" dirty="0"/>
-              <a:t>	</a:t>
-            </a:r>
-            <a:r>
-              <a:rPr lang="en-US" sz="1400" b="1" dirty="0"/>
-              <a:t>var</a:t>
-            </a:r>
-            <a:r>
-              <a:rPr lang="en-US" sz="1400" dirty="0"/>
-              <a:t> y : [d] t = x;</a:t>
-            </a:r>
-          </a:p>
-          <a:p>
-            <a:pPr lvl="3"/>
-            <a:r>
-              <a:rPr lang="en-US" sz="1400" dirty="0"/>
-              <a:t>	</a:t>
-            </a:r>
-            <a:r>
-              <a:rPr lang="en-US" sz="1400" b="1" dirty="0" err="1"/>
-              <a:t>forall</a:t>
-            </a:r>
-            <a:r>
-              <a:rPr lang="en-US" sz="1400" dirty="0"/>
-              <a:t> </a:t>
-            </a:r>
-            <a:r>
-              <a:rPr lang="en-US" sz="1400" dirty="0" err="1"/>
-              <a:t>i</a:t>
-            </a:r>
-            <a:r>
-              <a:rPr lang="en-US" sz="1400" dirty="0"/>
-              <a:t> </a:t>
-            </a:r>
-            <a:r>
-              <a:rPr lang="en-US" sz="1400" b="1" dirty="0"/>
-              <a:t>in</a:t>
-            </a:r>
-            <a:r>
-              <a:rPr lang="en-US" sz="1400" dirty="0"/>
-              <a:t> d#d.size-1 </a:t>
-            </a:r>
-            <a:r>
-              <a:rPr lang="en-US" sz="1400" b="1" dirty="0"/>
-              <a:t>do</a:t>
-            </a:r>
-            <a:r>
-              <a:rPr lang="en-US" sz="1400" dirty="0"/>
-              <a:t> y[</a:t>
-            </a:r>
-            <a:r>
-              <a:rPr lang="en-US" sz="1400" dirty="0" err="1"/>
-              <a:t>i</a:t>
-            </a:r>
-            <a:r>
-              <a:rPr lang="en-US" sz="1400" dirty="0"/>
-              <a:t>] -= x[i+1];</a:t>
-            </a:r>
-          </a:p>
-          <a:p>
-            <a:pPr lvl="3"/>
-            <a:r>
-              <a:rPr lang="en-US" sz="1400" dirty="0"/>
-              <a:t>	</a:t>
-            </a:r>
-            <a:r>
-              <a:rPr lang="en-US" sz="1400" b="1" dirty="0"/>
-              <a:t>return</a:t>
-            </a:r>
-            <a:r>
-              <a:rPr lang="en-US" sz="1400" dirty="0"/>
-              <a:t> y;</a:t>
-            </a:r>
-          </a:p>
-          <a:p>
-            <a:pPr lvl="3"/>
-            <a:r>
-              <a:rPr lang="en-US" sz="1400" dirty="0"/>
-              <a:t>}</a:t>
-            </a:r>
-          </a:p>
-          <a:p>
-            <a:pPr lvl="3"/>
-            <a:br>
-              <a:rPr lang="en-US" sz="1400" dirty="0"/>
-            </a:br>
-            <a:r>
-              <a:rPr lang="en-US" sz="1400" dirty="0">
-                <a:solidFill>
-                  <a:schemeClr val="accent1"/>
-                </a:solidFill>
-                <a:latin typeface="MetricHPE" pitchFamily="2" charset="77"/>
-              </a:rPr>
-              <a:t>// convolution with the HAAR wavelet low-pass filter</a:t>
-            </a:r>
-          </a:p>
-          <a:p>
-            <a:pPr lvl="3"/>
-            <a:r>
-              <a:rPr lang="en-US" sz="1400" b="1" dirty="0"/>
-              <a:t>proc</a:t>
-            </a:r>
-            <a:r>
-              <a:rPr lang="en-US" sz="1400" dirty="0"/>
-              <a:t> </a:t>
-            </a:r>
-            <a:r>
-              <a:rPr lang="en-US" sz="1400" dirty="0" err="1"/>
-              <a:t>haarLP</a:t>
-            </a:r>
-            <a:r>
-              <a:rPr lang="en-US" sz="1400" dirty="0"/>
-              <a:t>(x: [?d] ?t): [d] t {</a:t>
-            </a:r>
-          </a:p>
-          <a:p>
-            <a:pPr lvl="3"/>
-            <a:r>
-              <a:rPr lang="en-US" sz="1400" dirty="0"/>
-              <a:t>	</a:t>
-            </a:r>
-            <a:r>
-              <a:rPr lang="en-US" sz="1400" b="1" dirty="0"/>
-              <a:t>var</a:t>
-            </a:r>
-            <a:r>
-              <a:rPr lang="en-US" sz="1400" dirty="0"/>
-              <a:t> y : [d] t = x;</a:t>
-            </a:r>
-          </a:p>
-          <a:p>
-            <a:pPr lvl="3"/>
-            <a:r>
-              <a:rPr lang="en-US" sz="1400" dirty="0"/>
-              <a:t>	</a:t>
-            </a:r>
-            <a:r>
-              <a:rPr lang="en-US" sz="1400" b="1" dirty="0" err="1"/>
-              <a:t>forall</a:t>
-            </a:r>
-            <a:r>
-              <a:rPr lang="en-US" sz="1400" dirty="0"/>
-              <a:t> </a:t>
-            </a:r>
-            <a:r>
-              <a:rPr lang="en-US" sz="1400" dirty="0" err="1"/>
-              <a:t>i</a:t>
-            </a:r>
-            <a:r>
-              <a:rPr lang="en-US" sz="1400" dirty="0"/>
-              <a:t> </a:t>
-            </a:r>
-            <a:r>
-              <a:rPr lang="en-US" sz="1400" b="1" dirty="0"/>
-              <a:t>in</a:t>
-            </a:r>
-            <a:r>
-              <a:rPr lang="en-US" sz="1400" dirty="0"/>
-              <a:t> d#d.size-1 </a:t>
-            </a:r>
-            <a:r>
-              <a:rPr lang="en-US" sz="1400" b="1" dirty="0"/>
-              <a:t>do</a:t>
-            </a:r>
-            <a:r>
-              <a:rPr lang="en-US" sz="1400" dirty="0"/>
-              <a:t> y[</a:t>
-            </a:r>
-            <a:r>
-              <a:rPr lang="en-US" sz="1400" dirty="0" err="1"/>
-              <a:t>i</a:t>
-            </a:r>
-            <a:r>
-              <a:rPr lang="en-US" sz="1400" dirty="0"/>
-              <a:t>] += x[i+1];</a:t>
-            </a:r>
-          </a:p>
-          <a:p>
-            <a:pPr lvl="3"/>
-            <a:r>
-              <a:rPr lang="en-US" sz="1400" dirty="0"/>
-              <a:t>	</a:t>
-            </a:r>
-            <a:r>
-              <a:rPr lang="en-US" sz="1400" b="1" dirty="0"/>
-              <a:t>return</a:t>
-            </a:r>
-            <a:r>
-              <a:rPr lang="en-US" sz="1400" dirty="0"/>
-              <a:t> y;</a:t>
-            </a:r>
-          </a:p>
-          <a:p>
-            <a:pPr lvl="3"/>
-            <a:r>
-              <a:rPr lang="en-US" sz="1400" dirty="0"/>
-              <a:t>}</a:t>
-            </a:r>
-          </a:p>
-          <a:p>
-            <a:pPr lvl="3"/>
-            <a:endParaRPr lang="en-US" sz="1400" dirty="0"/>
-          </a:p>
-          <a:p>
-            <a:pPr lvl="3"/>
-            <a:r>
-              <a:rPr lang="en-US" sz="1400" dirty="0">
-                <a:solidFill>
-                  <a:schemeClr val="accent1"/>
-                </a:solidFill>
-                <a:latin typeface="MetricHPE" pitchFamily="2" charset="77"/>
-              </a:rPr>
-              <a:t>// down-sample by a factor of 2</a:t>
-            </a:r>
-          </a:p>
-          <a:p>
-            <a:pPr lvl="3"/>
-            <a:r>
-              <a:rPr lang="en-US" sz="1400" b="1" dirty="0"/>
-              <a:t>proc</a:t>
-            </a:r>
-            <a:r>
-              <a:rPr lang="en-US" sz="1400" dirty="0"/>
-              <a:t> downSample2(x: [?d] ?t) {</a:t>
-            </a:r>
-          </a:p>
-          <a:p>
-            <a:pPr lvl="3"/>
-            <a:r>
-              <a:rPr lang="en-US" sz="1400" dirty="0"/>
-              <a:t>	var y : [{</a:t>
-            </a:r>
-            <a:r>
-              <a:rPr lang="en-US" sz="1400" dirty="0" err="1"/>
-              <a:t>d.first</a:t>
-            </a:r>
-            <a:r>
-              <a:rPr lang="en-US" sz="1400" dirty="0"/>
-              <a:t>..(</a:t>
-            </a:r>
-            <a:r>
-              <a:rPr lang="en-US" sz="1400" dirty="0" err="1"/>
-              <a:t>d.last</a:t>
-            </a:r>
-            <a:r>
-              <a:rPr lang="en-US" sz="1400" dirty="0"/>
-              <a:t>/2)}] t;</a:t>
-            </a:r>
-          </a:p>
-          <a:p>
-            <a:pPr lvl="3"/>
-            <a:r>
-              <a:rPr lang="en-US" sz="1400" dirty="0"/>
-              <a:t>	y = x[d </a:t>
-            </a:r>
-            <a:r>
-              <a:rPr lang="en-US" sz="1400" b="1" dirty="0"/>
-              <a:t>by</a:t>
-            </a:r>
-            <a:r>
-              <a:rPr lang="en-US" sz="1400" dirty="0"/>
-              <a:t> 2];</a:t>
-            </a:r>
-          </a:p>
-          <a:p>
-            <a:pPr lvl="3"/>
-            <a:r>
-              <a:rPr lang="en-US" sz="1400" dirty="0"/>
-              <a:t>	</a:t>
-            </a:r>
-            <a:r>
-              <a:rPr lang="en-US" sz="1400" b="1" dirty="0"/>
-              <a:t>return</a:t>
-            </a:r>
-            <a:r>
-              <a:rPr lang="en-US" sz="1400" dirty="0"/>
-              <a:t> y;</a:t>
-            </a:r>
-          </a:p>
-          <a:p>
-            <a:pPr lvl="3"/>
-            <a:r>
-              <a:rPr lang="en-US" sz="1400" dirty="0"/>
-              <a:t>}</a:t>
-            </a:r>
-          </a:p>
-          <a:p>
-            <a:pPr lvl="3"/>
-            <a:endParaRPr lang="en-US" dirty="0"/>
-          </a:p>
-          <a:p>
-            <a:pPr marL="228600" lvl="1" indent="0">
-              <a:buNone/>
-            </a:pPr>
-            <a:endParaRPr lang="en-US" dirty="0"/>
-          </a:p>
-        </p:txBody>
-      </p:sp>
-      <p:sp>
-        <p:nvSpPr>
           <p:cNvPr id="4" name="Slide Number Placeholder 3">
             <a:extLst>
               <a:ext uri="{FF2B5EF4-FFF2-40B4-BE49-F238E27FC236}">
-                <a16:creationId xmlns:a16="http://schemas.microsoft.com/office/drawing/2014/main" id="{5C769D27-6D90-BB4B-81F4-5D24D8966175}"/>
+                <a16:creationId xmlns:a16="http://schemas.microsoft.com/office/drawing/2014/main" id="{5D7060AC-2D9B-5999-686C-0CCBA35E53B4}"/>
               </a:ext>
             </a:extLst>
           </p:cNvPr>
@@ -25656,7 +26849,7 @@
           <p:cNvPr id="5" name="Title 4">
             <a:extLst>
               <a:ext uri="{FF2B5EF4-FFF2-40B4-BE49-F238E27FC236}">
-                <a16:creationId xmlns:a16="http://schemas.microsoft.com/office/drawing/2014/main" id="{23081C05-18A9-5E49-9AC3-CE63E7FC2E8B}"/>
+                <a16:creationId xmlns:a16="http://schemas.microsoft.com/office/drawing/2014/main" id="{4FC72A87-6C6E-F763-6D08-A590437A8E40}"/>
               </a:ext>
             </a:extLst>
           </p:cNvPr>
@@ -25674,15 +26867,811 @@
           <a:p>
             <a:r>
               <a:rPr lang="en-US" dirty="0"/>
-              <a:t>Wavelet Transform</a:t>
+              <a:t>Chapel Implementation of 1d dwt</a:t>
             </a:r>
           </a:p>
         </p:txBody>
       </p:sp>
+      <p:sp>
+        <p:nvSpPr>
+          <p:cNvPr id="6" name="Text Placeholder 2">
+            <a:extLst>
+              <a:ext uri="{FF2B5EF4-FFF2-40B4-BE49-F238E27FC236}">
+                <a16:creationId xmlns:a16="http://schemas.microsoft.com/office/drawing/2014/main" id="{1118F525-DEAF-0953-4243-E592CE955E46}"/>
+              </a:ext>
+            </a:extLst>
+          </p:cNvPr>
+          <p:cNvSpPr txBox="1">
+            <a:spLocks/>
+          </p:cNvSpPr>
+          <p:nvPr/>
+        </p:nvSpPr>
+        <p:spPr>
+          <a:xfrm>
+            <a:off x="1" y="1274159"/>
+            <a:ext cx="9829800" cy="4309682"/>
+          </a:xfrm>
+          <a:prstGeom prst="rect">
+            <a:avLst/>
+          </a:prstGeom>
+          <a:ln w="57150">
+            <a:noFill/>
+            <a:miter lim="800000"/>
+          </a:ln>
+        </p:spPr>
+        <p:txBody>
+          <a:bodyPr vert="horz" lIns="91440" tIns="91440" rIns="91440" bIns="91440" rtlCol="0">
+            <a:noAutofit/>
+          </a:bodyPr>
+          <a:lstStyle>
+            <a:lvl1pPr marL="182880" indent="-182880" algn="l" defTabSz="914400" rtl="0" eaLnBrk="1" latinLnBrk="0" hangingPunct="1">
+              <a:lnSpc>
+                <a:spcPct val="90000"/>
+              </a:lnSpc>
+              <a:spcBef>
+                <a:spcPts val="400"/>
+              </a:spcBef>
+              <a:buClrTx/>
+              <a:buFont typeface="" panose="020B0303030202060203" pitchFamily="34" charset="0"/>
+              <a:buChar char="•"/>
+              <a:defRPr sz="2200" kern="1200">
+                <a:solidFill>
+                  <a:schemeClr val="tx1"/>
+                </a:solidFill>
+                <a:latin typeface="MetricHPE" panose="020B0503030202060203" pitchFamily="34" charset="0"/>
+                <a:ea typeface="+mn-ea"/>
+                <a:cs typeface="+mn-cs"/>
+              </a:defRPr>
+            </a:lvl1pPr>
+            <a:lvl2pPr marL="411480" indent="-182880" algn="l" defTabSz="914400" rtl="0" eaLnBrk="1" latinLnBrk="0" hangingPunct="1">
+              <a:lnSpc>
+                <a:spcPct val="90000"/>
+              </a:lnSpc>
+              <a:spcBef>
+                <a:spcPts val="400"/>
+              </a:spcBef>
+              <a:buClrTx/>
+              <a:buSzPct val="90000"/>
+              <a:buFont typeface="" panose="020B0303030202060203" pitchFamily="34" charset="0"/>
+              <a:buChar char="•"/>
+              <a:defRPr sz="2000" kern="1200">
+                <a:solidFill>
+                  <a:schemeClr val="tx1"/>
+                </a:solidFill>
+                <a:latin typeface="MetricHPE" panose="020B0503030202060203" pitchFamily="34" charset="0"/>
+                <a:ea typeface="+mn-ea"/>
+                <a:cs typeface="+mn-cs"/>
+              </a:defRPr>
+            </a:lvl2pPr>
+            <a:lvl3pPr marL="548640" indent="-137160" algn="l" defTabSz="914400" rtl="0" eaLnBrk="1" latinLnBrk="0" hangingPunct="1">
+              <a:lnSpc>
+                <a:spcPct val="90000"/>
+              </a:lnSpc>
+              <a:spcBef>
+                <a:spcPts val="400"/>
+              </a:spcBef>
+              <a:buClrTx/>
+              <a:buFont typeface="" panose="020B0303030202060203" pitchFamily="34" charset="0"/>
+              <a:buChar char="–"/>
+              <a:defRPr sz="1800" kern="1200">
+                <a:solidFill>
+                  <a:schemeClr val="tx1"/>
+                </a:solidFill>
+                <a:latin typeface="MetricHPE" panose="020B0503030202060203" pitchFamily="34" charset="0"/>
+                <a:ea typeface="+mn-ea"/>
+                <a:cs typeface="+mn-cs"/>
+              </a:defRPr>
+            </a:lvl3pPr>
+            <a:lvl4pPr marL="594360" indent="0" algn="l" defTabSz="914400" rtl="0" eaLnBrk="1" latinLnBrk="0" hangingPunct="1">
+              <a:lnSpc>
+                <a:spcPct val="90000"/>
+              </a:lnSpc>
+              <a:spcBef>
+                <a:spcPts val="400"/>
+              </a:spcBef>
+              <a:buClrTx/>
+              <a:buFont typeface="" panose="020B0303030202060203" pitchFamily="34" charset="0"/>
+              <a:buNone/>
+              <a:defRPr sz="1600" kern="1200">
+                <a:solidFill>
+                  <a:schemeClr val="tx1"/>
+                </a:solidFill>
+                <a:latin typeface="Courier New" panose="02070309020205020404" pitchFamily="49" charset="0"/>
+                <a:ea typeface="+mn-ea"/>
+                <a:cs typeface="Courier New" panose="02070309020205020404" pitchFamily="49" charset="0"/>
+              </a:defRPr>
+            </a:lvl4pPr>
+            <a:lvl5pPr marL="739775" indent="-147638" algn="l" defTabSz="914400" rtl="0" eaLnBrk="1" latinLnBrk="0" hangingPunct="1">
+              <a:lnSpc>
+                <a:spcPct val="90000"/>
+              </a:lnSpc>
+              <a:spcBef>
+                <a:spcPts val="400"/>
+              </a:spcBef>
+              <a:buClrTx/>
+              <a:buFont typeface="" panose="020B0303030202060203" pitchFamily="34" charset="0"/>
+              <a:buChar char="–"/>
+              <a:tabLst/>
+              <a:defRPr sz="1600" kern="1200">
+                <a:solidFill>
+                  <a:schemeClr val="tx1"/>
+                </a:solidFill>
+                <a:latin typeface="MetricHPE" panose="020B0503030202060203" pitchFamily="34" charset="0"/>
+                <a:ea typeface="+mn-ea"/>
+                <a:cs typeface="+mn-cs"/>
+              </a:defRPr>
+            </a:lvl5pPr>
+            <a:lvl6pPr marL="1051560" indent="-137160" algn="l" defTabSz="914400" rtl="0" eaLnBrk="1" latinLnBrk="0" hangingPunct="1">
+              <a:lnSpc>
+                <a:spcPct val="90000"/>
+              </a:lnSpc>
+              <a:spcBef>
+                <a:spcPts val="600"/>
+              </a:spcBef>
+              <a:buClrTx/>
+              <a:buFont typeface="" panose="020B0303030202060203" pitchFamily="34" charset="0"/>
+              <a:buChar char="–"/>
+              <a:defRPr sz="1200" kern="1200">
+                <a:solidFill>
+                  <a:schemeClr val="tx1"/>
+                </a:solidFill>
+                <a:latin typeface="+mn-lt"/>
+                <a:ea typeface="+mn-ea"/>
+                <a:cs typeface="+mn-cs"/>
+              </a:defRPr>
+            </a:lvl6pPr>
+            <a:lvl7pPr marL="1188720" indent="-137160" algn="l" defTabSz="914400" rtl="0" eaLnBrk="1" latinLnBrk="0" hangingPunct="1">
+              <a:lnSpc>
+                <a:spcPct val="90000"/>
+              </a:lnSpc>
+              <a:spcBef>
+                <a:spcPts val="600"/>
+              </a:spcBef>
+              <a:buClrTx/>
+              <a:buFont typeface="" panose="020B0303030202060203" pitchFamily="34" charset="0"/>
+              <a:buChar char="–"/>
+              <a:defRPr sz="1200" kern="1200">
+                <a:solidFill>
+                  <a:schemeClr val="tx1"/>
+                </a:solidFill>
+                <a:latin typeface="+mn-lt"/>
+                <a:ea typeface="+mn-ea"/>
+                <a:cs typeface="+mn-cs"/>
+              </a:defRPr>
+            </a:lvl7pPr>
+            <a:lvl8pPr marL="1371600" indent="-137160" algn="l" defTabSz="914400" rtl="0" eaLnBrk="1" latinLnBrk="0" hangingPunct="1">
+              <a:lnSpc>
+                <a:spcPct val="90000"/>
+              </a:lnSpc>
+              <a:spcBef>
+                <a:spcPts val="600"/>
+              </a:spcBef>
+              <a:buClrTx/>
+              <a:buFont typeface="" panose="020B0303030202060203" pitchFamily="34" charset="0"/>
+              <a:buChar char="–"/>
+              <a:defRPr sz="1200" kern="1200">
+                <a:solidFill>
+                  <a:schemeClr val="tx1"/>
+                </a:solidFill>
+                <a:latin typeface="+mn-lt"/>
+                <a:ea typeface="+mn-ea"/>
+                <a:cs typeface="+mn-cs"/>
+              </a:defRPr>
+            </a:lvl8pPr>
+            <a:lvl9pPr marL="1554480" indent="-137160" algn="l" defTabSz="914400" rtl="0" eaLnBrk="1" latinLnBrk="0" hangingPunct="1">
+              <a:lnSpc>
+                <a:spcPct val="90000"/>
+              </a:lnSpc>
+              <a:spcBef>
+                <a:spcPts val="600"/>
+              </a:spcBef>
+              <a:buClrTx/>
+              <a:buFont typeface="" panose="020B0303030202060203" pitchFamily="34" charset="0"/>
+              <a:buChar char="–"/>
+              <a:defRPr sz="1200" kern="1200">
+                <a:solidFill>
+                  <a:schemeClr val="tx1"/>
+                </a:solidFill>
+                <a:latin typeface="+mn-lt"/>
+                <a:ea typeface="+mn-ea"/>
+                <a:cs typeface="+mn-cs"/>
+              </a:defRPr>
+            </a:lvl9pPr>
+          </a:lstStyle>
+          <a:p>
+            <a:pPr lvl="3"/>
+            <a:r>
+              <a:rPr lang="en-US" dirty="0">
+                <a:solidFill>
+                  <a:schemeClr val="accent1"/>
+                </a:solidFill>
+                <a:latin typeface="MetricHPE" pitchFamily="2" charset="77"/>
+              </a:rPr>
+              <a:t>// compute an n-level DWT of x</a:t>
+            </a:r>
+          </a:p>
+          <a:p>
+            <a:pPr lvl="3"/>
+            <a:r>
+              <a:rPr lang="en-US" b="1" dirty="0"/>
+              <a:t>proc</a:t>
+            </a:r>
+            <a:r>
+              <a:rPr lang="en-US" dirty="0"/>
+              <a:t> haarWavelet1D(x, n){ … }</a:t>
+            </a:r>
+          </a:p>
+          <a:p>
+            <a:pPr lvl="3"/>
+            <a:endParaRPr lang="en-US" dirty="0"/>
+          </a:p>
+          <a:p>
+            <a:pPr lvl="3"/>
+            <a:r>
+              <a:rPr lang="en-US" dirty="0">
+                <a:solidFill>
+                  <a:schemeClr val="accent1"/>
+                </a:solidFill>
+                <a:latin typeface="MetricHPE" pitchFamily="2" charset="77"/>
+              </a:rPr>
+              <a:t>// compute one step of the wavelet computation on the input signal (stores results in the 'output' array)</a:t>
+            </a:r>
+          </a:p>
+          <a:p>
+            <a:pPr lvl="3"/>
+            <a:r>
+              <a:rPr lang="en-US" dirty="0">
+                <a:solidFill>
+                  <a:schemeClr val="accent1"/>
+                </a:solidFill>
+                <a:latin typeface="MetricHPE" pitchFamily="2" charset="77"/>
+              </a:rPr>
+              <a:t>// this procedure relies on the following three procedures to complete each step</a:t>
+            </a:r>
+          </a:p>
+          <a:p>
+            <a:pPr lvl="3"/>
+            <a:r>
+              <a:rPr lang="en-US" b="1" dirty="0"/>
+              <a:t>proc</a:t>
+            </a:r>
+            <a:r>
+              <a:rPr lang="en-US" dirty="0"/>
+              <a:t> </a:t>
+            </a:r>
+            <a:r>
+              <a:rPr lang="en-US" dirty="0" err="1"/>
+              <a:t>hwRec</a:t>
+            </a:r>
+            <a:r>
+              <a:rPr lang="en-US" dirty="0"/>
+              <a:t>(signal, output, fmax, </a:t>
+            </a:r>
+            <a:r>
+              <a:rPr lang="en-US" dirty="0" err="1"/>
+              <a:t>fstop</a:t>
+            </a:r>
+            <a:r>
+              <a:rPr lang="en-US" dirty="0"/>
+              <a:t>){ … }</a:t>
+            </a:r>
+          </a:p>
+          <a:p>
+            <a:pPr lvl="3"/>
+            <a:endParaRPr lang="en-US" dirty="0"/>
+          </a:p>
+          <a:p>
+            <a:pPr lvl="3"/>
+            <a:r>
+              <a:rPr lang="en-US" sz="1600" dirty="0">
+                <a:solidFill>
+                  <a:schemeClr val="accent1"/>
+                </a:solidFill>
+                <a:latin typeface="MetricHPE" pitchFamily="2" charset="77"/>
+              </a:rPr>
+              <a:t>// convolution with the HAAR wavelet high-pass filter</a:t>
+            </a:r>
+          </a:p>
+          <a:p>
+            <a:pPr lvl="3"/>
+            <a:r>
+              <a:rPr lang="en-US" sz="1600" b="1" dirty="0"/>
+              <a:t>proc</a:t>
+            </a:r>
+            <a:r>
+              <a:rPr lang="en-US" sz="1600" dirty="0"/>
+              <a:t> </a:t>
+            </a:r>
+            <a:r>
+              <a:rPr lang="en-US" sz="1600" dirty="0" err="1"/>
+              <a:t>haarHP</a:t>
+            </a:r>
+            <a:r>
+              <a:rPr lang="en-US" sz="1600" dirty="0"/>
+              <a:t>(x) { … }</a:t>
+            </a:r>
+          </a:p>
+          <a:p>
+            <a:pPr lvl="3"/>
+            <a:endParaRPr lang="en-US" dirty="0"/>
+          </a:p>
+          <a:p>
+            <a:pPr lvl="3"/>
+            <a:r>
+              <a:rPr lang="en-US" sz="1600" dirty="0">
+                <a:solidFill>
+                  <a:schemeClr val="accent1"/>
+                </a:solidFill>
+                <a:latin typeface="MetricHPE" pitchFamily="2" charset="77"/>
+              </a:rPr>
+              <a:t>// convolution with the HAAR wavelet low-pass filter</a:t>
+            </a:r>
+          </a:p>
+          <a:p>
+            <a:pPr lvl="3"/>
+            <a:r>
+              <a:rPr lang="en-US" sz="1600" b="1" dirty="0"/>
+              <a:t>proc</a:t>
+            </a:r>
+            <a:r>
+              <a:rPr lang="en-US" sz="1600" dirty="0"/>
+              <a:t> </a:t>
+            </a:r>
+            <a:r>
+              <a:rPr lang="en-US" sz="1600" dirty="0" err="1"/>
+              <a:t>haarLP</a:t>
+            </a:r>
+            <a:r>
+              <a:rPr lang="en-US" sz="1600" dirty="0"/>
+              <a:t>(x) { … }</a:t>
+            </a:r>
+          </a:p>
+          <a:p>
+            <a:pPr lvl="3"/>
+            <a:endParaRPr lang="en-US" dirty="0"/>
+          </a:p>
+          <a:p>
+            <a:pPr lvl="3"/>
+            <a:r>
+              <a:rPr lang="en-US" sz="1600" dirty="0">
+                <a:solidFill>
+                  <a:schemeClr val="accent1"/>
+                </a:solidFill>
+                <a:latin typeface="MetricHPE" pitchFamily="2" charset="77"/>
+              </a:rPr>
+              <a:t>// down-sample by a factor of 2</a:t>
+            </a:r>
+          </a:p>
+          <a:p>
+            <a:pPr lvl="3"/>
+            <a:r>
+              <a:rPr lang="en-US" sz="1600" b="1" dirty="0"/>
+              <a:t>proc</a:t>
+            </a:r>
+            <a:r>
+              <a:rPr lang="en-US" sz="1600" dirty="0"/>
+              <a:t> downSample2(x) { … }</a:t>
+            </a:r>
+          </a:p>
+          <a:p>
+            <a:pPr lvl="3"/>
+            <a:endParaRPr lang="en-US" dirty="0"/>
+          </a:p>
+          <a:p>
+            <a:pPr marL="228600" lvl="1" indent="0">
+              <a:buFont typeface="" panose="020B0303030202060203" pitchFamily="34" charset="0"/>
+              <a:buNone/>
+            </a:pPr>
+            <a:endParaRPr lang="en-US" dirty="0"/>
+          </a:p>
+          <a:p>
+            <a:pPr marL="228600" lvl="1" indent="0">
+              <a:buFont typeface="" panose="020B0303030202060203" pitchFamily="34" charset="0"/>
+              <a:buNone/>
+            </a:pPr>
+            <a:endParaRPr lang="en-US" dirty="0"/>
+          </a:p>
+        </p:txBody>
+      </p:sp>
+      <p:pic>
+        <p:nvPicPr>
+          <p:cNvPr id="8" name="Picture 2">
+            <a:extLst>
+              <a:ext uri="{FF2B5EF4-FFF2-40B4-BE49-F238E27FC236}">
+                <a16:creationId xmlns:a16="http://schemas.microsoft.com/office/drawing/2014/main" id="{E811B795-4E73-99F3-C9D5-DE65FD91C786}"/>
+              </a:ext>
+            </a:extLst>
+          </p:cNvPr>
+          <p:cNvPicPr>
+            <a:picLocks noChangeAspect="1" noChangeArrowheads="1"/>
+          </p:cNvPicPr>
+          <p:nvPr/>
+        </p:nvPicPr>
+        <p:blipFill>
+          <a:blip r:embed="rId4">
+            <a:extLst>
+              <a:ext uri="{28A0092B-C50C-407E-A947-70E740481C1C}">
+                <a14:useLocalDpi xmlns:a14="http://schemas.microsoft.com/office/drawing/2010/main" val="0"/>
+              </a:ext>
+            </a:extLst>
+          </a:blip>
+          <a:srcRect/>
+          <a:stretch>
+            <a:fillRect/>
+          </a:stretch>
+        </p:blipFill>
+        <p:spPr bwMode="auto">
+          <a:xfrm>
+            <a:off x="5312487" y="3268746"/>
+            <a:ext cx="6232541" cy="1905000"/>
+          </a:xfrm>
+          <a:prstGeom prst="rect">
+            <a:avLst/>
+          </a:prstGeom>
+          <a:noFill/>
+          <a:ln>
+            <a:solidFill>
+              <a:schemeClr val="accent1"/>
+            </a:solidFill>
+          </a:ln>
+          <a:extLst>
+            <a:ext uri="{909E8E84-426E-40DD-AFC4-6F175D3DCCD1}">
+              <a14:hiddenFill xmlns:a14="http://schemas.microsoft.com/office/drawing/2010/main">
+                <a:solidFill>
+                  <a:srgbClr val="FFFFFF"/>
+                </a:solidFill>
+              </a14:hiddenFill>
+            </a:ext>
+          </a:extLst>
+        </p:spPr>
+      </p:pic>
+      <p:sp>
+        <p:nvSpPr>
+          <p:cNvPr id="18" name="TextBox 17">
+            <a:extLst>
+              <a:ext uri="{FF2B5EF4-FFF2-40B4-BE49-F238E27FC236}">
+                <a16:creationId xmlns:a16="http://schemas.microsoft.com/office/drawing/2014/main" id="{40582C1D-0B3A-9E5B-5CCB-92162889BD3E}"/>
+              </a:ext>
+            </a:extLst>
+          </p:cNvPr>
+          <p:cNvSpPr txBox="1"/>
+          <p:nvPr/>
+        </p:nvSpPr>
+        <p:spPr>
+          <a:xfrm>
+            <a:off x="6248400" y="5208248"/>
+            <a:ext cx="4644220" cy="295466"/>
+          </a:xfrm>
+          <a:prstGeom prst="rect">
+            <a:avLst/>
+          </a:prstGeom>
+          <a:noFill/>
+          <a:ln w="57150">
+            <a:noFill/>
+            <a:miter lim="800000"/>
+          </a:ln>
+        </p:spPr>
+        <p:txBody>
+          <a:bodyPr wrap="none" lIns="91440" tIns="91440" rIns="91440" bIns="91440" rtlCol="0">
+            <a:spAutoFit/>
+          </a:bodyPr>
+          <a:lstStyle/>
+          <a:p>
+            <a:pPr algn="l">
+              <a:lnSpc>
+                <a:spcPct val="90000"/>
+              </a:lnSpc>
+              <a:spcBef>
+                <a:spcPts val="400"/>
+              </a:spcBef>
+            </a:pPr>
+            <a:r>
+              <a:rPr lang="en-US" sz="800" dirty="0">
+                <a:hlinkClick r:id="rId5"/>
+              </a:rPr>
+              <a:t>https://en.wikipedia.org/wiki/Discrete_wavelet_transformhttps://en.wikipedia.org/wiki/Discrete_wavelet_transform</a:t>
+            </a:r>
+            <a:endParaRPr lang="en-US" sz="800" dirty="0"/>
+          </a:p>
+        </p:txBody>
+      </p:sp>
+      <p:sp>
+        <p:nvSpPr>
+          <p:cNvPr id="36" name="TextBox 35">
+            <a:extLst>
+              <a:ext uri="{FF2B5EF4-FFF2-40B4-BE49-F238E27FC236}">
+                <a16:creationId xmlns:a16="http://schemas.microsoft.com/office/drawing/2014/main" id="{E0773BDC-BE0F-0D50-2596-5157D591123F}"/>
+              </a:ext>
+            </a:extLst>
+          </p:cNvPr>
+          <p:cNvSpPr txBox="1"/>
+          <p:nvPr/>
+        </p:nvSpPr>
+        <p:spPr>
+          <a:xfrm>
+            <a:off x="5410200" y="1243667"/>
+            <a:ext cx="5825634" cy="734560"/>
+          </a:xfrm>
+          <a:prstGeom prst="rect">
+            <a:avLst/>
+          </a:prstGeom>
+          <a:noFill/>
+          <a:ln w="57150">
+            <a:noFill/>
+            <a:miter lim="800000"/>
+          </a:ln>
+        </p:spPr>
+        <p:txBody>
+          <a:bodyPr wrap="none" lIns="91440" tIns="91440" rIns="91440" bIns="91440" rtlCol="0">
+            <a:spAutoFit/>
+          </a:bodyPr>
+          <a:lstStyle/>
+          <a:p>
+            <a:pPr algn="l">
+              <a:lnSpc>
+                <a:spcPct val="90000"/>
+              </a:lnSpc>
+              <a:spcBef>
+                <a:spcPts val="400"/>
+              </a:spcBef>
+            </a:pPr>
+            <a:r>
+              <a:rPr lang="en-US" dirty="0"/>
+              <a:t>These are the signatures of each functions used in the 1D DWT </a:t>
+            </a:r>
+          </a:p>
+          <a:p>
+            <a:pPr algn="l">
+              <a:lnSpc>
+                <a:spcPct val="90000"/>
+              </a:lnSpc>
+              <a:spcBef>
+                <a:spcPts val="400"/>
+              </a:spcBef>
+            </a:pPr>
+            <a:r>
+              <a:rPr lang="en-US" dirty="0"/>
+              <a:t>Their implementations will be discussed on the following slides</a:t>
+            </a:r>
+          </a:p>
+        </p:txBody>
+      </p:sp>
+      <p:cxnSp>
+        <p:nvCxnSpPr>
+          <p:cNvPr id="37" name="Straight Arrow Connector 36">
+            <a:extLst>
+              <a:ext uri="{FF2B5EF4-FFF2-40B4-BE49-F238E27FC236}">
+                <a16:creationId xmlns:a16="http://schemas.microsoft.com/office/drawing/2014/main" id="{F6E0310E-0F43-5029-0F91-EBEAF05FF714}"/>
+              </a:ext>
+            </a:extLst>
+          </p:cNvPr>
+          <p:cNvCxnSpPr>
+            <a:cxnSpLocks/>
+          </p:cNvCxnSpPr>
+          <p:nvPr/>
+        </p:nvCxnSpPr>
+        <p:spPr>
+          <a:xfrm>
+            <a:off x="3255862" y="4410084"/>
+            <a:ext cx="2992538" cy="366346"/>
+          </a:xfrm>
+          <a:prstGeom prst="straightConnector1">
+            <a:avLst/>
+          </a:prstGeom>
+          <a:ln w="19050">
+            <a:solidFill>
+              <a:schemeClr val="accent1"/>
+            </a:solidFill>
+            <a:tailEnd type="triangle"/>
+          </a:ln>
+        </p:spPr>
+        <p:style>
+          <a:lnRef idx="1">
+            <a:schemeClr val="accent1"/>
+          </a:lnRef>
+          <a:fillRef idx="0">
+            <a:schemeClr val="accent1"/>
+          </a:fillRef>
+          <a:effectRef idx="0">
+            <a:schemeClr val="accent1"/>
+          </a:effectRef>
+          <a:fontRef idx="minor">
+            <a:schemeClr val="tx1"/>
+          </a:fontRef>
+        </p:style>
+      </p:cxnSp>
+      <p:cxnSp>
+        <p:nvCxnSpPr>
+          <p:cNvPr id="43" name="Straight Arrow Connector 42">
+            <a:extLst>
+              <a:ext uri="{FF2B5EF4-FFF2-40B4-BE49-F238E27FC236}">
+                <a16:creationId xmlns:a16="http://schemas.microsoft.com/office/drawing/2014/main" id="{1AB27469-D6BB-EA93-05F7-6DA4D9A8CAF8}"/>
+              </a:ext>
+            </a:extLst>
+          </p:cNvPr>
+          <p:cNvCxnSpPr>
+            <a:cxnSpLocks/>
+          </p:cNvCxnSpPr>
+          <p:nvPr/>
+        </p:nvCxnSpPr>
+        <p:spPr>
+          <a:xfrm>
+            <a:off x="6096000" y="2793226"/>
+            <a:ext cx="2095844" cy="801859"/>
+          </a:xfrm>
+          <a:prstGeom prst="straightConnector1">
+            <a:avLst/>
+          </a:prstGeom>
+          <a:ln w="19050">
+            <a:solidFill>
+              <a:schemeClr val="accent1"/>
+            </a:solidFill>
+            <a:tailEnd type="triangle"/>
+          </a:ln>
+        </p:spPr>
+        <p:style>
+          <a:lnRef idx="1">
+            <a:schemeClr val="accent1"/>
+          </a:lnRef>
+          <a:fillRef idx="0">
+            <a:schemeClr val="accent1"/>
+          </a:fillRef>
+          <a:effectRef idx="0">
+            <a:schemeClr val="accent1"/>
+          </a:effectRef>
+          <a:fontRef idx="minor">
+            <a:schemeClr val="tx1"/>
+          </a:fontRef>
+        </p:style>
+      </p:cxnSp>
+      <p:cxnSp>
+        <p:nvCxnSpPr>
+          <p:cNvPr id="49" name="Straight Arrow Connector 48">
+            <a:extLst>
+              <a:ext uri="{FF2B5EF4-FFF2-40B4-BE49-F238E27FC236}">
+                <a16:creationId xmlns:a16="http://schemas.microsoft.com/office/drawing/2014/main" id="{CCC1D79E-54AE-5FC4-D3A5-C183D407CE53}"/>
+              </a:ext>
+            </a:extLst>
+          </p:cNvPr>
+          <p:cNvCxnSpPr>
+            <a:cxnSpLocks/>
+          </p:cNvCxnSpPr>
+          <p:nvPr/>
+        </p:nvCxnSpPr>
+        <p:spPr>
+          <a:xfrm flipV="1">
+            <a:off x="3810000" y="4930679"/>
+            <a:ext cx="3200400" cy="332152"/>
+          </a:xfrm>
+          <a:prstGeom prst="straightConnector1">
+            <a:avLst/>
+          </a:prstGeom>
+          <a:ln w="19050">
+            <a:solidFill>
+              <a:schemeClr val="accent1"/>
+            </a:solidFill>
+            <a:tailEnd type="triangle"/>
+          </a:ln>
+        </p:spPr>
+        <p:style>
+          <a:lnRef idx="1">
+            <a:schemeClr val="accent1"/>
+          </a:lnRef>
+          <a:fillRef idx="0">
+            <a:schemeClr val="accent1"/>
+          </a:fillRef>
+          <a:effectRef idx="0">
+            <a:schemeClr val="accent1"/>
+          </a:effectRef>
+          <a:fontRef idx="minor">
+            <a:schemeClr val="tx1"/>
+          </a:fontRef>
+        </p:style>
+      </p:cxnSp>
+      <p:sp>
+        <p:nvSpPr>
+          <p:cNvPr id="56" name="Rectangle 55">
+            <a:extLst>
+              <a:ext uri="{FF2B5EF4-FFF2-40B4-BE49-F238E27FC236}">
+                <a16:creationId xmlns:a16="http://schemas.microsoft.com/office/drawing/2014/main" id="{3A179EA2-A274-64A2-737B-02DC8B4890A9}"/>
+              </a:ext>
+            </a:extLst>
+          </p:cNvPr>
+          <p:cNvSpPr/>
+          <p:nvPr/>
+        </p:nvSpPr>
+        <p:spPr bwMode="ltGray">
+          <a:xfrm>
+            <a:off x="7391400" y="3629587"/>
+            <a:ext cx="1600888" cy="1029964"/>
+          </a:xfrm>
+          <a:prstGeom prst="rect">
+            <a:avLst/>
+          </a:prstGeom>
+          <a:noFill/>
+          <a:ln w="57150">
+            <a:solidFill>
+              <a:schemeClr val="accent1"/>
+            </a:solidFill>
+          </a:ln>
+        </p:spPr>
+        <p:style>
+          <a:lnRef idx="2">
+            <a:schemeClr val="accent1">
+              <a:shade val="50000"/>
+            </a:schemeClr>
+          </a:lnRef>
+          <a:fillRef idx="1">
+            <a:schemeClr val="accent1"/>
+          </a:fillRef>
+          <a:effectRef idx="0">
+            <a:schemeClr val="accent1"/>
+          </a:effectRef>
+          <a:fontRef idx="minor">
+            <a:schemeClr val="lt1"/>
+          </a:fontRef>
+        </p:style>
+        <p:txBody>
+          <a:bodyPr tIns="91440" bIns="91440" rtlCol="0" anchor="ctr"/>
+          <a:lstStyle/>
+          <a:p>
+            <a:pPr algn="ctr"/>
+            <a:endParaRPr lang="en-US" dirty="0" err="1">
+              <a:solidFill>
+                <a:schemeClr val="tx1"/>
+              </a:solidFill>
+            </a:endParaRPr>
+          </a:p>
+        </p:txBody>
+      </p:sp>
+      <p:cxnSp>
+        <p:nvCxnSpPr>
+          <p:cNvPr id="57" name="Straight Arrow Connector 56">
+            <a:extLst>
+              <a:ext uri="{FF2B5EF4-FFF2-40B4-BE49-F238E27FC236}">
+                <a16:creationId xmlns:a16="http://schemas.microsoft.com/office/drawing/2014/main" id="{65380837-F85D-1D4E-FD6C-B5A5CE21EEEF}"/>
+              </a:ext>
+            </a:extLst>
+          </p:cNvPr>
+          <p:cNvCxnSpPr>
+            <a:cxnSpLocks/>
+          </p:cNvCxnSpPr>
+          <p:nvPr/>
+        </p:nvCxnSpPr>
+        <p:spPr>
+          <a:xfrm>
+            <a:off x="3215695" y="3625268"/>
+            <a:ext cx="3032705" cy="695731"/>
+          </a:xfrm>
+          <a:prstGeom prst="straightConnector1">
+            <a:avLst/>
+          </a:prstGeom>
+          <a:ln w="19050">
+            <a:solidFill>
+              <a:schemeClr val="accent1"/>
+            </a:solidFill>
+            <a:tailEnd type="triangle"/>
+          </a:ln>
+        </p:spPr>
+        <p:style>
+          <a:lnRef idx="1">
+            <a:schemeClr val="accent1"/>
+          </a:lnRef>
+          <a:fillRef idx="0">
+            <a:schemeClr val="accent1"/>
+          </a:fillRef>
+          <a:effectRef idx="0">
+            <a:schemeClr val="accent1"/>
+          </a:effectRef>
+          <a:fontRef idx="minor">
+            <a:schemeClr val="tx1"/>
+          </a:fontRef>
+        </p:style>
+      </p:cxnSp>
     </p:spTree>
     <p:extLst>
       <p:ext uri="{BB962C8B-B14F-4D97-AF65-F5344CB8AC3E}">
-        <p14:creationId xmlns:p14="http://schemas.microsoft.com/office/powerpoint/2010/main" val="164542152"/>
+        <p14:creationId xmlns:p14="http://schemas.microsoft.com/office/powerpoint/2010/main" val="1873224181"/>
       </p:ext>
     </p:extLst>
   </p:cSld>
@@ -25732,7 +27721,7 @@
           <a:p>
             <a:r>
               <a:rPr lang="en-US" dirty="0"/>
-              <a:t>Implementation – Progressive Filtering using a Recursive Procedure</a:t>
+              <a:t>Implementation – Filter Convolution and Down-sampling</a:t>
             </a:r>
           </a:p>
         </p:txBody>
@@ -25755,8 +27744,8 @@
         </p:nvSpPr>
         <p:spPr>
           <a:xfrm>
-            <a:off x="21220" y="1360194"/>
-            <a:ext cx="9829800" cy="4473488"/>
+            <a:off x="609600" y="1219200"/>
+            <a:ext cx="9220200" cy="5447736"/>
           </a:xfrm>
         </p:spPr>
         <p:txBody>
@@ -25767,273 +27756,390 @@
           <a:p>
             <a:pPr lvl="3"/>
             <a:r>
-              <a:rPr lang="en-US" i="1" dirty="0">
+              <a:rPr lang="en-US" sz="1400" dirty="0">
                 <a:solidFill>
                   <a:schemeClr val="accent1"/>
                 </a:solidFill>
                 <a:latin typeface="MetricHPE" pitchFamily="2" charset="77"/>
               </a:rPr>
-              <a:t>// </a:t>
-            </a:r>
-            <a:r>
-              <a:rPr lang="en-US" dirty="0">
+              <a:t>// convolution with the HAAR wavelet high-pass filter</a:t>
+            </a:r>
+          </a:p>
+          <a:p>
+            <a:pPr lvl="3"/>
+            <a:r>
+              <a:rPr lang="en-US" sz="1400" b="1" dirty="0"/>
+              <a:t>proc</a:t>
+            </a:r>
+            <a:r>
+              <a:rPr lang="en-US" sz="1400" dirty="0"/>
+              <a:t> </a:t>
+            </a:r>
+            <a:r>
+              <a:rPr lang="en-US" sz="1400" dirty="0" err="1"/>
+              <a:t>haarHP</a:t>
+            </a:r>
+            <a:r>
+              <a:rPr lang="en-US" sz="1400" dirty="0"/>
+              <a:t>(x) {</a:t>
+            </a:r>
+          </a:p>
+          <a:p>
+            <a:pPr lvl="3"/>
+            <a:r>
+              <a:rPr lang="en-US" sz="1400" dirty="0"/>
+              <a:t>	</a:t>
+            </a:r>
+            <a:r>
+              <a:rPr lang="en-US" sz="1400" b="1" dirty="0"/>
+              <a:t>var</a:t>
+            </a:r>
+            <a:r>
+              <a:rPr lang="en-US" sz="1400" dirty="0"/>
+              <a:t> y : [</a:t>
+            </a:r>
+            <a:r>
+              <a:rPr lang="en-US" sz="1400" dirty="0" err="1"/>
+              <a:t>x.domain</a:t>
+            </a:r>
+            <a:r>
+              <a:rPr lang="en-US" sz="1400" dirty="0"/>
+              <a:t>] </a:t>
+            </a:r>
+            <a:r>
+              <a:rPr lang="en-US" sz="1400" b="1" dirty="0"/>
+              <a:t>int</a:t>
+            </a:r>
+            <a:r>
+              <a:rPr lang="en-US" sz="1400" dirty="0"/>
+              <a:t> = x;</a:t>
+            </a:r>
+          </a:p>
+          <a:p>
+            <a:pPr lvl="3"/>
+            <a:r>
+              <a:rPr lang="en-US" sz="1400" dirty="0"/>
+              <a:t>	</a:t>
+            </a:r>
+            <a:r>
+              <a:rPr lang="en-US" sz="1400" b="1" dirty="0" err="1"/>
+              <a:t>forall</a:t>
+            </a:r>
+            <a:r>
+              <a:rPr lang="en-US" sz="1400" dirty="0"/>
+              <a:t> </a:t>
+            </a:r>
+            <a:r>
+              <a:rPr lang="en-US" sz="1400" dirty="0" err="1"/>
+              <a:t>i</a:t>
+            </a:r>
+            <a:r>
+              <a:rPr lang="en-US" sz="1400" dirty="0"/>
+              <a:t> </a:t>
+            </a:r>
+            <a:r>
+              <a:rPr lang="en-US" sz="1400" b="1" dirty="0"/>
+              <a:t>in</a:t>
+            </a:r>
+            <a:r>
+              <a:rPr lang="en-US" sz="1400" dirty="0"/>
+              <a:t> </a:t>
+            </a:r>
+            <a:r>
+              <a:rPr lang="en-US" sz="1400" dirty="0" err="1"/>
+              <a:t>x.domain</a:t>
+            </a:r>
+            <a:r>
+              <a:rPr lang="en-US" sz="1400" dirty="0"/>
+              <a:t>#(x.domain.size-1) </a:t>
+            </a:r>
+            <a:r>
+              <a:rPr lang="en-US" sz="1400" b="1" dirty="0"/>
+              <a:t>do</a:t>
+            </a:r>
+            <a:r>
+              <a:rPr lang="en-US" sz="1400" dirty="0"/>
+              <a:t> y[</a:t>
+            </a:r>
+            <a:r>
+              <a:rPr lang="en-US" sz="1400" dirty="0" err="1"/>
+              <a:t>i</a:t>
+            </a:r>
+            <a:r>
+              <a:rPr lang="en-US" sz="1400" dirty="0"/>
+              <a:t>] -= x[i+1];</a:t>
+            </a:r>
+          </a:p>
+          <a:p>
+            <a:pPr lvl="3"/>
+            <a:r>
+              <a:rPr lang="en-US" sz="1400" dirty="0"/>
+              <a:t>	</a:t>
+            </a:r>
+            <a:r>
+              <a:rPr lang="en-US" sz="1400" b="1" dirty="0"/>
+              <a:t>return</a:t>
+            </a:r>
+            <a:r>
+              <a:rPr lang="en-US" sz="1400" dirty="0"/>
+              <a:t> y;</a:t>
+            </a:r>
+          </a:p>
+          <a:p>
+            <a:pPr lvl="3"/>
+            <a:r>
+              <a:rPr lang="en-US" sz="1400" dirty="0"/>
+              <a:t>}</a:t>
+            </a:r>
+          </a:p>
+          <a:p>
+            <a:pPr lvl="3"/>
+            <a:br>
+              <a:rPr lang="en-US" sz="1400" dirty="0"/>
+            </a:br>
+            <a:r>
+              <a:rPr lang="en-US" sz="1400" dirty="0">
                 <a:solidFill>
                   <a:schemeClr val="accent1"/>
                 </a:solidFill>
                 <a:latin typeface="MetricHPE" pitchFamily="2" charset="77"/>
               </a:rPr>
-              <a:t>recursive helper for wavelet computation</a:t>
+              <a:t>// convolution with the HAAR wavelet low-pass filter</a:t>
             </a:r>
           </a:p>
           <a:p>
             <a:pPr lvl="3"/>
             <a:r>
-              <a:rPr lang="en-US" b="1" dirty="0"/>
+              <a:rPr lang="en-US" sz="1400" b="1" dirty="0"/>
               <a:t>proc</a:t>
             </a:r>
             <a:r>
-              <a:rPr lang="en-US" dirty="0"/>
+              <a:rPr lang="en-US" sz="1400" dirty="0"/>
               <a:t> </a:t>
             </a:r>
             <a:r>
-              <a:rPr lang="en-US" dirty="0" err="1"/>
-              <a:t>hwRec</a:t>
-            </a:r>
-            <a:r>
-              <a:rPr lang="en-US" dirty="0"/>
-              <a:t>(</a:t>
-            </a:r>
-            <a:r>
-              <a:rPr lang="en-US" b="1" dirty="0"/>
-              <a:t>const</a:t>
-            </a:r>
-            <a:r>
-              <a:rPr lang="en-US" dirty="0"/>
-              <a:t> signal, </a:t>
-            </a:r>
-            <a:r>
-              <a:rPr lang="en-US" b="1" dirty="0"/>
-              <a:t>ref</a:t>
-            </a:r>
-            <a:r>
-              <a:rPr lang="en-US" dirty="0"/>
-              <a:t> output, fmax: </a:t>
-            </a:r>
-            <a:r>
-              <a:rPr lang="en-US" b="1" dirty="0"/>
+              <a:rPr lang="en-US" sz="1400" dirty="0" err="1"/>
+              <a:t>haarLP</a:t>
+            </a:r>
+            <a:r>
+              <a:rPr lang="en-US" sz="1400" dirty="0"/>
+              <a:t>(x) {</a:t>
+            </a:r>
+          </a:p>
+          <a:p>
+            <a:pPr lvl="3"/>
+            <a:r>
+              <a:rPr lang="en-US" sz="1400" dirty="0"/>
+              <a:t>	</a:t>
+            </a:r>
+            <a:r>
+              <a:rPr lang="en-US" sz="1400" b="1" dirty="0"/>
+              <a:t>var</a:t>
+            </a:r>
+            <a:r>
+              <a:rPr lang="en-US" sz="1400" dirty="0"/>
+              <a:t> y : [d] </a:t>
+            </a:r>
+            <a:r>
+              <a:rPr lang="en-US" sz="1400" b="1" dirty="0"/>
               <a:t>int</a:t>
             </a:r>
             <a:r>
-              <a:rPr lang="en-US" dirty="0"/>
-              <a:t>, </a:t>
-            </a:r>
-            <a:r>
-              <a:rPr lang="en-US" dirty="0" err="1"/>
-              <a:t>fstop</a:t>
-            </a:r>
-            <a:r>
-              <a:rPr lang="en-US" dirty="0"/>
-              <a:t>: </a:t>
-            </a:r>
-            <a:r>
-              <a:rPr lang="en-US" b="1" dirty="0"/>
-              <a:t>int</a:t>
-            </a:r>
-            <a:r>
-              <a:rPr lang="en-US" dirty="0"/>
-              <a:t>) {</a:t>
+              <a:rPr lang="en-US" sz="1400" dirty="0"/>
+              <a:t> = x;</a:t>
             </a:r>
           </a:p>
           <a:p>
             <a:pPr lvl="3"/>
             <a:r>
-              <a:rPr lang="en-US" dirty="0"/>
-              <a:t>  </a:t>
-            </a:r>
-            <a:r>
-              <a:rPr lang="en-US" dirty="0">
+              <a:rPr lang="en-US" sz="1400" dirty="0"/>
+              <a:t>	</a:t>
+            </a:r>
+            <a:r>
+              <a:rPr lang="en-US" sz="1400" b="1" dirty="0" err="1"/>
+              <a:t>forall</a:t>
+            </a:r>
+            <a:r>
+              <a:rPr lang="en-US" sz="1400" dirty="0"/>
+              <a:t> </a:t>
+            </a:r>
+            <a:r>
+              <a:rPr lang="en-US" sz="1400" dirty="0" err="1"/>
+              <a:t>i</a:t>
+            </a:r>
+            <a:r>
+              <a:rPr lang="en-US" sz="1400" dirty="0"/>
+              <a:t> </a:t>
+            </a:r>
+            <a:r>
+              <a:rPr lang="en-US" sz="1400" b="1" dirty="0"/>
+              <a:t>in</a:t>
+            </a:r>
+            <a:r>
+              <a:rPr lang="en-US" sz="1400" dirty="0"/>
+              <a:t> </a:t>
+            </a:r>
+            <a:r>
+              <a:rPr lang="en-US" sz="1400" dirty="0" err="1"/>
+              <a:t>x.domain</a:t>
+            </a:r>
+            <a:r>
+              <a:rPr lang="en-US" sz="1400" dirty="0"/>
+              <a:t>#(x.domain.size-1) </a:t>
+            </a:r>
+            <a:r>
+              <a:rPr lang="en-US" sz="1400" b="1" dirty="0"/>
+              <a:t>do</a:t>
+            </a:r>
+            <a:r>
+              <a:rPr lang="en-US" sz="1400" dirty="0"/>
+              <a:t> y[</a:t>
+            </a:r>
+            <a:r>
+              <a:rPr lang="en-US" sz="1400" dirty="0" err="1"/>
+              <a:t>i</a:t>
+            </a:r>
+            <a:r>
+              <a:rPr lang="en-US" sz="1400" dirty="0"/>
+              <a:t>] += x[i+1];</a:t>
+            </a:r>
+          </a:p>
+          <a:p>
+            <a:pPr lvl="3"/>
+            <a:r>
+              <a:rPr lang="en-US" sz="1400" dirty="0"/>
+              <a:t>	</a:t>
+            </a:r>
+            <a:r>
+              <a:rPr lang="en-US" sz="1400" b="1" dirty="0"/>
+              <a:t>return</a:t>
+            </a:r>
+            <a:r>
+              <a:rPr lang="en-US" sz="1400" dirty="0"/>
+              <a:t> y;</a:t>
+            </a:r>
+          </a:p>
+          <a:p>
+            <a:pPr lvl="3"/>
+            <a:r>
+              <a:rPr lang="en-US" sz="1400" dirty="0"/>
+              <a:t>}</a:t>
+            </a:r>
+          </a:p>
+          <a:p>
+            <a:pPr lvl="3"/>
+            <a:endParaRPr lang="en-US" sz="1400" dirty="0"/>
+          </a:p>
+          <a:p>
+            <a:pPr lvl="3"/>
+            <a:r>
+              <a:rPr lang="en-US" sz="1400" dirty="0">
                 <a:solidFill>
                   <a:schemeClr val="accent1"/>
                 </a:solidFill>
                 <a:latin typeface="MetricHPE" pitchFamily="2" charset="77"/>
               </a:rPr>
-              <a:t>// check termination condition</a:t>
-            </a:r>
+              <a:t>// down-sample by a factor of 2</a:t>
+            </a:r>
+          </a:p>
+          <a:p>
+            <a:pPr lvl="3"/>
+            <a:r>
+              <a:rPr lang="en-US" sz="1400" b="1" dirty="0"/>
+              <a:t>proc</a:t>
+            </a:r>
+            <a:r>
+              <a:rPr lang="en-US" sz="1400" dirty="0"/>
+              <a:t> downSample2(x) {</a:t>
+            </a:r>
+          </a:p>
+          <a:p>
+            <a:pPr lvl="3"/>
+            <a:r>
+              <a:rPr lang="en-US" sz="1400" dirty="0"/>
+              <a:t>	</a:t>
+            </a:r>
+            <a:r>
+              <a:rPr lang="en-US" sz="1400" b="1" dirty="0"/>
+              <a:t>var</a:t>
+            </a:r>
+            <a:r>
+              <a:rPr lang="en-US" sz="1400" dirty="0"/>
+              <a:t> y : [{</a:t>
+            </a:r>
+            <a:r>
+              <a:rPr lang="en-US" sz="1400" dirty="0" err="1"/>
+              <a:t>x.domain.first</a:t>
+            </a:r>
+            <a:r>
+              <a:rPr lang="en-US" sz="1400" dirty="0"/>
+              <a:t>..(</a:t>
+            </a:r>
+            <a:r>
+              <a:rPr lang="en-US" sz="1400" dirty="0" err="1"/>
+              <a:t>x.domain.last</a:t>
+            </a:r>
+            <a:r>
+              <a:rPr lang="en-US" sz="1400" dirty="0"/>
+              <a:t>/2)}] </a:t>
+            </a:r>
+            <a:r>
+              <a:rPr lang="en-US" sz="1400" b="1" dirty="0"/>
+              <a:t>int</a:t>
+            </a:r>
+            <a:r>
+              <a:rPr lang="en-US" sz="1400" dirty="0"/>
+              <a:t>;</a:t>
+            </a:r>
+          </a:p>
+          <a:p>
+            <a:pPr lvl="3"/>
+            <a:r>
+              <a:rPr lang="en-US" sz="1400" dirty="0"/>
+              <a:t>	y = x[</a:t>
+            </a:r>
+            <a:r>
+              <a:rPr lang="en-US" sz="1400" dirty="0" err="1"/>
+              <a:t>x.domain</a:t>
+            </a:r>
+            <a:r>
+              <a:rPr lang="en-US" sz="1400" dirty="0"/>
+              <a:t> </a:t>
+            </a:r>
+            <a:r>
+              <a:rPr lang="en-US" sz="1400" b="1" dirty="0"/>
+              <a:t>by</a:t>
+            </a:r>
+            <a:r>
+              <a:rPr lang="en-US" sz="1400" dirty="0"/>
+              <a:t> 2];</a:t>
+            </a:r>
+          </a:p>
+          <a:p>
+            <a:pPr lvl="3"/>
+            <a:r>
+              <a:rPr lang="en-US" sz="1400" dirty="0"/>
+              <a:t>	</a:t>
+            </a:r>
+            <a:r>
+              <a:rPr lang="en-US" sz="1400" b="1" dirty="0"/>
+              <a:t>return</a:t>
+            </a:r>
+            <a:r>
+              <a:rPr lang="en-US" sz="1400" dirty="0"/>
+              <a:t> y;</a:t>
+            </a:r>
+          </a:p>
+          <a:p>
+            <a:pPr lvl="3"/>
+            <a:r>
+              <a:rPr lang="en-US" sz="1400" dirty="0"/>
+              <a:t>}</a:t>
+            </a:r>
+          </a:p>
+          <a:p>
+            <a:pPr lvl="3"/>
             <a:endParaRPr lang="en-US" dirty="0"/>
-          </a:p>
-          <a:p>
-            <a:pPr lvl="3"/>
-            <a:r>
-              <a:rPr lang="en-US" b="1" dirty="0"/>
-              <a:t>  if</a:t>
-            </a:r>
-            <a:r>
-              <a:rPr lang="en-US" dirty="0"/>
-              <a:t> fmax == </a:t>
-            </a:r>
-            <a:r>
-              <a:rPr lang="en-US" dirty="0" err="1"/>
-              <a:t>fstop</a:t>
-            </a:r>
-            <a:r>
-              <a:rPr lang="en-US" dirty="0"/>
-              <a:t> {</a:t>
-            </a:r>
-          </a:p>
-          <a:p>
-            <a:pPr lvl="3"/>
-            <a:r>
-              <a:rPr lang="en-US" dirty="0"/>
-              <a:t>    </a:t>
-            </a:r>
-            <a:r>
-              <a:rPr lang="en-US" dirty="0">
-                <a:solidFill>
-                  <a:schemeClr val="accent1"/>
-                </a:solidFill>
-                <a:latin typeface="MetricHPE" pitchFamily="2" charset="77"/>
-              </a:rPr>
-              <a:t>// store the final layer of high-pass coefficients</a:t>
-            </a:r>
-          </a:p>
-          <a:p>
-            <a:pPr lvl="3"/>
-            <a:r>
-              <a:rPr lang="en-US" dirty="0"/>
-              <a:t>	 output[{0..&lt;fmax}] = signal;</a:t>
-            </a:r>
-          </a:p>
-          <a:p>
-            <a:pPr lvl="3"/>
-            <a:r>
-              <a:rPr lang="en-US" dirty="0"/>
-              <a:t>  } </a:t>
-            </a:r>
-            <a:r>
-              <a:rPr lang="en-US" b="1" dirty="0"/>
-              <a:t>else</a:t>
-            </a:r>
-            <a:r>
-              <a:rPr lang="en-US" dirty="0"/>
-              <a:t> {</a:t>
-            </a:r>
-          </a:p>
-          <a:p>
-            <a:pPr lvl="3"/>
-            <a:r>
-              <a:rPr lang="en-US" dirty="0"/>
-              <a:t>    </a:t>
-            </a:r>
-            <a:r>
-              <a:rPr lang="en-US" b="1" dirty="0" err="1"/>
-              <a:t>cobegin</a:t>
-            </a:r>
-            <a:r>
-              <a:rPr lang="en-US" dirty="0"/>
-              <a:t> {</a:t>
-            </a:r>
-          </a:p>
-          <a:p>
-            <a:pPr lvl="3"/>
-            <a:r>
-              <a:rPr lang="en-US" dirty="0"/>
-              <a:t>      </a:t>
-            </a:r>
-            <a:r>
-              <a:rPr lang="en-US" dirty="0">
-                <a:solidFill>
-                  <a:schemeClr val="accent1"/>
-                </a:solidFill>
-                <a:latin typeface="MetricHPE" pitchFamily="2" charset="77"/>
-              </a:rPr>
-              <a:t>// compute and store the low-pass coefficients</a:t>
-            </a:r>
-          </a:p>
-          <a:p>
-            <a:pPr lvl="3"/>
-            <a:r>
-              <a:rPr lang="en-US" dirty="0"/>
-              <a:t>      output[{fmax/2..&lt;fmax}] = downSample2(</a:t>
-            </a:r>
-            <a:r>
-              <a:rPr lang="en-US" dirty="0" err="1"/>
-              <a:t>haarLP</a:t>
-            </a:r>
-            <a:r>
-              <a:rPr lang="en-US" dirty="0"/>
-              <a:t>(signal));</a:t>
-            </a:r>
-          </a:p>
-          <a:p>
-            <a:pPr lvl="3"/>
-            <a:br>
-              <a:rPr lang="en-US" dirty="0"/>
-            </a:br>
-            <a:r>
-              <a:rPr lang="en-US" dirty="0"/>
-              <a:t>	   </a:t>
-            </a:r>
-            <a:r>
-              <a:rPr lang="en-US" dirty="0">
-                <a:solidFill>
-                  <a:schemeClr val="accent1"/>
-                </a:solidFill>
-                <a:latin typeface="MetricHPE" pitchFamily="2" charset="77"/>
-              </a:rPr>
-              <a:t>// compute the high-pass coefficients and start the next layer of filtering</a:t>
-            </a:r>
-          </a:p>
-          <a:p>
-            <a:pPr lvl="3"/>
-            <a:r>
-              <a:rPr lang="en-US" dirty="0"/>
-              <a:t>	   </a:t>
-            </a:r>
-            <a:r>
-              <a:rPr lang="en-US" dirty="0" err="1"/>
-              <a:t>hwRec</a:t>
-            </a:r>
-            <a:r>
-              <a:rPr lang="en-US" dirty="0"/>
-              <a:t>(downSample2(</a:t>
-            </a:r>
-            <a:r>
-              <a:rPr lang="en-US" dirty="0" err="1"/>
-              <a:t>haarHP</a:t>
-            </a:r>
-            <a:r>
-              <a:rPr lang="en-US" dirty="0"/>
-              <a:t>(signal)), output, fmax/2, </a:t>
-            </a:r>
-            <a:r>
-              <a:rPr lang="en-US" dirty="0" err="1"/>
-              <a:t>fstop</a:t>
-            </a:r>
-            <a:r>
-              <a:rPr lang="en-US" dirty="0"/>
-              <a:t>);</a:t>
-            </a:r>
-          </a:p>
-          <a:p>
-            <a:pPr lvl="3"/>
-            <a:r>
-              <a:rPr lang="en-US" dirty="0"/>
-              <a:t>	 }</a:t>
-            </a:r>
-          </a:p>
-          <a:p>
-            <a:pPr lvl="3"/>
-            <a:r>
-              <a:rPr lang="en-US" dirty="0"/>
-              <a:t>  }</a:t>
-            </a:r>
-          </a:p>
-          <a:p>
-            <a:pPr lvl="3"/>
-            <a:r>
-              <a:rPr lang="en-US" dirty="0"/>
-              <a:t>}</a:t>
-            </a:r>
           </a:p>
           <a:p>
             <a:pPr marL="228600" lvl="1" indent="0">
@@ -26115,7 +28221,7 @@
     </p:spTree>
     <p:extLst>
       <p:ext uri="{BB962C8B-B14F-4D97-AF65-F5344CB8AC3E}">
-        <p14:creationId xmlns:p14="http://schemas.microsoft.com/office/powerpoint/2010/main" val="3536190092"/>
+        <p14:creationId xmlns:p14="http://schemas.microsoft.com/office/powerpoint/2010/main" val="164542152"/>
       </p:ext>
     </p:extLst>
   </p:cSld>
@@ -26165,7 +28271,7 @@
           <a:p>
             <a:r>
               <a:rPr lang="en-US" dirty="0"/>
-              <a:t>Implementation – Calling Recursive Procedure</a:t>
+              <a:t>Implementation – Progressive Filtering using a Recursive Procedure</a:t>
             </a:r>
           </a:p>
         </p:txBody>
@@ -26200,13 +28306,22 @@
           <a:p>
             <a:pPr lvl="3"/>
             <a:r>
+              <a:rPr lang="en-US" i="1" dirty="0">
+                <a:solidFill>
+                  <a:schemeClr val="accent1"/>
+                </a:solidFill>
+                <a:latin typeface="MetricHPE" pitchFamily="2" charset="77"/>
+              </a:rPr>
+              <a:t>// </a:t>
+            </a:r>
+            <a:r>
               <a:rPr lang="en-US" dirty="0">
                 <a:solidFill>
                   <a:schemeClr val="accent1"/>
                 </a:solidFill>
                 <a:latin typeface="MetricHPE" pitchFamily="2" charset="77"/>
               </a:rPr>
-              <a:t>// compute an n-level DWT of x</a:t>
+              <a:t>recursive helper for wavelet computation</a:t>
             </a:r>
           </a:p>
           <a:p>
@@ -26217,109 +28332,7 @@
             </a:r>
             <a:r>
               <a:rPr lang="en-US" dirty="0"/>
-              <a:t> haarWavelet1D(x: [?d] ?t, n: </a:t>
-            </a:r>
-            <a:r>
-              <a:rPr lang="en-US" b="1" dirty="0"/>
-              <a:t>int</a:t>
-            </a:r>
-            <a:r>
-              <a:rPr lang="en-US" dirty="0"/>
-              <a:t>) : [d] t</a:t>
-            </a:r>
-          </a:p>
-          <a:p>
-            <a:pPr lvl="3"/>
-            <a:r>
-              <a:rPr lang="en-US" dirty="0"/>
-              <a:t>	</a:t>
-            </a:r>
-            <a:r>
-              <a:rPr lang="en-US" b="1" dirty="0"/>
-              <a:t>where</a:t>
-            </a:r>
-            <a:r>
-              <a:rPr lang="en-US" dirty="0"/>
               <a:t> </a:t>
-            </a:r>
-            <a:r>
-              <a:rPr lang="en-US" dirty="0" err="1"/>
-              <a:t>d.rank</a:t>
-            </a:r>
-            <a:r>
-              <a:rPr lang="en-US" dirty="0"/>
-              <a:t> == 1 &amp;&amp; </a:t>
-            </a:r>
-            <a:r>
-              <a:rPr lang="en-US" dirty="0" err="1"/>
-              <a:t>isNumericType</a:t>
-            </a:r>
-            <a:r>
-              <a:rPr lang="en-US" dirty="0"/>
-              <a:t>(t)</a:t>
-            </a:r>
-          </a:p>
-          <a:p>
-            <a:pPr lvl="3"/>
-            <a:r>
-              <a:rPr lang="en-US" dirty="0"/>
-              <a:t>{</a:t>
-            </a:r>
-          </a:p>
-          <a:p>
-            <a:pPr lvl="3"/>
-            <a:r>
-              <a:rPr lang="en-US" dirty="0"/>
-              <a:t>	</a:t>
-            </a:r>
-            <a:r>
-              <a:rPr lang="en-US" b="1" dirty="0"/>
-              <a:t>assert</a:t>
-            </a:r>
-            <a:r>
-              <a:rPr lang="en-US" dirty="0"/>
-              <a:t>(2**log2(</a:t>
-            </a:r>
-            <a:r>
-              <a:rPr lang="en-US" dirty="0" err="1"/>
-              <a:t>d.size</a:t>
-            </a:r>
-            <a:r>
-              <a:rPr lang="en-US" dirty="0"/>
-              <a:t>) == </a:t>
-            </a:r>
-            <a:r>
-              <a:rPr lang="en-US" dirty="0" err="1"/>
-              <a:t>d.size</a:t>
-            </a:r>
-            <a:r>
-              <a:rPr lang="en-US" dirty="0"/>
-              <a:t>, "array size must be a power of 2");</a:t>
-            </a:r>
-          </a:p>
-          <a:p>
-            <a:pPr lvl="3"/>
-            <a:br>
-              <a:rPr lang="en-US" dirty="0"/>
-            </a:br>
-            <a:r>
-              <a:rPr lang="en-US" dirty="0"/>
-              <a:t>	</a:t>
-            </a:r>
-            <a:r>
-              <a:rPr lang="en-US" b="1" dirty="0"/>
-              <a:t>var</a:t>
-            </a:r>
-            <a:r>
-              <a:rPr lang="en-US" dirty="0"/>
-              <a:t> output : [d] t;</a:t>
-            </a:r>
-          </a:p>
-          <a:p>
-            <a:pPr lvl="3"/>
-            <a:r>
-              <a:rPr lang="en-US" dirty="0"/>
-              <a:t>	</a:t>
             </a:r>
             <a:r>
               <a:rPr lang="en-US" dirty="0" err="1"/>
@@ -26327,53 +28340,23 @@
             </a:r>
             <a:r>
               <a:rPr lang="en-US" dirty="0"/>
-              <a:t>(x, output, </a:t>
+              <a:t>(signal, output, fmax, </a:t>
             </a:r>
             <a:r>
               <a:rPr lang="en-US" dirty="0" err="1"/>
-              <a:t>d.size</a:t>
+              <a:t>fstop</a:t>
             </a:r>
             <a:r>
               <a:rPr lang="en-US" dirty="0"/>
-              <a:t>, </a:t>
-            </a:r>
-            <a:r>
-              <a:rPr lang="en-US" dirty="0" err="1"/>
-              <a:t>d.size</a:t>
-            </a:r>
+              <a:t>) {</a:t>
+            </a:r>
+          </a:p>
+          <a:p>
+            <a:pPr lvl="3"/>
             <a:r>
               <a:rPr lang="en-US" dirty="0"/>
-              <a:t> / 2**n);</a:t>
-            </a:r>
-          </a:p>
-          <a:p>
-            <a:pPr lvl="3"/>
-            <a:r>
-              <a:rPr lang="en-US" dirty="0"/>
-              <a:t>	</a:t>
-            </a:r>
-            <a:r>
-              <a:rPr lang="en-US" b="1" dirty="0"/>
-              <a:t>return</a:t>
-            </a:r>
-            <a:r>
-              <a:rPr lang="en-US" dirty="0"/>
-              <a:t> output;</a:t>
-            </a:r>
-          </a:p>
-          <a:p>
-            <a:pPr lvl="3"/>
-            <a:r>
-              <a:rPr lang="en-US" dirty="0"/>
-              <a:t>}</a:t>
-            </a:r>
-          </a:p>
-          <a:p>
-            <a:pPr lvl="3"/>
-            <a:endParaRPr lang="en-US" dirty="0"/>
-          </a:p>
-          <a:p>
-            <a:pPr lvl="3"/>
+              <a:t>  </a:t>
+            </a:r>
             <a:r>
               <a:rPr lang="en-US" dirty="0">
                 <a:solidFill>
@@ -26381,7 +28364,7 @@
                 </a:solidFill>
                 <a:latin typeface="MetricHPE" pitchFamily="2" charset="77"/>
               </a:rPr>
-              <a:t>// apply a 3-level DWT to a simple signal</a:t>
+              <a:t>// check termination condition</a:t>
             </a:r>
             <a:endParaRPr lang="en-US" dirty="0"/>
           </a:p>
@@ -26389,38 +28372,103 @@
             <a:pPr lvl="3"/>
             <a:r>
               <a:rPr lang="en-US" b="1" dirty="0"/>
-              <a:t>var</a:t>
+              <a:t>  if</a:t>
             </a:r>
             <a:r>
               <a:rPr lang="en-US" dirty="0"/>
-              <a:t> signal = [</a:t>
+              <a:t> fmax == </a:t>
             </a:r>
             <a:r>
               <a:rPr lang="en-US" dirty="0" err="1"/>
-              <a:t>i</a:t>
+              <a:t>fstop</a:t>
             </a:r>
             <a:r>
               <a:rPr lang="en-US" dirty="0"/>
-              <a:t> in {0..&lt;32}] (i-16)**2;</a:t>
+              <a:t> {</a:t>
             </a:r>
           </a:p>
           <a:p>
             <a:pPr lvl="3"/>
             <a:r>
+              <a:rPr lang="en-US" dirty="0"/>
+              <a:t>    </a:t>
+            </a:r>
+            <a:r>
+              <a:rPr lang="en-US" dirty="0">
+                <a:solidFill>
+                  <a:schemeClr val="accent1"/>
+                </a:solidFill>
+                <a:latin typeface="MetricHPE" pitchFamily="2" charset="77"/>
+              </a:rPr>
+              <a:t>// store the final layer of high-pass coefficients</a:t>
+            </a:r>
+          </a:p>
+          <a:p>
+            <a:pPr lvl="3"/>
+            <a:r>
+              <a:rPr lang="en-US" dirty="0"/>
+              <a:t>	 output[{0..&lt;fmax}] = signal;</a:t>
+            </a:r>
+          </a:p>
+          <a:p>
+            <a:pPr lvl="3"/>
+            <a:r>
+              <a:rPr lang="en-US" dirty="0"/>
+              <a:t>  } </a:t>
+            </a:r>
+            <a:r>
               <a:rPr lang="en-US" b="1" dirty="0"/>
-              <a:t>var</a:t>
+              <a:t>else</a:t>
             </a:r>
             <a:r>
               <a:rPr lang="en-US" dirty="0"/>
-              <a:t> </a:t>
+              <a:t> {</a:t>
+            </a:r>
+          </a:p>
+          <a:p>
+            <a:pPr lvl="3"/>
+            <a:r>
+              <a:rPr lang="en-US" dirty="0"/>
+              <a:t>    </a:t>
+            </a:r>
+            <a:r>
+              <a:rPr lang="en-US" b="1" dirty="0" err="1"/>
+              <a:t>cobegin</a:t>
+            </a:r>
+            <a:r>
+              <a:rPr lang="en-US" dirty="0"/>
+              <a:t> {</a:t>
+            </a:r>
+          </a:p>
+          <a:p>
+            <a:pPr lvl="3"/>
+            <a:r>
+              <a:rPr lang="en-US" dirty="0"/>
+              <a:t>      </a:t>
+            </a:r>
+            <a:r>
+              <a:rPr lang="en-US" dirty="0">
+                <a:solidFill>
+                  <a:schemeClr val="accent1"/>
+                </a:solidFill>
+                <a:latin typeface="MetricHPE" pitchFamily="2" charset="77"/>
+              </a:rPr>
+              <a:t>// compute and store the low-pass coefficients</a:t>
+            </a:r>
+          </a:p>
+          <a:p>
+            <a:pPr lvl="3"/>
+            <a:r>
+              <a:rPr lang="en-US" dirty="0"/>
+              <a:t>      output[{fmax/2..&lt;fmax}] = downSample2(</a:t>
             </a:r>
             <a:r>
               <a:rPr lang="en-US" dirty="0" err="1"/>
-              <a:t>wt</a:t>
+              <a:t>haarLP</a:t>
             </a:r>
             <a:r>
               <a:rPr lang="en-US" dirty="0"/>
-              <a:t> = haarWavelet1D(signal, 3);</a:t>
+              <a:t>(signal));</a:t>
             </a:r>
           </a:p>
           <a:p>
@@ -26429,27 +28477,44 @@
               <a:rPr lang="en-US" dirty="0"/>
             </a:br>
             <a:r>
-              <a:rPr lang="en-US" b="1" dirty="0" err="1"/>
-              <a:t>writeln</a:t>
-            </a:r>
-            <a:r>
               <a:rPr lang="en-US" dirty="0"/>
-              <a:t>(signal);</a:t>
+              <a:t>	   </a:t>
+            </a:r>
+            <a:r>
+              <a:rPr lang="en-US" dirty="0">
+                <a:solidFill>
+                  <a:schemeClr val="accent1"/>
+                </a:solidFill>
+                <a:latin typeface="MetricHPE" pitchFamily="2" charset="77"/>
+              </a:rPr>
+              <a:t>// compute the high-pass coefficients and start the next layer of filtering</a:t>
             </a:r>
           </a:p>
           <a:p>
             <a:pPr lvl="3"/>
             <a:r>
-              <a:rPr lang="en-US" b="1" dirty="0" err="1"/>
-              <a:t>writeln</a:t>
-            </a:r>
-            <a:r>
               <a:rPr lang="en-US" dirty="0"/>
-              <a:t>(</a:t>
+              <a:t>	   </a:t>
             </a:r>
             <a:r>
               <a:rPr lang="en-US" dirty="0" err="1"/>
-              <a:t>wt</a:t>
+              <a:t>hwRec</a:t>
+            </a:r>
+            <a:r>
+              <a:rPr lang="en-US" dirty="0"/>
+              <a:t>(downSample2(</a:t>
+            </a:r>
+            <a:r>
+              <a:rPr lang="en-US" dirty="0" err="1"/>
+              <a:t>haarHP</a:t>
+            </a:r>
+            <a:r>
+              <a:rPr lang="en-US" dirty="0"/>
+              <a:t>(signal)), output, fmax/2, </a:t>
+            </a:r>
+            <a:r>
+              <a:rPr lang="en-US" dirty="0" err="1"/>
+              <a:t>fstop</a:t>
             </a:r>
             <a:r>
               <a:rPr lang="en-US" dirty="0"/>
@@ -26458,11 +28523,24 @@
           </a:p>
           <a:p>
             <a:pPr lvl="3"/>
-            <a:endParaRPr lang="en-US" dirty="0"/>
+            <a:r>
+              <a:rPr lang="en-US" dirty="0"/>
+              <a:t>	 }</a:t>
+            </a:r>
           </a:p>
           <a:p>
             <a:pPr lvl="3"/>
-            <a:endParaRPr lang="en-US" dirty="0"/>
+            <a:r>
+              <a:rPr lang="en-US" dirty="0"/>
+              <a:t>  }</a:t>
+            </a:r>
+          </a:p>
+          <a:p>
+            <a:pPr lvl="3"/>
+            <a:r>
+              <a:rPr lang="en-US" dirty="0"/>
+              <a:t>}</a:t>
+            </a:r>
           </a:p>
           <a:p>
             <a:pPr marL="228600" lvl="1" indent="0">
@@ -26544,7 +28622,7 @@
     </p:spTree>
     <p:extLst>
       <p:ext uri="{BB962C8B-B14F-4D97-AF65-F5344CB8AC3E}">
-        <p14:creationId xmlns:p14="http://schemas.microsoft.com/office/powerpoint/2010/main" val="535170315"/>
+        <p14:creationId xmlns:p14="http://schemas.microsoft.com/office/powerpoint/2010/main" val="3536190092"/>
       </p:ext>
     </p:extLst>
   </p:cSld>
@@ -26576,7 +28654,7 @@
           <p:cNvPr id="2" name="Text Placeholder 1">
             <a:extLst>
               <a:ext uri="{FF2B5EF4-FFF2-40B4-BE49-F238E27FC236}">
-                <a16:creationId xmlns:a16="http://schemas.microsoft.com/office/drawing/2014/main" id="{EC9C4A0F-287B-40DD-326C-B51F85714D1B}"/>
+                <a16:creationId xmlns:a16="http://schemas.microsoft.com/office/drawing/2014/main" id="{E8A4E8EF-4032-D14A-84E4-E40CE1EC27AC}"/>
               </a:ext>
             </a:extLst>
           </p:cNvPr>
@@ -26594,7 +28672,7 @@
           <a:p>
             <a:r>
               <a:rPr lang="en-US" dirty="0"/>
-              <a:t>Using code from previous slides on some real data</a:t>
+              <a:t>Implementation – Calling Recursive Procedure</a:t>
             </a:r>
           </a:p>
         </p:txBody>
@@ -26604,7 +28682,7 @@
           <p:cNvPr id="3" name="Text Placeholder 2">
             <a:extLst>
               <a:ext uri="{FF2B5EF4-FFF2-40B4-BE49-F238E27FC236}">
-                <a16:creationId xmlns:a16="http://schemas.microsoft.com/office/drawing/2014/main" id="{B8B315E4-AF66-F395-D51A-10A20D807810}"/>
+                <a16:creationId xmlns:a16="http://schemas.microsoft.com/office/drawing/2014/main" id="{0403268D-B53F-F94D-8F5E-2BC9C380ADA0}"/>
               </a:ext>
             </a:extLst>
           </p:cNvPr>
@@ -26615,123 +28693,256 @@
             <p:ph type="body" sz="quarter" idx="17"/>
           </p:nvPr>
         </p:nvSpPr>
-        <p:spPr/>
+        <p:spPr>
+          <a:xfrm>
+            <a:off x="21220" y="1360194"/>
+            <a:ext cx="9829800" cy="4473488"/>
+          </a:xfrm>
+        </p:spPr>
         <p:txBody>
-          <a:bodyPr/>
+          <a:bodyPr>
+            <a:noAutofit/>
+          </a:bodyPr>
           <a:lstStyle/>
           <a:p>
+            <a:pPr lvl="3"/>
+            <a:r>
+              <a:rPr lang="en-US" dirty="0">
+                <a:solidFill>
+                  <a:schemeClr val="accent1"/>
+                </a:solidFill>
+                <a:latin typeface="MetricHPE" pitchFamily="2" charset="77"/>
+              </a:rPr>
+              <a:t>// compute an n-level DWT of x</a:t>
+            </a:r>
+          </a:p>
+          <a:p>
+            <a:pPr lvl="3"/>
+            <a:r>
+              <a:rPr lang="en-US" b="1" dirty="0"/>
+              <a:t>proc</a:t>
+            </a:r>
             <a:r>
               <a:rPr lang="en-US" dirty="0"/>
-              <a:t>Looking at this example: </a:t>
-            </a:r>
+              <a:t> haarWavelet1D(x, n) {</a:t>
+            </a:r>
+          </a:p>
+          <a:p>
+            <a:pPr lvl="3"/>
+            <a:r>
+              <a:rPr lang="en-US" dirty="0"/>
+              <a:t>	</a:t>
+            </a:r>
+            <a:r>
+              <a:rPr lang="en-US" b="1" dirty="0"/>
+              <a:t>assert</a:t>
+            </a:r>
+            <a:r>
+              <a:rPr lang="en-US" dirty="0"/>
+              <a:t>(2**log2(</a:t>
+            </a:r>
+            <a:r>
+              <a:rPr lang="en-US" dirty="0" err="1"/>
+              <a:t>d.size</a:t>
+            </a:r>
+            <a:r>
+              <a:rPr lang="en-US" dirty="0"/>
+              <a:t>) == </a:t>
+            </a:r>
+            <a:r>
+              <a:rPr lang="en-US" dirty="0" err="1"/>
+              <a:t>d.size</a:t>
+            </a:r>
+            <a:r>
+              <a:rPr lang="en-US" dirty="0"/>
+              <a:t>, "array size must be a power of 2");</a:t>
+            </a:r>
+          </a:p>
+          <a:p>
+            <a:pPr lvl="3"/>
+            <a:br>
+              <a:rPr lang="en-US" dirty="0"/>
+            </a:br>
+            <a:r>
+              <a:rPr lang="en-US" dirty="0"/>
+              <a:t>	</a:t>
+            </a:r>
+            <a:r>
+              <a:rPr lang="en-US" b="1" dirty="0"/>
+              <a:t>var</a:t>
+            </a:r>
+            <a:r>
+              <a:rPr lang="en-US" dirty="0"/>
+              <a:t> output : [</a:t>
+            </a:r>
+            <a:r>
+              <a:rPr lang="en-US" dirty="0" err="1"/>
+              <a:t>x.domain</a:t>
+            </a:r>
+            <a:r>
+              <a:rPr lang="en-US" dirty="0"/>
+              <a:t>] int;</a:t>
+            </a:r>
+          </a:p>
+          <a:p>
+            <a:pPr lvl="3"/>
+            <a:r>
+              <a:rPr lang="en-US" dirty="0"/>
+              <a:t>	</a:t>
+            </a:r>
+            <a:r>
+              <a:rPr lang="en-US" dirty="0" err="1"/>
+              <a:t>hwRec</a:t>
+            </a:r>
+            <a:r>
+              <a:rPr lang="en-US" dirty="0"/>
+              <a:t>(x, output, </a:t>
+            </a:r>
+            <a:r>
+              <a:rPr lang="en-US" dirty="0" err="1"/>
+              <a:t>x.size</a:t>
+            </a:r>
+            <a:r>
+              <a:rPr lang="en-US" dirty="0"/>
+              <a:t>, </a:t>
+            </a:r>
+            <a:r>
+              <a:rPr lang="en-US" dirty="0" err="1"/>
+              <a:t>x.size</a:t>
+            </a:r>
+            <a:r>
+              <a:rPr lang="en-US" dirty="0"/>
+              <a:t> / 2**n);</a:t>
+            </a:r>
+          </a:p>
+          <a:p>
+            <a:pPr lvl="3"/>
+            <a:r>
+              <a:rPr lang="en-US" dirty="0"/>
+              <a:t>	</a:t>
+            </a:r>
+            <a:r>
+              <a:rPr lang="en-US" b="1" dirty="0"/>
+              <a:t>return</a:t>
+            </a:r>
+            <a:r>
+              <a:rPr lang="en-US" dirty="0"/>
+              <a:t> output;</a:t>
+            </a:r>
+          </a:p>
+          <a:p>
+            <a:pPr lvl="3"/>
+            <a:r>
+              <a:rPr lang="en-US" dirty="0"/>
+              <a:t>}</a:t>
+            </a:r>
+          </a:p>
+          <a:p>
+            <a:pPr lvl="3"/>
+            <a:endParaRPr lang="en-US" dirty="0"/>
+          </a:p>
+          <a:p>
+            <a:pPr lvl="3"/>
             <a:r>
               <a:rPr lang="en-US" dirty="0">
-                <a:hlinkClick r:id="rId3"/>
+                <a:solidFill>
+                  <a:schemeClr val="accent1"/>
+                </a:solidFill>
+                <a:latin typeface="MetricHPE" pitchFamily="2" charset="77"/>
               </a:rPr>
-              <a:t>https://github.com/jeremiah-corrado/chpl_dwt_example</a:t>
+              <a:t>// apply a 3-level DWT to a simple signal</a:t>
             </a:r>
             <a:endParaRPr lang="en-US" dirty="0"/>
           </a:p>
           <a:p>
-            <a:pPr lvl="1"/>
+            <a:pPr lvl="3"/>
+            <a:r>
+              <a:rPr lang="en-US" b="1" dirty="0"/>
+              <a:t>var</a:t>
+            </a:r>
             <a:r>
               <a:rPr lang="en-US" dirty="0"/>
-              <a:t>Compile with: </a:t>
-            </a:r>
-            <a:r>
-              <a:rPr lang="en-US" i="1" dirty="0"/>
-              <a:t>'</a:t>
-            </a:r>
-            <a:r>
-              <a:rPr lang="en-US" i="1" dirty="0" err="1"/>
-              <a:t>chpl</a:t>
-            </a:r>
-            <a:r>
-              <a:rPr lang="en-US" i="1" dirty="0"/>
+              <a:t> signal = [</a:t>
+            </a:r>
+            <a:r>
+              <a:rPr lang="en-US" dirty="0" err="1"/>
+              <a:t>i</a:t>
+            </a:r>
+            <a:r>
+              <a:rPr lang="en-US" dirty="0"/>
               <a:t> </a:t>
             </a:r>
             <a:r>
-              <a:rPr lang="en-US" i="1" dirty="0" err="1"/>
-              <a:t>wavelet.chpl</a:t>
-            </a:r>
-            <a:r>
-              <a:rPr lang="en-US" i="1" dirty="0"/>
-              <a:t> --fast</a:t>
+              <a:rPr lang="en-US" b="1" dirty="0"/>
+              <a:t>in</a:t>
             </a:r>
             <a:r>
               <a:rPr lang="en-US" dirty="0"/>
-              <a:t>'</a:t>
-            </a:r>
-          </a:p>
-          <a:p>
-            <a:pPr lvl="1"/>
+              <a:t> {0..&lt;32}] (i-16)**2;</a:t>
+            </a:r>
+          </a:p>
+          <a:p>
+            <a:pPr lvl="3"/>
+            <a:r>
+              <a:rPr lang="en-US" b="1" dirty="0"/>
+              <a:t>var</a:t>
+            </a:r>
             <a:r>
               <a:rPr lang="en-US" dirty="0"/>
-              <a:t>Run with: </a:t>
-            </a:r>
-            <a:r>
-              <a:rPr lang="en-US" i="1" dirty="0"/>
-              <a:t>'./wavelet</a:t>
+              <a:t> </a:t>
+            </a:r>
+            <a:r>
+              <a:rPr lang="en-US" dirty="0" err="1"/>
+              <a:t>wt</a:t>
             </a:r>
             <a:r>
               <a:rPr lang="en-US" dirty="0"/>
-              <a:t>'</a:t>
-            </a:r>
-          </a:p>
-          <a:p>
-            <a:r>
+              <a:t> = haarWavelet1D(signal, 3);</a:t>
+            </a:r>
+          </a:p>
+          <a:p>
+            <a:pPr lvl="3"/>
+            <a:br>
               <a:rPr lang="en-US" dirty="0"/>
-              <a:t>You should see an output like this in the results folder:</a:t>
-            </a:r>
-          </a:p>
-          <a:p>
+            </a:br>
+            <a:r>
+              <a:rPr lang="en-US" b="1" dirty="0" err="1"/>
+              <a:t>writeln</a:t>
+            </a:r>
+            <a:r>
+              <a:rPr lang="en-US" dirty="0"/>
+              <a:t>(signal);</a:t>
+            </a:r>
+          </a:p>
+          <a:p>
+            <a:pPr lvl="3"/>
+            <a:r>
+              <a:rPr lang="en-US" b="1" dirty="0" err="1"/>
+              <a:t>writeln</a:t>
+            </a:r>
+            <a:r>
+              <a:rPr lang="en-US" dirty="0"/>
+              <a:t>(</a:t>
+            </a:r>
+            <a:r>
+              <a:rPr lang="en-US" dirty="0" err="1"/>
+              <a:t>wt</a:t>
+            </a:r>
+            <a:r>
+              <a:rPr lang="en-US" dirty="0"/>
+              <a:t>);</a:t>
+            </a:r>
+          </a:p>
+          <a:p>
+            <a:pPr lvl="3"/>
             <a:endParaRPr lang="en-US" dirty="0"/>
           </a:p>
           <a:p>
+            <a:pPr lvl="3"/>
             <a:endParaRPr lang="en-US" dirty="0"/>
           </a:p>
           <a:p>
-            <a:endParaRPr lang="en-US" dirty="0"/>
-          </a:p>
-          <a:p>
-            <a:endParaRPr lang="en-US" dirty="0"/>
-          </a:p>
-          <a:p>
-            <a:endParaRPr lang="en-US" dirty="0"/>
-          </a:p>
-          <a:p>
-            <a:endParaRPr lang="en-US" dirty="0"/>
-          </a:p>
-          <a:p>
-            <a:endParaRPr lang="en-US" dirty="0"/>
-          </a:p>
-          <a:p>
-            <a:endParaRPr lang="en-US" dirty="0"/>
-          </a:p>
-          <a:p>
-            <a:r>
-              <a:rPr lang="en-US" dirty="0"/>
-              <a:t>Run again with: </a:t>
-            </a:r>
-            <a:r>
-              <a:rPr lang="en-US" i="1" dirty="0"/>
-              <a:t>'./wavelet -–</a:t>
-            </a:r>
-            <a:r>
-              <a:rPr lang="en-US" i="1" dirty="0" err="1"/>
-              <a:t>nLevels</a:t>
-            </a:r>
-            <a:r>
-              <a:rPr lang="en-US" i="1" dirty="0"/>
-              <a:t>=5</a:t>
-            </a:r>
-            <a:r>
-              <a:rPr lang="en-US" dirty="0"/>
-              <a:t>' to see different results</a:t>
-            </a:r>
-          </a:p>
-          <a:p>
-            <a:pPr marL="0" indent="0">
+            <a:pPr marL="228600" lvl="1" indent="0">
               <a:buNone/>
             </a:pPr>
             <a:endParaRPr lang="en-US" dirty="0"/>
@@ -26743,7 +28954,7 @@
           <p:cNvPr id="4" name="Slide Number Placeholder 3">
             <a:extLst>
               <a:ext uri="{FF2B5EF4-FFF2-40B4-BE49-F238E27FC236}">
-                <a16:creationId xmlns:a16="http://schemas.microsoft.com/office/drawing/2014/main" id="{A4347D42-6115-E85A-E2DF-584BC80C59C3}"/>
+                <a16:creationId xmlns:a16="http://schemas.microsoft.com/office/drawing/2014/main" id="{5C769D27-6D90-BB4B-81F4-5D24D8966175}"/>
               </a:ext>
             </a:extLst>
           </p:cNvPr>
@@ -26762,7 +28973,7 @@
             <a:pPr defTabSz="1088421">
               <a:buFontTx/>
               <a:buBlip>
-                <a:blip r:embed="rId4"/>
+                <a:blip r:embed="rId3"/>
               </a:buBlip>
             </a:pPr>
             <a:fld id="{104FC826-72BB-4AF1-BA01-A94F7396A7DC}" type="slidenum">
@@ -26770,7 +28981,7 @@
               <a:pPr defTabSz="1088421">
                 <a:buFontTx/>
                 <a:buBlip>
-                  <a:blip r:embed="rId4"/>
+                  <a:blip r:embed="rId3"/>
                 </a:buBlip>
               </a:pPr>
               <a:t>7</a:t>
@@ -26784,7 +28995,7 @@
           <p:cNvPr id="5" name="Title 4">
             <a:extLst>
               <a:ext uri="{FF2B5EF4-FFF2-40B4-BE49-F238E27FC236}">
-                <a16:creationId xmlns:a16="http://schemas.microsoft.com/office/drawing/2014/main" id="{DD840852-063D-C8DF-3C16-5B478EEB7BC6}"/>
+                <a16:creationId xmlns:a16="http://schemas.microsoft.com/office/drawing/2014/main" id="{23081C05-18A9-5E49-9AC3-CE63E7FC2E8B}"/>
               </a:ext>
             </a:extLst>
           </p:cNvPr>
@@ -26802,50 +29013,1117 @@
           <a:p>
             <a:r>
               <a:rPr lang="en-US" dirty="0"/>
-              <a:t>ECG Example</a:t>
+              <a:t>Wavelet Transform</a:t>
             </a:r>
           </a:p>
         </p:txBody>
       </p:sp>
-      <p:pic>
-        <p:nvPicPr>
-          <p:cNvPr id="8" name="Picture 7">
+    </p:spTree>
+    <p:extLst>
+      <p:ext uri="{BB962C8B-B14F-4D97-AF65-F5344CB8AC3E}">
+        <p14:creationId xmlns:p14="http://schemas.microsoft.com/office/powerpoint/2010/main" val="535170315"/>
+      </p:ext>
+    </p:extLst>
+  </p:cSld>
+  <p:clrMapOvr>
+    <a:masterClrMapping/>
+  </p:clrMapOvr>
+</p:sld>
+</file>
+
+<file path=ppt/slides/slide8.xml><?xml version="1.0" encoding="utf-8"?>
+<p:sld xmlns:a="http://schemas.openxmlformats.org/drawingml/2006/main" xmlns:r="http://schemas.openxmlformats.org/officeDocument/2006/relationships" xmlns:p="http://schemas.openxmlformats.org/presentationml/2006/main">
+  <p:cSld>
+    <p:spTree>
+      <p:nvGrpSpPr>
+        <p:cNvPr id="1" name=""/>
+        <p:cNvGrpSpPr/>
+        <p:nvPr/>
+      </p:nvGrpSpPr>
+      <p:grpSpPr>
+        <a:xfrm>
+          <a:off x="0" y="0"/>
+          <a:ext cx="0" cy="0"/>
+          <a:chOff x="0" y="0"/>
+          <a:chExt cx="0" cy="0"/>
+        </a:xfrm>
+      </p:grpSpPr>
+      <p:sp>
+        <p:nvSpPr>
+          <p:cNvPr id="4" name="Slide Number Placeholder 3">
             <a:extLst>
               <a:ext uri="{FF2B5EF4-FFF2-40B4-BE49-F238E27FC236}">
-                <a16:creationId xmlns:a16="http://schemas.microsoft.com/office/drawing/2014/main" id="{6DD68139-68ED-0876-0914-321E407C7D2C}"/>
+                <a16:creationId xmlns:a16="http://schemas.microsoft.com/office/drawing/2014/main" id="{5D7060AC-2D9B-5999-686C-0CCBA35E53B4}"/>
               </a:ext>
             </a:extLst>
           </p:cNvPr>
-          <p:cNvPicPr>
-            <a:picLocks noChangeAspect="1"/>
-          </p:cNvPicPr>
+          <p:cNvSpPr>
+            <a:spLocks noGrp="1"/>
+          </p:cNvSpPr>
+          <p:nvPr>
+            <p:ph type="sldNum" sz="quarter" idx="19"/>
+          </p:nvPr>
+        </p:nvSpPr>
+        <p:spPr/>
+        <p:txBody>
+          <a:bodyPr/>
+          <a:lstStyle/>
+          <a:p>
+            <a:pPr defTabSz="1088421">
+              <a:buFontTx/>
+              <a:buBlip>
+                <a:blip r:embed="rId3"/>
+              </a:buBlip>
+            </a:pPr>
+            <a:fld id="{104FC826-72BB-4AF1-BA01-A94F7396A7DC}" type="slidenum">
+              <a:rPr lang="en-US" smtClean="0"/>
+              <a:pPr defTabSz="1088421">
+                <a:buFontTx/>
+                <a:buBlip>
+                  <a:blip r:embed="rId3"/>
+                </a:buBlip>
+              </a:pPr>
+              <a:t>8</a:t>
+            </a:fld>
+            <a:endParaRPr lang="en-US" dirty="0"/>
+          </a:p>
+        </p:txBody>
+      </p:sp>
+      <p:sp>
+        <p:nvSpPr>
+          <p:cNvPr id="5" name="Title 4">
+            <a:extLst>
+              <a:ext uri="{FF2B5EF4-FFF2-40B4-BE49-F238E27FC236}">
+                <a16:creationId xmlns:a16="http://schemas.microsoft.com/office/drawing/2014/main" id="{4FC72A87-6C6E-F763-6D08-A590437A8E40}"/>
+              </a:ext>
+            </a:extLst>
+          </p:cNvPr>
+          <p:cNvSpPr>
+            <a:spLocks noGrp="1"/>
+          </p:cNvSpPr>
+          <p:nvPr>
+            <p:ph type="title"/>
+          </p:nvPr>
+        </p:nvSpPr>
+        <p:spPr/>
+        <p:txBody>
+          <a:bodyPr/>
+          <a:lstStyle/>
+          <a:p>
+            <a:r>
+              <a:rPr lang="en-US" dirty="0"/>
+              <a:t>Chapel Implementation of 1d dwt With Type annotations</a:t>
+            </a:r>
+          </a:p>
+        </p:txBody>
+      </p:sp>
+      <p:sp>
+        <p:nvSpPr>
+          <p:cNvPr id="6" name="Text Placeholder 2">
+            <a:extLst>
+              <a:ext uri="{FF2B5EF4-FFF2-40B4-BE49-F238E27FC236}">
+                <a16:creationId xmlns:a16="http://schemas.microsoft.com/office/drawing/2014/main" id="{1118F525-DEAF-0953-4243-E592CE955E46}"/>
+              </a:ext>
+            </a:extLst>
+          </p:cNvPr>
+          <p:cNvSpPr txBox="1">
+            <a:spLocks/>
+          </p:cNvSpPr>
           <p:nvPr/>
-        </p:nvPicPr>
-        <p:blipFill>
-          <a:blip r:embed="rId5"/>
-          <a:stretch>
-            <a:fillRect/>
-          </a:stretch>
-        </p:blipFill>
+        </p:nvSpPr>
         <p:spPr>
           <a:xfrm>
-            <a:off x="838200" y="2819400"/>
-            <a:ext cx="3424727" cy="2568545"/>
+            <a:off x="1" y="1274159"/>
+            <a:ext cx="9829800" cy="4309682"/>
           </a:xfrm>
           <a:prstGeom prst="rect">
             <a:avLst/>
           </a:prstGeom>
-          <a:ln>
-            <a:solidFill>
-              <a:schemeClr val="accent1"/>
-            </a:solidFill>
+          <a:ln w="57150">
+            <a:noFill/>
+            <a:miter lim="800000"/>
           </a:ln>
         </p:spPr>
-      </p:pic>
+        <p:txBody>
+          <a:bodyPr vert="horz" lIns="91440" tIns="91440" rIns="91440" bIns="91440" rtlCol="0">
+            <a:noAutofit/>
+          </a:bodyPr>
+          <a:lstStyle>
+            <a:lvl1pPr marL="182880" indent="-182880" algn="l" defTabSz="914400" rtl="0" eaLnBrk="1" latinLnBrk="0" hangingPunct="1">
+              <a:lnSpc>
+                <a:spcPct val="90000"/>
+              </a:lnSpc>
+              <a:spcBef>
+                <a:spcPts val="400"/>
+              </a:spcBef>
+              <a:buClrTx/>
+              <a:buFont typeface="" panose="020B0303030202060203" pitchFamily="34" charset="0"/>
+              <a:buChar char="•"/>
+              <a:defRPr sz="2200" kern="1200">
+                <a:solidFill>
+                  <a:schemeClr val="tx1"/>
+                </a:solidFill>
+                <a:latin typeface="MetricHPE" panose="020B0503030202060203" pitchFamily="34" charset="0"/>
+                <a:ea typeface="+mn-ea"/>
+                <a:cs typeface="+mn-cs"/>
+              </a:defRPr>
+            </a:lvl1pPr>
+            <a:lvl2pPr marL="411480" indent="-182880" algn="l" defTabSz="914400" rtl="0" eaLnBrk="1" latinLnBrk="0" hangingPunct="1">
+              <a:lnSpc>
+                <a:spcPct val="90000"/>
+              </a:lnSpc>
+              <a:spcBef>
+                <a:spcPts val="400"/>
+              </a:spcBef>
+              <a:buClrTx/>
+              <a:buSzPct val="90000"/>
+              <a:buFont typeface="" panose="020B0303030202060203" pitchFamily="34" charset="0"/>
+              <a:buChar char="•"/>
+              <a:defRPr sz="2000" kern="1200">
+                <a:solidFill>
+                  <a:schemeClr val="tx1"/>
+                </a:solidFill>
+                <a:latin typeface="MetricHPE" panose="020B0503030202060203" pitchFamily="34" charset="0"/>
+                <a:ea typeface="+mn-ea"/>
+                <a:cs typeface="+mn-cs"/>
+              </a:defRPr>
+            </a:lvl2pPr>
+            <a:lvl3pPr marL="548640" indent="-137160" algn="l" defTabSz="914400" rtl="0" eaLnBrk="1" latinLnBrk="0" hangingPunct="1">
+              <a:lnSpc>
+                <a:spcPct val="90000"/>
+              </a:lnSpc>
+              <a:spcBef>
+                <a:spcPts val="400"/>
+              </a:spcBef>
+              <a:buClrTx/>
+              <a:buFont typeface="" panose="020B0303030202060203" pitchFamily="34" charset="0"/>
+              <a:buChar char="–"/>
+              <a:defRPr sz="1800" kern="1200">
+                <a:solidFill>
+                  <a:schemeClr val="tx1"/>
+                </a:solidFill>
+                <a:latin typeface="MetricHPE" panose="020B0503030202060203" pitchFamily="34" charset="0"/>
+                <a:ea typeface="+mn-ea"/>
+                <a:cs typeface="+mn-cs"/>
+              </a:defRPr>
+            </a:lvl3pPr>
+            <a:lvl4pPr marL="594360" indent="0" algn="l" defTabSz="914400" rtl="0" eaLnBrk="1" latinLnBrk="0" hangingPunct="1">
+              <a:lnSpc>
+                <a:spcPct val="90000"/>
+              </a:lnSpc>
+              <a:spcBef>
+                <a:spcPts val="400"/>
+              </a:spcBef>
+              <a:buClrTx/>
+              <a:buFont typeface="" panose="020B0303030202060203" pitchFamily="34" charset="0"/>
+              <a:buNone/>
+              <a:defRPr sz="1600" kern="1200">
+                <a:solidFill>
+                  <a:schemeClr val="tx1"/>
+                </a:solidFill>
+                <a:latin typeface="Courier New" panose="02070309020205020404" pitchFamily="49" charset="0"/>
+                <a:ea typeface="+mn-ea"/>
+                <a:cs typeface="Courier New" panose="02070309020205020404" pitchFamily="49" charset="0"/>
+              </a:defRPr>
+            </a:lvl4pPr>
+            <a:lvl5pPr marL="739775" indent="-147638" algn="l" defTabSz="914400" rtl="0" eaLnBrk="1" latinLnBrk="0" hangingPunct="1">
+              <a:lnSpc>
+                <a:spcPct val="90000"/>
+              </a:lnSpc>
+              <a:spcBef>
+                <a:spcPts val="400"/>
+              </a:spcBef>
+              <a:buClrTx/>
+              <a:buFont typeface="" panose="020B0303030202060203" pitchFamily="34" charset="0"/>
+              <a:buChar char="–"/>
+              <a:tabLst/>
+              <a:defRPr sz="1600" kern="1200">
+                <a:solidFill>
+                  <a:schemeClr val="tx1"/>
+                </a:solidFill>
+                <a:latin typeface="MetricHPE" panose="020B0503030202060203" pitchFamily="34" charset="0"/>
+                <a:ea typeface="+mn-ea"/>
+                <a:cs typeface="+mn-cs"/>
+              </a:defRPr>
+            </a:lvl5pPr>
+            <a:lvl6pPr marL="1051560" indent="-137160" algn="l" defTabSz="914400" rtl="0" eaLnBrk="1" latinLnBrk="0" hangingPunct="1">
+              <a:lnSpc>
+                <a:spcPct val="90000"/>
+              </a:lnSpc>
+              <a:spcBef>
+                <a:spcPts val="600"/>
+              </a:spcBef>
+              <a:buClrTx/>
+              <a:buFont typeface="" panose="020B0303030202060203" pitchFamily="34" charset="0"/>
+              <a:buChar char="–"/>
+              <a:defRPr sz="1200" kern="1200">
+                <a:solidFill>
+                  <a:schemeClr val="tx1"/>
+                </a:solidFill>
+                <a:latin typeface="+mn-lt"/>
+                <a:ea typeface="+mn-ea"/>
+                <a:cs typeface="+mn-cs"/>
+              </a:defRPr>
+            </a:lvl6pPr>
+            <a:lvl7pPr marL="1188720" indent="-137160" algn="l" defTabSz="914400" rtl="0" eaLnBrk="1" latinLnBrk="0" hangingPunct="1">
+              <a:lnSpc>
+                <a:spcPct val="90000"/>
+              </a:lnSpc>
+              <a:spcBef>
+                <a:spcPts val="600"/>
+              </a:spcBef>
+              <a:buClrTx/>
+              <a:buFont typeface="" panose="020B0303030202060203" pitchFamily="34" charset="0"/>
+              <a:buChar char="–"/>
+              <a:defRPr sz="1200" kern="1200">
+                <a:solidFill>
+                  <a:schemeClr val="tx1"/>
+                </a:solidFill>
+                <a:latin typeface="+mn-lt"/>
+                <a:ea typeface="+mn-ea"/>
+                <a:cs typeface="+mn-cs"/>
+              </a:defRPr>
+            </a:lvl7pPr>
+            <a:lvl8pPr marL="1371600" indent="-137160" algn="l" defTabSz="914400" rtl="0" eaLnBrk="1" latinLnBrk="0" hangingPunct="1">
+              <a:lnSpc>
+                <a:spcPct val="90000"/>
+              </a:lnSpc>
+              <a:spcBef>
+                <a:spcPts val="600"/>
+              </a:spcBef>
+              <a:buClrTx/>
+              <a:buFont typeface="" panose="020B0303030202060203" pitchFamily="34" charset="0"/>
+              <a:buChar char="–"/>
+              <a:defRPr sz="1200" kern="1200">
+                <a:solidFill>
+                  <a:schemeClr val="tx1"/>
+                </a:solidFill>
+                <a:latin typeface="+mn-lt"/>
+                <a:ea typeface="+mn-ea"/>
+                <a:cs typeface="+mn-cs"/>
+              </a:defRPr>
+            </a:lvl8pPr>
+            <a:lvl9pPr marL="1554480" indent="-137160" algn="l" defTabSz="914400" rtl="0" eaLnBrk="1" latinLnBrk="0" hangingPunct="1">
+              <a:lnSpc>
+                <a:spcPct val="90000"/>
+              </a:lnSpc>
+              <a:spcBef>
+                <a:spcPts val="600"/>
+              </a:spcBef>
+              <a:buClrTx/>
+              <a:buFont typeface="" panose="020B0303030202060203" pitchFamily="34" charset="0"/>
+              <a:buChar char="–"/>
+              <a:defRPr sz="1200" kern="1200">
+                <a:solidFill>
+                  <a:schemeClr val="tx1"/>
+                </a:solidFill>
+                <a:latin typeface="+mn-lt"/>
+                <a:ea typeface="+mn-ea"/>
+                <a:cs typeface="+mn-cs"/>
+              </a:defRPr>
+            </a:lvl9pPr>
+          </a:lstStyle>
+          <a:p>
+            <a:pPr lvl="3"/>
+            <a:r>
+              <a:rPr lang="en-US" dirty="0">
+                <a:solidFill>
+                  <a:schemeClr val="accent1"/>
+                </a:solidFill>
+                <a:latin typeface="MetricHPE" pitchFamily="2" charset="77"/>
+              </a:rPr>
+              <a:t>// compute an n-level DWT of x</a:t>
+            </a:r>
+          </a:p>
+          <a:p>
+            <a:pPr lvl="3"/>
+            <a:r>
+              <a:rPr lang="en-US" b="1" dirty="0"/>
+              <a:t>proc</a:t>
+            </a:r>
+            <a:r>
+              <a:rPr lang="en-US" dirty="0"/>
+              <a:t> haarWavelet1D(x: [?d] ?t, n): [d] t</a:t>
+            </a:r>
+          </a:p>
+          <a:p>
+            <a:pPr lvl="3"/>
+            <a:endParaRPr lang="en-US" dirty="0"/>
+          </a:p>
+          <a:p>
+            <a:pPr lvl="3"/>
+            <a:r>
+              <a:rPr lang="en-US" dirty="0">
+                <a:solidFill>
+                  <a:schemeClr val="accent1"/>
+                </a:solidFill>
+                <a:latin typeface="MetricHPE" pitchFamily="2" charset="77"/>
+              </a:rPr>
+              <a:t>// compute one step of the wavelet computation on the input signal (stores results in the 'output' array)</a:t>
+            </a:r>
+          </a:p>
+          <a:p>
+            <a:pPr lvl="3"/>
+            <a:r>
+              <a:rPr lang="en-US" dirty="0">
+                <a:solidFill>
+                  <a:schemeClr val="accent1"/>
+                </a:solidFill>
+                <a:latin typeface="MetricHPE" pitchFamily="2" charset="77"/>
+              </a:rPr>
+              <a:t>// this procedure relies on the following three procedures to complete each step</a:t>
+            </a:r>
+          </a:p>
+          <a:p>
+            <a:pPr lvl="3"/>
+            <a:r>
+              <a:rPr lang="en-US" b="1" dirty="0"/>
+              <a:t>proc</a:t>
+            </a:r>
+            <a:r>
+              <a:rPr lang="en-US" dirty="0"/>
+              <a:t> </a:t>
+            </a:r>
+            <a:r>
+              <a:rPr lang="en-US" dirty="0" err="1"/>
+              <a:t>hwRec</a:t>
+            </a:r>
+            <a:r>
+              <a:rPr lang="en-US" dirty="0"/>
+              <a:t>(</a:t>
+            </a:r>
+            <a:r>
+              <a:rPr lang="en-US" b="1" dirty="0"/>
+              <a:t>const</a:t>
+            </a:r>
+            <a:r>
+              <a:rPr lang="en-US" dirty="0"/>
+              <a:t> </a:t>
+            </a:r>
+            <a:r>
+              <a:rPr lang="en-US" dirty="0" err="1"/>
+              <a:t>signal,</a:t>
+            </a:r>
+            <a:r>
+              <a:rPr lang="en-US" b="1" dirty="0" err="1"/>
+              <a:t>ref</a:t>
+            </a:r>
+            <a:r>
+              <a:rPr lang="en-US" dirty="0"/>
+              <a:t> output, fmax: </a:t>
+            </a:r>
+            <a:r>
+              <a:rPr lang="en-US" b="1" dirty="0"/>
+              <a:t>int</a:t>
+            </a:r>
+            <a:r>
+              <a:rPr lang="en-US" dirty="0"/>
+              <a:t>, </a:t>
+            </a:r>
+            <a:r>
+              <a:rPr lang="en-US" dirty="0" err="1"/>
+              <a:t>fstop</a:t>
+            </a:r>
+            <a:r>
+              <a:rPr lang="en-US" dirty="0"/>
+              <a:t>: </a:t>
+            </a:r>
+            <a:r>
+              <a:rPr lang="en-US" b="1" dirty="0"/>
+              <a:t>int</a:t>
+            </a:r>
+            <a:r>
+              <a:rPr lang="en-US" dirty="0"/>
+              <a:t>){ … }</a:t>
+            </a:r>
+          </a:p>
+          <a:p>
+            <a:pPr lvl="3"/>
+            <a:endParaRPr lang="en-US" dirty="0"/>
+          </a:p>
+          <a:p>
+            <a:pPr lvl="3"/>
+            <a:r>
+              <a:rPr lang="en-US" sz="1600" dirty="0">
+                <a:solidFill>
+                  <a:schemeClr val="accent1"/>
+                </a:solidFill>
+                <a:latin typeface="MetricHPE" pitchFamily="2" charset="77"/>
+              </a:rPr>
+              <a:t>// convolution with the HAAR wavelet high-pass filter</a:t>
+            </a:r>
+          </a:p>
+          <a:p>
+            <a:pPr lvl="3"/>
+            <a:r>
+              <a:rPr lang="en-US" sz="1600" b="1" dirty="0"/>
+              <a:t>proc</a:t>
+            </a:r>
+            <a:r>
+              <a:rPr lang="en-US" sz="1600" dirty="0"/>
+              <a:t> </a:t>
+            </a:r>
+            <a:r>
+              <a:rPr lang="en-US" sz="1600" dirty="0" err="1"/>
+              <a:t>haarHP</a:t>
+            </a:r>
+            <a:r>
+              <a:rPr lang="en-US" sz="1600" dirty="0"/>
+              <a:t>(x: [?d] ?t): [d] t { … }</a:t>
+            </a:r>
+          </a:p>
+          <a:p>
+            <a:pPr lvl="3"/>
+            <a:endParaRPr lang="en-US" dirty="0"/>
+          </a:p>
+          <a:p>
+            <a:pPr lvl="3"/>
+            <a:r>
+              <a:rPr lang="en-US" sz="1600" dirty="0">
+                <a:solidFill>
+                  <a:schemeClr val="accent1"/>
+                </a:solidFill>
+                <a:latin typeface="MetricHPE" pitchFamily="2" charset="77"/>
+              </a:rPr>
+              <a:t>// convolution with the HAAR wavelet low-pass filter</a:t>
+            </a:r>
+          </a:p>
+          <a:p>
+            <a:pPr lvl="3"/>
+            <a:r>
+              <a:rPr lang="en-US" sz="1600" b="1" dirty="0"/>
+              <a:t>proc</a:t>
+            </a:r>
+            <a:r>
+              <a:rPr lang="en-US" sz="1600" dirty="0"/>
+              <a:t> </a:t>
+            </a:r>
+            <a:r>
+              <a:rPr lang="en-US" sz="1600" dirty="0" err="1"/>
+              <a:t>haarLP</a:t>
+            </a:r>
+            <a:r>
+              <a:rPr lang="en-US" sz="1600" dirty="0"/>
+              <a:t>(x: [?d] ?t): [d] t { … }</a:t>
+            </a:r>
+          </a:p>
+          <a:p>
+            <a:pPr lvl="3"/>
+            <a:endParaRPr lang="en-US" dirty="0"/>
+          </a:p>
+          <a:p>
+            <a:pPr lvl="3"/>
+            <a:r>
+              <a:rPr lang="en-US" sz="1600" dirty="0">
+                <a:solidFill>
+                  <a:schemeClr val="accent1"/>
+                </a:solidFill>
+                <a:latin typeface="MetricHPE" pitchFamily="2" charset="77"/>
+              </a:rPr>
+              <a:t>// down-sample by a factor of 2</a:t>
+            </a:r>
+          </a:p>
+          <a:p>
+            <a:pPr lvl="3"/>
+            <a:r>
+              <a:rPr lang="en-US" sz="1600" b="1" dirty="0"/>
+              <a:t>proc</a:t>
+            </a:r>
+            <a:r>
+              <a:rPr lang="en-US" sz="1600" dirty="0"/>
+              <a:t> downSample2(x: [?d] ?t): [d] t { … }</a:t>
+            </a:r>
+          </a:p>
+          <a:p>
+            <a:pPr lvl="3"/>
+            <a:endParaRPr lang="en-US" dirty="0"/>
+          </a:p>
+          <a:p>
+            <a:pPr marL="228600" lvl="1" indent="0">
+              <a:buFont typeface="" panose="020B0303030202060203" pitchFamily="34" charset="0"/>
+              <a:buNone/>
+            </a:pPr>
+            <a:endParaRPr lang="en-US" dirty="0"/>
+          </a:p>
+          <a:p>
+            <a:pPr marL="228600" lvl="1" indent="0">
+              <a:buFont typeface="" panose="020B0303030202060203" pitchFamily="34" charset="0"/>
+              <a:buNone/>
+            </a:pPr>
+            <a:endParaRPr lang="en-US" dirty="0"/>
+          </a:p>
+        </p:txBody>
+      </p:sp>
+      <p:sp>
+        <p:nvSpPr>
+          <p:cNvPr id="36" name="TextBox 35">
+            <a:extLst>
+              <a:ext uri="{FF2B5EF4-FFF2-40B4-BE49-F238E27FC236}">
+                <a16:creationId xmlns:a16="http://schemas.microsoft.com/office/drawing/2014/main" id="{E0773BDC-BE0F-0D50-2596-5157D591123F}"/>
+              </a:ext>
+            </a:extLst>
+          </p:cNvPr>
+          <p:cNvSpPr txBox="1"/>
+          <p:nvPr/>
+        </p:nvSpPr>
+        <p:spPr>
+          <a:xfrm>
+            <a:off x="6091646" y="3200400"/>
+            <a:ext cx="5105401" cy="2032351"/>
+          </a:xfrm>
+          <a:prstGeom prst="rect">
+            <a:avLst/>
+          </a:prstGeom>
+          <a:noFill/>
+          <a:ln w="57150">
+            <a:noFill/>
+            <a:miter lim="800000"/>
+          </a:ln>
+        </p:spPr>
+        <p:txBody>
+          <a:bodyPr wrap="square" lIns="91440" tIns="91440" rIns="91440" bIns="91440" rtlCol="0">
+            <a:spAutoFit/>
+          </a:bodyPr>
+          <a:lstStyle/>
+          <a:p>
+            <a:pPr algn="l">
+              <a:lnSpc>
+                <a:spcPct val="90000"/>
+              </a:lnSpc>
+              <a:spcBef>
+                <a:spcPts val="400"/>
+              </a:spcBef>
+            </a:pPr>
+            <a:r>
+              <a:rPr lang="en-US" dirty="0"/>
+              <a:t>Updated signatures for each of the same procedures using type annotations, type queries and formal intents.</a:t>
+            </a:r>
+          </a:p>
+          <a:p>
+            <a:pPr algn="l">
+              <a:lnSpc>
+                <a:spcPct val="90000"/>
+              </a:lnSpc>
+              <a:spcBef>
+                <a:spcPts val="400"/>
+              </a:spcBef>
+            </a:pPr>
+            <a:endParaRPr lang="en-US" dirty="0"/>
+          </a:p>
+          <a:p>
+            <a:pPr algn="l">
+              <a:lnSpc>
+                <a:spcPct val="90000"/>
+              </a:lnSpc>
+              <a:spcBef>
+                <a:spcPts val="400"/>
+              </a:spcBef>
+            </a:pPr>
+            <a:r>
+              <a:rPr lang="en-US" dirty="0"/>
+              <a:t>The following slides will discuss these in more detail; however, it is important to note that a program written this way will behave the same as the previously defined program without type annotations</a:t>
+            </a:r>
+          </a:p>
+        </p:txBody>
+      </p:sp>
     </p:spTree>
     <p:extLst>
       <p:ext uri="{BB962C8B-B14F-4D97-AF65-F5344CB8AC3E}">
-        <p14:creationId xmlns:p14="http://schemas.microsoft.com/office/powerpoint/2010/main" val="1464078239"/>
+        <p14:creationId xmlns:p14="http://schemas.microsoft.com/office/powerpoint/2010/main" val="517575640"/>
+      </p:ext>
+    </p:extLst>
+  </p:cSld>
+  <p:clrMapOvr>
+    <a:masterClrMapping/>
+  </p:clrMapOvr>
+</p:sld>
+</file>
+
+<file path=ppt/slides/slide9.xml><?xml version="1.0" encoding="utf-8"?>
+<p:sld xmlns:a="http://schemas.openxmlformats.org/drawingml/2006/main" xmlns:r="http://schemas.openxmlformats.org/officeDocument/2006/relationships" xmlns:p="http://schemas.openxmlformats.org/presentationml/2006/main">
+  <p:cSld>
+    <p:spTree>
+      <p:nvGrpSpPr>
+        <p:cNvPr id="1" name=""/>
+        <p:cNvGrpSpPr/>
+        <p:nvPr/>
+      </p:nvGrpSpPr>
+      <p:grpSpPr>
+        <a:xfrm>
+          <a:off x="0" y="0"/>
+          <a:ext cx="0" cy="0"/>
+          <a:chOff x="0" y="0"/>
+          <a:chExt cx="0" cy="0"/>
+        </a:xfrm>
+      </p:grpSpPr>
+      <p:sp>
+        <p:nvSpPr>
+          <p:cNvPr id="2" name="Text Placeholder 1">
+            <a:extLst>
+              <a:ext uri="{FF2B5EF4-FFF2-40B4-BE49-F238E27FC236}">
+                <a16:creationId xmlns:a16="http://schemas.microsoft.com/office/drawing/2014/main" id="{E8A4E8EF-4032-D14A-84E4-E40CE1EC27AC}"/>
+              </a:ext>
+            </a:extLst>
+          </p:cNvPr>
+          <p:cNvSpPr>
+            <a:spLocks noGrp="1"/>
+          </p:cNvSpPr>
+          <p:nvPr>
+            <p:ph type="body" sz="quarter" idx="13"/>
+          </p:nvPr>
+        </p:nvSpPr>
+        <p:spPr/>
+        <p:txBody>
+          <a:bodyPr/>
+          <a:lstStyle/>
+          <a:p>
+            <a:r>
+              <a:rPr lang="en-US" dirty="0"/>
+              <a:t>Implementation – Filter Convolution and Down-sampling</a:t>
+            </a:r>
+          </a:p>
+        </p:txBody>
+      </p:sp>
+      <p:sp>
+        <p:nvSpPr>
+          <p:cNvPr id="3" name="Text Placeholder 2">
+            <a:extLst>
+              <a:ext uri="{FF2B5EF4-FFF2-40B4-BE49-F238E27FC236}">
+                <a16:creationId xmlns:a16="http://schemas.microsoft.com/office/drawing/2014/main" id="{0403268D-B53F-F94D-8F5E-2BC9C380ADA0}"/>
+              </a:ext>
+            </a:extLst>
+          </p:cNvPr>
+          <p:cNvSpPr>
+            <a:spLocks noGrp="1"/>
+          </p:cNvSpPr>
+          <p:nvPr>
+            <p:ph type="body" sz="quarter" idx="17"/>
+          </p:nvPr>
+        </p:nvSpPr>
+        <p:spPr>
+          <a:xfrm>
+            <a:off x="609600" y="1219200"/>
+            <a:ext cx="6705600" cy="5638800"/>
+          </a:xfrm>
+        </p:spPr>
+        <p:txBody>
+          <a:bodyPr>
+            <a:noAutofit/>
+          </a:bodyPr>
+          <a:lstStyle/>
+          <a:p>
+            <a:pPr lvl="3"/>
+            <a:r>
+              <a:rPr lang="en-US" sz="1400" dirty="0">
+                <a:solidFill>
+                  <a:schemeClr val="accent1"/>
+                </a:solidFill>
+                <a:latin typeface="MetricHPE" pitchFamily="2" charset="77"/>
+              </a:rPr>
+              <a:t>// convolution with the HAAR wavelet high-pass filter</a:t>
+            </a:r>
+          </a:p>
+          <a:p>
+            <a:pPr lvl="3"/>
+            <a:r>
+              <a:rPr lang="en-US" sz="1400" b="1" dirty="0"/>
+              <a:t>proc</a:t>
+            </a:r>
+            <a:r>
+              <a:rPr lang="en-US" sz="1400" dirty="0"/>
+              <a:t> </a:t>
+            </a:r>
+            <a:r>
+              <a:rPr lang="en-US" sz="1400" dirty="0" err="1"/>
+              <a:t>haarHP</a:t>
+            </a:r>
+            <a:r>
+              <a:rPr lang="en-US" sz="1400" dirty="0"/>
+              <a:t>(x: [?d] ?t): [d] t {</a:t>
+            </a:r>
+          </a:p>
+          <a:p>
+            <a:pPr lvl="3"/>
+            <a:r>
+              <a:rPr lang="en-US" sz="1400" dirty="0"/>
+              <a:t>	</a:t>
+            </a:r>
+            <a:r>
+              <a:rPr lang="en-US" sz="1400" b="1" dirty="0"/>
+              <a:t>var</a:t>
+            </a:r>
+            <a:r>
+              <a:rPr lang="en-US" sz="1400" dirty="0"/>
+              <a:t> y : [d] t = x;</a:t>
+            </a:r>
+          </a:p>
+          <a:p>
+            <a:pPr lvl="3"/>
+            <a:r>
+              <a:rPr lang="en-US" sz="1400" dirty="0"/>
+              <a:t>	</a:t>
+            </a:r>
+            <a:r>
+              <a:rPr lang="en-US" sz="1400" b="1" dirty="0" err="1"/>
+              <a:t>forall</a:t>
+            </a:r>
+            <a:r>
+              <a:rPr lang="en-US" sz="1400" dirty="0"/>
+              <a:t> </a:t>
+            </a:r>
+            <a:r>
+              <a:rPr lang="en-US" sz="1400" dirty="0" err="1"/>
+              <a:t>i</a:t>
+            </a:r>
+            <a:r>
+              <a:rPr lang="en-US" sz="1400" dirty="0"/>
+              <a:t> </a:t>
+            </a:r>
+            <a:r>
+              <a:rPr lang="en-US" sz="1400" b="1" dirty="0"/>
+              <a:t>in</a:t>
+            </a:r>
+            <a:r>
+              <a:rPr lang="en-US" sz="1400" dirty="0"/>
+              <a:t> d#d.size-1 </a:t>
+            </a:r>
+            <a:r>
+              <a:rPr lang="en-US" sz="1400" b="1" dirty="0"/>
+              <a:t>do</a:t>
+            </a:r>
+            <a:r>
+              <a:rPr lang="en-US" sz="1400" dirty="0"/>
+              <a:t> y[</a:t>
+            </a:r>
+            <a:r>
+              <a:rPr lang="en-US" sz="1400" dirty="0" err="1"/>
+              <a:t>i</a:t>
+            </a:r>
+            <a:r>
+              <a:rPr lang="en-US" sz="1400" dirty="0"/>
+              <a:t>] -= x[i+1];</a:t>
+            </a:r>
+          </a:p>
+          <a:p>
+            <a:pPr lvl="3"/>
+            <a:r>
+              <a:rPr lang="en-US" sz="1400" dirty="0"/>
+              <a:t>	</a:t>
+            </a:r>
+            <a:r>
+              <a:rPr lang="en-US" sz="1400" b="1" dirty="0"/>
+              <a:t>return</a:t>
+            </a:r>
+            <a:r>
+              <a:rPr lang="en-US" sz="1400" dirty="0"/>
+              <a:t> y;</a:t>
+            </a:r>
+          </a:p>
+          <a:p>
+            <a:pPr lvl="3"/>
+            <a:r>
+              <a:rPr lang="en-US" sz="1400" dirty="0"/>
+              <a:t>}</a:t>
+            </a:r>
+          </a:p>
+          <a:p>
+            <a:pPr lvl="3"/>
+            <a:br>
+              <a:rPr lang="en-US" sz="1400" dirty="0"/>
+            </a:br>
+            <a:r>
+              <a:rPr lang="en-US" sz="1400" dirty="0">
+                <a:solidFill>
+                  <a:schemeClr val="accent1"/>
+                </a:solidFill>
+                <a:latin typeface="MetricHPE" pitchFamily="2" charset="77"/>
+              </a:rPr>
+              <a:t>// convolution with the HAAR wavelet low-pass filter</a:t>
+            </a:r>
+          </a:p>
+          <a:p>
+            <a:pPr lvl="3"/>
+            <a:r>
+              <a:rPr lang="en-US" sz="1400" b="1" dirty="0"/>
+              <a:t>proc</a:t>
+            </a:r>
+            <a:r>
+              <a:rPr lang="en-US" sz="1400" dirty="0"/>
+              <a:t> </a:t>
+            </a:r>
+            <a:r>
+              <a:rPr lang="en-US" sz="1400" dirty="0" err="1"/>
+              <a:t>haarLP</a:t>
+            </a:r>
+            <a:r>
+              <a:rPr lang="en-US" sz="1400" dirty="0"/>
+              <a:t>(x: [?d] ?t): [d] t {</a:t>
+            </a:r>
+          </a:p>
+          <a:p>
+            <a:pPr lvl="3"/>
+            <a:r>
+              <a:rPr lang="en-US" sz="1400" dirty="0"/>
+              <a:t>	</a:t>
+            </a:r>
+            <a:r>
+              <a:rPr lang="en-US" sz="1400" b="1" dirty="0"/>
+              <a:t>var</a:t>
+            </a:r>
+            <a:r>
+              <a:rPr lang="en-US" sz="1400" dirty="0"/>
+              <a:t> y : [d] t = x;</a:t>
+            </a:r>
+          </a:p>
+          <a:p>
+            <a:pPr lvl="3"/>
+            <a:r>
+              <a:rPr lang="en-US" sz="1400" dirty="0"/>
+              <a:t>	</a:t>
+            </a:r>
+            <a:r>
+              <a:rPr lang="en-US" sz="1400" b="1" dirty="0" err="1"/>
+              <a:t>forall</a:t>
+            </a:r>
+            <a:r>
+              <a:rPr lang="en-US" sz="1400" dirty="0"/>
+              <a:t> </a:t>
+            </a:r>
+            <a:r>
+              <a:rPr lang="en-US" sz="1400" dirty="0" err="1"/>
+              <a:t>i</a:t>
+            </a:r>
+            <a:r>
+              <a:rPr lang="en-US" sz="1400" dirty="0"/>
+              <a:t> </a:t>
+            </a:r>
+            <a:r>
+              <a:rPr lang="en-US" sz="1400" b="1" dirty="0"/>
+              <a:t>in</a:t>
+            </a:r>
+            <a:r>
+              <a:rPr lang="en-US" sz="1400" dirty="0"/>
+              <a:t> d#d.size-1 </a:t>
+            </a:r>
+            <a:r>
+              <a:rPr lang="en-US" sz="1400" b="1" dirty="0"/>
+              <a:t>do</a:t>
+            </a:r>
+            <a:r>
+              <a:rPr lang="en-US" sz="1400" dirty="0"/>
+              <a:t> y[</a:t>
+            </a:r>
+            <a:r>
+              <a:rPr lang="en-US" sz="1400" dirty="0" err="1"/>
+              <a:t>i</a:t>
+            </a:r>
+            <a:r>
+              <a:rPr lang="en-US" sz="1400" dirty="0"/>
+              <a:t>] += x[i+1];</a:t>
+            </a:r>
+          </a:p>
+          <a:p>
+            <a:pPr lvl="3"/>
+            <a:r>
+              <a:rPr lang="en-US" sz="1400" dirty="0"/>
+              <a:t>	</a:t>
+            </a:r>
+            <a:r>
+              <a:rPr lang="en-US" sz="1400" b="1" dirty="0"/>
+              <a:t>return</a:t>
+            </a:r>
+            <a:r>
+              <a:rPr lang="en-US" sz="1400" dirty="0"/>
+              <a:t> y;</a:t>
+            </a:r>
+          </a:p>
+          <a:p>
+            <a:pPr lvl="3"/>
+            <a:r>
+              <a:rPr lang="en-US" sz="1400" dirty="0"/>
+              <a:t>}</a:t>
+            </a:r>
+          </a:p>
+          <a:p>
+            <a:pPr lvl="3"/>
+            <a:endParaRPr lang="en-US" sz="1400" dirty="0"/>
+          </a:p>
+          <a:p>
+            <a:pPr lvl="3"/>
+            <a:r>
+              <a:rPr lang="en-US" sz="1400" dirty="0">
+                <a:solidFill>
+                  <a:schemeClr val="accent1"/>
+                </a:solidFill>
+                <a:latin typeface="MetricHPE" pitchFamily="2" charset="77"/>
+              </a:rPr>
+              <a:t>// down-sample by a factor of 2</a:t>
+            </a:r>
+          </a:p>
+          <a:p>
+            <a:pPr lvl="3"/>
+            <a:r>
+              <a:rPr lang="en-US" sz="1400" b="1" dirty="0"/>
+              <a:t>proc</a:t>
+            </a:r>
+            <a:r>
+              <a:rPr lang="en-US" sz="1400" dirty="0"/>
+              <a:t> downSample2(x: [?d] ?t) {</a:t>
+            </a:r>
+          </a:p>
+          <a:p>
+            <a:pPr lvl="3"/>
+            <a:r>
+              <a:rPr lang="en-US" sz="1400" dirty="0"/>
+              <a:t>	</a:t>
+            </a:r>
+            <a:r>
+              <a:rPr lang="en-US" sz="1400" b="1" dirty="0"/>
+              <a:t>var</a:t>
+            </a:r>
+            <a:r>
+              <a:rPr lang="en-US" sz="1400" dirty="0"/>
+              <a:t> y : [{</a:t>
+            </a:r>
+            <a:r>
+              <a:rPr lang="en-US" sz="1400" dirty="0" err="1"/>
+              <a:t>d.first</a:t>
+            </a:r>
+            <a:r>
+              <a:rPr lang="en-US" sz="1400" dirty="0"/>
+              <a:t>..(</a:t>
+            </a:r>
+            <a:r>
+              <a:rPr lang="en-US" sz="1400" dirty="0" err="1"/>
+              <a:t>d.last</a:t>
+            </a:r>
+            <a:r>
+              <a:rPr lang="en-US" sz="1400" dirty="0"/>
+              <a:t>/2)}] t;</a:t>
+            </a:r>
+          </a:p>
+          <a:p>
+            <a:pPr lvl="3"/>
+            <a:r>
+              <a:rPr lang="en-US" sz="1400" dirty="0"/>
+              <a:t>	y = x[d </a:t>
+            </a:r>
+            <a:r>
+              <a:rPr lang="en-US" sz="1400" b="1" dirty="0"/>
+              <a:t>by</a:t>
+            </a:r>
+            <a:r>
+              <a:rPr lang="en-US" sz="1400" dirty="0"/>
+              <a:t> 2];</a:t>
+            </a:r>
+          </a:p>
+          <a:p>
+            <a:pPr lvl="3"/>
+            <a:r>
+              <a:rPr lang="en-US" sz="1400" dirty="0"/>
+              <a:t>	</a:t>
+            </a:r>
+            <a:r>
+              <a:rPr lang="en-US" sz="1400" b="1" dirty="0"/>
+              <a:t>return</a:t>
+            </a:r>
+            <a:r>
+              <a:rPr lang="en-US" sz="1400" dirty="0"/>
+              <a:t> y;</a:t>
+            </a:r>
+          </a:p>
+          <a:p>
+            <a:pPr lvl="3"/>
+            <a:r>
+              <a:rPr lang="en-US" sz="1400" dirty="0"/>
+              <a:t>}</a:t>
+            </a:r>
+          </a:p>
+          <a:p>
+            <a:pPr lvl="3"/>
+            <a:endParaRPr lang="en-US" dirty="0"/>
+          </a:p>
+          <a:p>
+            <a:pPr marL="228600" lvl="1" indent="0">
+              <a:buNone/>
+            </a:pPr>
+            <a:endParaRPr lang="en-US" dirty="0"/>
+          </a:p>
+        </p:txBody>
+      </p:sp>
+      <p:sp>
+        <p:nvSpPr>
+          <p:cNvPr id="4" name="Slide Number Placeholder 3">
+            <a:extLst>
+              <a:ext uri="{FF2B5EF4-FFF2-40B4-BE49-F238E27FC236}">
+                <a16:creationId xmlns:a16="http://schemas.microsoft.com/office/drawing/2014/main" id="{5C769D27-6D90-BB4B-81F4-5D24D8966175}"/>
+              </a:ext>
+            </a:extLst>
+          </p:cNvPr>
+          <p:cNvSpPr>
+            <a:spLocks noGrp="1"/>
+          </p:cNvSpPr>
+          <p:nvPr>
+            <p:ph type="sldNum" sz="quarter" idx="19"/>
+          </p:nvPr>
+        </p:nvSpPr>
+        <p:spPr/>
+        <p:txBody>
+          <a:bodyPr/>
+          <a:lstStyle/>
+          <a:p>
+            <a:pPr defTabSz="1088421">
+              <a:buFontTx/>
+              <a:buBlip>
+                <a:blip r:embed="rId3"/>
+              </a:buBlip>
+            </a:pPr>
+            <a:fld id="{104FC826-72BB-4AF1-BA01-A94F7396A7DC}" type="slidenum">
+              <a:rPr lang="en-US" smtClean="0"/>
+              <a:pPr defTabSz="1088421">
+                <a:buFontTx/>
+                <a:buBlip>
+                  <a:blip r:embed="rId3"/>
+                </a:buBlip>
+              </a:pPr>
+              <a:t>9</a:t>
+            </a:fld>
+            <a:endParaRPr lang="en-US" dirty="0"/>
+          </a:p>
+        </p:txBody>
+      </p:sp>
+      <p:sp>
+        <p:nvSpPr>
+          <p:cNvPr id="5" name="Title 4">
+            <a:extLst>
+              <a:ext uri="{FF2B5EF4-FFF2-40B4-BE49-F238E27FC236}">
+                <a16:creationId xmlns:a16="http://schemas.microsoft.com/office/drawing/2014/main" id="{23081C05-18A9-5E49-9AC3-CE63E7FC2E8B}"/>
+              </a:ext>
+            </a:extLst>
+          </p:cNvPr>
+          <p:cNvSpPr>
+            <a:spLocks noGrp="1"/>
+          </p:cNvSpPr>
+          <p:nvPr>
+            <p:ph type="title"/>
+          </p:nvPr>
+        </p:nvSpPr>
+        <p:spPr/>
+        <p:txBody>
+          <a:bodyPr/>
+          <a:lstStyle/>
+          <a:p>
+            <a:r>
+              <a:rPr lang="en-US" dirty="0"/>
+              <a:t>Wavelet Transform</a:t>
+            </a:r>
+          </a:p>
+        </p:txBody>
+      </p:sp>
+    </p:spTree>
+    <p:extLst>
+      <p:ext uri="{BB962C8B-B14F-4D97-AF65-F5344CB8AC3E}">
+        <p14:creationId xmlns:p14="http://schemas.microsoft.com/office/powerpoint/2010/main" val="2292093565"/>
       </p:ext>
     </p:extLst>
   </p:cSld>

--- a/wavelet_notes.pptx
+++ b/wavelet_notes.pptx
@@ -24327,6 +24327,298 @@
           </a:p>
         </p:txBody>
       </p:sp>
+      <p:sp>
+        <p:nvSpPr>
+          <p:cNvPr id="6" name="TextBox 5">
+            <a:extLst>
+              <a:ext uri="{FF2B5EF4-FFF2-40B4-BE49-F238E27FC236}">
+                <a16:creationId xmlns:a16="http://schemas.microsoft.com/office/drawing/2014/main" id="{5BC36FBF-13C8-9FA2-C0A9-500FAB949D11}"/>
+              </a:ext>
+            </a:extLst>
+          </p:cNvPr>
+          <p:cNvSpPr txBox="1"/>
+          <p:nvPr/>
+        </p:nvSpPr>
+        <p:spPr>
+          <a:xfrm>
+            <a:off x="7011856" y="1980196"/>
+            <a:ext cx="4191000" cy="683264"/>
+          </a:xfrm>
+          <a:prstGeom prst="rect">
+            <a:avLst/>
+          </a:prstGeom>
+          <a:noFill/>
+          <a:ln w="57150">
+            <a:solidFill>
+              <a:schemeClr val="accent1"/>
+            </a:solidFill>
+            <a:miter lim="800000"/>
+          </a:ln>
+        </p:spPr>
+        <p:txBody>
+          <a:bodyPr wrap="square" lIns="91440" tIns="91440" rIns="91440" bIns="91440" rtlCol="0">
+            <a:spAutoFit/>
+          </a:bodyPr>
+          <a:lstStyle/>
+          <a:p>
+            <a:pPr algn="l">
+              <a:lnSpc>
+                <a:spcPct val="90000"/>
+              </a:lnSpc>
+              <a:spcBef>
+                <a:spcPts val="400"/>
+              </a:spcBef>
+            </a:pPr>
+            <a:r>
+              <a:rPr lang="en-US" dirty="0"/>
+              <a:t>The 'const' formal intent designates that this procedure cannot modify the signal array</a:t>
+            </a:r>
+          </a:p>
+        </p:txBody>
+      </p:sp>
+      <p:cxnSp>
+        <p:nvCxnSpPr>
+          <p:cNvPr id="7" name="Straight Arrow Connector 6">
+            <a:extLst>
+              <a:ext uri="{FF2B5EF4-FFF2-40B4-BE49-F238E27FC236}">
+                <a16:creationId xmlns:a16="http://schemas.microsoft.com/office/drawing/2014/main" id="{36347200-6525-91EC-6A21-F6860B0911F1}"/>
+              </a:ext>
+            </a:extLst>
+          </p:cNvPr>
+          <p:cNvCxnSpPr>
+            <a:cxnSpLocks/>
+            <a:stCxn id="6" idx="1"/>
+          </p:cNvCxnSpPr>
+          <p:nvPr/>
+        </p:nvCxnSpPr>
+        <p:spPr>
+          <a:xfrm flipH="1" flipV="1">
+            <a:off x="2667000" y="1980196"/>
+            <a:ext cx="4344856" cy="341632"/>
+          </a:xfrm>
+          <a:prstGeom prst="straightConnector1">
+            <a:avLst/>
+          </a:prstGeom>
+          <a:ln w="57150">
+            <a:solidFill>
+              <a:schemeClr val="accent1"/>
+            </a:solidFill>
+            <a:tailEnd type="triangle"/>
+          </a:ln>
+        </p:spPr>
+        <p:style>
+          <a:lnRef idx="1">
+            <a:schemeClr val="accent1"/>
+          </a:lnRef>
+          <a:fillRef idx="0">
+            <a:schemeClr val="accent1"/>
+          </a:fillRef>
+          <a:effectRef idx="0">
+            <a:schemeClr val="accent1"/>
+          </a:effectRef>
+          <a:fontRef idx="minor">
+            <a:schemeClr val="tx1"/>
+          </a:fontRef>
+        </p:style>
+      </p:cxnSp>
+      <p:sp>
+        <p:nvSpPr>
+          <p:cNvPr id="9" name="TextBox 8">
+            <a:extLst>
+              <a:ext uri="{FF2B5EF4-FFF2-40B4-BE49-F238E27FC236}">
+                <a16:creationId xmlns:a16="http://schemas.microsoft.com/office/drawing/2014/main" id="{95CF842C-C208-F525-4414-E6395307E498}"/>
+              </a:ext>
+            </a:extLst>
+          </p:cNvPr>
+          <p:cNvSpPr txBox="1"/>
+          <p:nvPr/>
+        </p:nvSpPr>
+        <p:spPr>
+          <a:xfrm>
+            <a:off x="6650267" y="2866470"/>
+            <a:ext cx="4984385" cy="683264"/>
+          </a:xfrm>
+          <a:prstGeom prst="rect">
+            <a:avLst/>
+          </a:prstGeom>
+          <a:noFill/>
+          <a:ln w="57150">
+            <a:solidFill>
+              <a:schemeClr val="accent1"/>
+            </a:solidFill>
+            <a:miter lim="800000"/>
+          </a:ln>
+        </p:spPr>
+        <p:txBody>
+          <a:bodyPr wrap="square" lIns="91440" tIns="91440" rIns="91440" bIns="91440" rtlCol="0">
+            <a:spAutoFit/>
+          </a:bodyPr>
+          <a:lstStyle/>
+          <a:p>
+            <a:pPr algn="l">
+              <a:lnSpc>
+                <a:spcPct val="90000"/>
+              </a:lnSpc>
+              <a:spcBef>
+                <a:spcPts val="400"/>
+              </a:spcBef>
+            </a:pPr>
+            <a:r>
+              <a:rPr lang="en-US" dirty="0"/>
+              <a:t>The 'ref' formal intent designates that calls to this procedure should not make copies of the 'output' array</a:t>
+            </a:r>
+          </a:p>
+        </p:txBody>
+      </p:sp>
+      <p:cxnSp>
+        <p:nvCxnSpPr>
+          <p:cNvPr id="12" name="Straight Arrow Connector 11">
+            <a:extLst>
+              <a:ext uri="{FF2B5EF4-FFF2-40B4-BE49-F238E27FC236}">
+                <a16:creationId xmlns:a16="http://schemas.microsoft.com/office/drawing/2014/main" id="{22150BAE-1377-26E0-2366-12FDF9E7C6FC}"/>
+              </a:ext>
+            </a:extLst>
+          </p:cNvPr>
+          <p:cNvCxnSpPr>
+            <a:cxnSpLocks/>
+            <a:stCxn id="9" idx="1"/>
+          </p:cNvCxnSpPr>
+          <p:nvPr/>
+        </p:nvCxnSpPr>
+        <p:spPr>
+          <a:xfrm flipH="1" flipV="1">
+            <a:off x="4038600" y="1937865"/>
+            <a:ext cx="2611667" cy="1270237"/>
+          </a:xfrm>
+          <a:prstGeom prst="straightConnector1">
+            <a:avLst/>
+          </a:prstGeom>
+          <a:ln w="57150">
+            <a:solidFill>
+              <a:schemeClr val="accent1"/>
+            </a:solidFill>
+            <a:tailEnd type="triangle"/>
+          </a:ln>
+        </p:spPr>
+        <p:style>
+          <a:lnRef idx="1">
+            <a:schemeClr val="accent1"/>
+          </a:lnRef>
+          <a:fillRef idx="0">
+            <a:schemeClr val="accent1"/>
+          </a:fillRef>
+          <a:effectRef idx="0">
+            <a:schemeClr val="accent1"/>
+          </a:effectRef>
+          <a:fontRef idx="minor">
+            <a:schemeClr val="tx1"/>
+          </a:fontRef>
+        </p:style>
+      </p:cxnSp>
+      <p:sp>
+        <p:nvSpPr>
+          <p:cNvPr id="17" name="TextBox 16">
+            <a:extLst>
+              <a:ext uri="{FF2B5EF4-FFF2-40B4-BE49-F238E27FC236}">
+                <a16:creationId xmlns:a16="http://schemas.microsoft.com/office/drawing/2014/main" id="{81B63FE9-505B-A3BC-95BB-D1A11C20B948}"/>
+              </a:ext>
+            </a:extLst>
+          </p:cNvPr>
+          <p:cNvSpPr txBox="1"/>
+          <p:nvPr/>
+        </p:nvSpPr>
+        <p:spPr>
+          <a:xfrm>
+            <a:off x="1524000" y="5258050"/>
+            <a:ext cx="6128637" cy="932563"/>
+          </a:xfrm>
+          <a:prstGeom prst="rect">
+            <a:avLst/>
+          </a:prstGeom>
+          <a:noFill/>
+          <a:ln w="57150">
+            <a:noFill/>
+            <a:miter lim="800000"/>
+          </a:ln>
+        </p:spPr>
+        <p:txBody>
+          <a:bodyPr wrap="square" lIns="91440" tIns="91440" rIns="91440" bIns="91440" rtlCol="0">
+            <a:spAutoFit/>
+          </a:bodyPr>
+          <a:lstStyle/>
+          <a:p>
+            <a:pPr algn="l">
+              <a:lnSpc>
+                <a:spcPct val="90000"/>
+              </a:lnSpc>
+              <a:spcBef>
+                <a:spcPts val="400"/>
+              </a:spcBef>
+            </a:pPr>
+            <a:r>
+              <a:rPr lang="en-US" dirty="0"/>
+              <a:t>Note: Neither of the formal intents are technically necessary here — chapel arrays are always taken by reference by default. However, the annotations can be useful for documentation purposes</a:t>
+            </a:r>
+          </a:p>
+        </p:txBody>
+      </p:sp>
+      <p:sp>
+        <p:nvSpPr>
+          <p:cNvPr id="18" name="TextBox 17">
+            <a:extLst>
+              <a:ext uri="{FF2B5EF4-FFF2-40B4-BE49-F238E27FC236}">
+                <a16:creationId xmlns:a16="http://schemas.microsoft.com/office/drawing/2014/main" id="{FB0E7716-882D-BA47-ECD9-44149F939454}"/>
+              </a:ext>
+            </a:extLst>
+          </p:cNvPr>
+          <p:cNvSpPr txBox="1"/>
+          <p:nvPr/>
+        </p:nvSpPr>
+        <p:spPr>
+          <a:xfrm>
+            <a:off x="7932353" y="5218800"/>
+            <a:ext cx="3405405" cy="1181862"/>
+          </a:xfrm>
+          <a:prstGeom prst="rect">
+            <a:avLst/>
+          </a:prstGeom>
+          <a:noFill/>
+          <a:ln w="57150">
+            <a:solidFill>
+              <a:schemeClr val="accent1"/>
+            </a:solidFill>
+            <a:miter lim="800000"/>
+          </a:ln>
+        </p:spPr>
+        <p:txBody>
+          <a:bodyPr wrap="square" lIns="91440" tIns="91440" rIns="91440" bIns="91440" rtlCol="0">
+            <a:spAutoFit/>
+          </a:bodyPr>
+          <a:lstStyle/>
+          <a:p>
+            <a:pPr algn="l">
+              <a:lnSpc>
+                <a:spcPct val="90000"/>
+              </a:lnSpc>
+              <a:spcBef>
+                <a:spcPts val="400"/>
+              </a:spcBef>
+            </a:pPr>
+            <a:r>
+              <a:rPr lang="en-US" dirty="0"/>
+              <a:t>The types of 'fmax' and '</a:t>
+            </a:r>
+            <a:r>
+              <a:rPr lang="en-US" dirty="0" err="1"/>
+              <a:t>fstop</a:t>
+            </a:r>
+            <a:r>
+              <a:rPr lang="en-US" dirty="0"/>
+              <a:t>' are designated as 'int' to clarify that these are discrete frequency indices, and not scalar frequencies</a:t>
+            </a:r>
+          </a:p>
+        </p:txBody>
+      </p:sp>
     </p:spTree>
     <p:extLst>
       <p:ext uri="{BB962C8B-B14F-4D97-AF65-F5344CB8AC3E}">
@@ -24432,7 +24724,15 @@
             </a:r>
             <a:r>
               <a:rPr lang="en-US" dirty="0"/>
-              <a:t> haarWavelet1D(x: [?d] ?t, n): [d] t {</a:t>
+              <a:t> haarWavelet1D(x: [?d] ?t, n: </a:t>
+            </a:r>
+            <a:r>
+              <a:rPr lang="en-US" b="1" dirty="0"/>
+              <a:t>int</a:t>
+            </a:r>
+            <a:r>
+              <a:rPr lang="en-US" dirty="0"/>
+              <a:t>): [d] t {</a:t>
             </a:r>
           </a:p>
           <a:p>
@@ -24718,6 +25018,100 @@
           </a:p>
         </p:txBody>
       </p:sp>
+      <p:sp>
+        <p:nvSpPr>
+          <p:cNvPr id="6" name="TextBox 5">
+            <a:extLst>
+              <a:ext uri="{FF2B5EF4-FFF2-40B4-BE49-F238E27FC236}">
+                <a16:creationId xmlns:a16="http://schemas.microsoft.com/office/drawing/2014/main" id="{B280C60B-773C-1586-77F9-B312A291702C}"/>
+              </a:ext>
+            </a:extLst>
+          </p:cNvPr>
+          <p:cNvSpPr txBox="1"/>
+          <p:nvPr/>
+        </p:nvSpPr>
+        <p:spPr>
+          <a:xfrm>
+            <a:off x="7270232" y="2667000"/>
+            <a:ext cx="4445511" cy="932563"/>
+          </a:xfrm>
+          <a:prstGeom prst="rect">
+            <a:avLst/>
+          </a:prstGeom>
+          <a:noFill/>
+          <a:ln w="57150">
+            <a:solidFill>
+              <a:schemeClr val="accent1"/>
+            </a:solidFill>
+            <a:miter lim="800000"/>
+          </a:ln>
+        </p:spPr>
+        <p:txBody>
+          <a:bodyPr wrap="square" lIns="91440" tIns="91440" rIns="91440" bIns="91440" rtlCol="0">
+            <a:spAutoFit/>
+          </a:bodyPr>
+          <a:lstStyle/>
+          <a:p>
+            <a:pPr algn="l">
+              <a:lnSpc>
+                <a:spcPct val="90000"/>
+              </a:lnSpc>
+              <a:spcBef>
+                <a:spcPts val="400"/>
+              </a:spcBef>
+            </a:pPr>
+            <a:r>
+              <a:rPr lang="en-US" dirty="0"/>
+              <a:t>The queries on 'x's domain and type can be used to define the type of the output array — also useful for documentation purposes</a:t>
+            </a:r>
+          </a:p>
+        </p:txBody>
+      </p:sp>
+      <p:cxnSp>
+        <p:nvCxnSpPr>
+          <p:cNvPr id="7" name="Straight Arrow Connector 6">
+            <a:extLst>
+              <a:ext uri="{FF2B5EF4-FFF2-40B4-BE49-F238E27FC236}">
+                <a16:creationId xmlns:a16="http://schemas.microsoft.com/office/drawing/2014/main" id="{E1EA0365-4C38-001B-80BD-BAF81997D6AB}"/>
+              </a:ext>
+            </a:extLst>
+          </p:cNvPr>
+          <p:cNvCxnSpPr>
+            <a:cxnSpLocks/>
+            <a:stCxn id="6" idx="1"/>
+          </p:cNvCxnSpPr>
+          <p:nvPr/>
+        </p:nvCxnSpPr>
+        <p:spPr>
+          <a:xfrm flipH="1" flipV="1">
+            <a:off x="5943600" y="1916741"/>
+            <a:ext cx="1326632" cy="1216541"/>
+          </a:xfrm>
+          <a:prstGeom prst="straightConnector1">
+            <a:avLst/>
+          </a:prstGeom>
+          <a:ln w="57150">
+            <a:solidFill>
+              <a:schemeClr val="accent1"/>
+            </a:solidFill>
+            <a:tailEnd type="triangle"/>
+          </a:ln>
+        </p:spPr>
+        <p:style>
+          <a:lnRef idx="1">
+            <a:schemeClr val="accent1"/>
+          </a:lnRef>
+          <a:fillRef idx="0">
+            <a:schemeClr val="accent1"/>
+          </a:fillRef>
+          <a:effectRef idx="0">
+            <a:schemeClr val="accent1"/>
+          </a:effectRef>
+          <a:fontRef idx="minor">
+            <a:schemeClr val="tx1"/>
+          </a:fontRef>
+        </p:style>
+      </p:cxnSp>
     </p:spTree>
     <p:extLst>
       <p:ext uri="{BB962C8B-B14F-4D97-AF65-F5344CB8AC3E}">
@@ -26888,7 +27282,7 @@
         </p:nvSpPr>
         <p:spPr>
           <a:xfrm>
-            <a:off x="1" y="1274159"/>
+            <a:off x="-152400" y="1926896"/>
             <a:ext cx="9829800" cy="4309682"/>
           </a:xfrm>
           <a:prstGeom prst="rect">
@@ -27114,7 +27508,7 @@
                 </a:solidFill>
                 <a:latin typeface="MetricHPE" pitchFamily="2" charset="77"/>
               </a:rPr>
-              <a:t>// compute one step of the wavelet computation on the input signal (stores results in the 'output' array)</a:t>
+              <a:t>// compute one step of the wavelet computation on the input signal</a:t>
             </a:r>
           </a:p>
           <a:p>
@@ -27273,12 +27667,246 @@
           </a:p>
         </p:txBody>
       </p:sp>
+      <p:sp>
+        <p:nvSpPr>
+          <p:cNvPr id="36" name="TextBox 35">
+            <a:extLst>
+              <a:ext uri="{FF2B5EF4-FFF2-40B4-BE49-F238E27FC236}">
+                <a16:creationId xmlns:a16="http://schemas.microsoft.com/office/drawing/2014/main" id="{E0773BDC-BE0F-0D50-2596-5157D591123F}"/>
+              </a:ext>
+            </a:extLst>
+          </p:cNvPr>
+          <p:cNvSpPr txBox="1"/>
+          <p:nvPr/>
+        </p:nvSpPr>
+        <p:spPr>
+          <a:xfrm>
+            <a:off x="457200" y="1256338"/>
+            <a:ext cx="5472973" cy="734560"/>
+          </a:xfrm>
+          <a:prstGeom prst="rect">
+            <a:avLst/>
+          </a:prstGeom>
+          <a:noFill/>
+          <a:ln w="57150">
+            <a:noFill/>
+            <a:miter lim="800000"/>
+          </a:ln>
+        </p:spPr>
+        <p:txBody>
+          <a:bodyPr wrap="none" lIns="91440" tIns="91440" rIns="91440" bIns="91440" rtlCol="0">
+            <a:spAutoFit/>
+          </a:bodyPr>
+          <a:lstStyle/>
+          <a:p>
+            <a:pPr algn="l">
+              <a:lnSpc>
+                <a:spcPct val="90000"/>
+              </a:lnSpc>
+              <a:spcBef>
+                <a:spcPts val="400"/>
+              </a:spcBef>
+            </a:pPr>
+            <a:r>
+              <a:rPr lang="en-US" dirty="0"/>
+              <a:t>Signatures of each functions used in the 1D DWT </a:t>
+            </a:r>
+          </a:p>
+          <a:p>
+            <a:pPr algn="l">
+              <a:lnSpc>
+                <a:spcPct val="90000"/>
+              </a:lnSpc>
+              <a:spcBef>
+                <a:spcPts val="400"/>
+              </a:spcBef>
+            </a:pPr>
+            <a:r>
+              <a:rPr lang="en-US" dirty="0"/>
+              <a:t>The following slides will show each procedure in more detail</a:t>
+            </a:r>
+          </a:p>
+        </p:txBody>
+      </p:sp>
+      <p:grpSp>
+        <p:nvGrpSpPr>
+          <p:cNvPr id="110" name="Group 109">
+            <a:extLst>
+              <a:ext uri="{FF2B5EF4-FFF2-40B4-BE49-F238E27FC236}">
+                <a16:creationId xmlns:a16="http://schemas.microsoft.com/office/drawing/2014/main" id="{42765A73-6FEF-3D40-8308-7D9A2CB1AD3C}"/>
+              </a:ext>
+            </a:extLst>
+          </p:cNvPr>
+          <p:cNvGrpSpPr/>
+          <p:nvPr/>
+        </p:nvGrpSpPr>
+        <p:grpSpPr>
+          <a:xfrm>
+            <a:off x="6858000" y="4208767"/>
+            <a:ext cx="4644221" cy="1419524"/>
+            <a:chOff x="6212290" y="4555323"/>
+            <a:chExt cx="4644221" cy="1419524"/>
+          </a:xfrm>
+        </p:grpSpPr>
+        <p:pic>
+          <p:nvPicPr>
+            <p:cNvPr id="8" name="Picture 2">
+              <a:extLst>
+                <a:ext uri="{FF2B5EF4-FFF2-40B4-BE49-F238E27FC236}">
+                  <a16:creationId xmlns:a16="http://schemas.microsoft.com/office/drawing/2014/main" id="{E811B795-4E73-99F3-C9D5-DE65FD91C786}"/>
+                </a:ext>
+              </a:extLst>
+            </p:cNvPr>
+            <p:cNvPicPr>
+              <a:picLocks noChangeAspect="1" noChangeArrowheads="1"/>
+            </p:cNvPicPr>
+            <p:nvPr/>
+          </p:nvPicPr>
+          <p:blipFill>
+            <a:blip r:embed="rId4">
+              <a:extLst>
+                <a:ext uri="{28A0092B-C50C-407E-A947-70E740481C1C}">
+                  <a14:useLocalDpi xmlns:a14="http://schemas.microsoft.com/office/drawing/2010/main" val="0"/>
+                </a:ext>
+              </a:extLst>
+            </a:blip>
+            <a:srcRect/>
+            <a:stretch>
+              <a:fillRect/>
+            </a:stretch>
+          </p:blipFill>
+          <p:spPr bwMode="auto">
+            <a:xfrm>
+              <a:off x="6212290" y="4555323"/>
+              <a:ext cx="4644221" cy="1419524"/>
+            </a:xfrm>
+            <a:prstGeom prst="rect">
+              <a:avLst/>
+            </a:prstGeom>
+            <a:noFill/>
+            <a:ln>
+              <a:solidFill>
+                <a:schemeClr val="accent1"/>
+              </a:solidFill>
+            </a:ln>
+            <a:extLst>
+              <a:ext uri="{909E8E84-426E-40DD-AFC4-6F175D3DCCD1}">
+                <a14:hiddenFill xmlns:a14="http://schemas.microsoft.com/office/drawing/2010/main">
+                  <a:solidFill>
+                    <a:srgbClr val="FFFFFF"/>
+                  </a:solidFill>
+                </a14:hiddenFill>
+              </a:ext>
+            </a:extLst>
+          </p:spPr>
+        </p:pic>
+        <p:sp>
+          <p:nvSpPr>
+            <p:cNvPr id="56" name="Rectangle 55">
+              <a:extLst>
+                <a:ext uri="{FF2B5EF4-FFF2-40B4-BE49-F238E27FC236}">
+                  <a16:creationId xmlns:a16="http://schemas.microsoft.com/office/drawing/2014/main" id="{3A179EA2-A274-64A2-737B-02DC8B4890A9}"/>
+                </a:ext>
+              </a:extLst>
+            </p:cNvPr>
+            <p:cNvSpPr/>
+            <p:nvPr/>
+          </p:nvSpPr>
+          <p:spPr bwMode="ltGray">
+            <a:xfrm>
+              <a:off x="6611112" y="5257800"/>
+              <a:ext cx="1161288" cy="653162"/>
+            </a:xfrm>
+            <a:prstGeom prst="rect">
+              <a:avLst/>
+            </a:prstGeom>
+            <a:noFill/>
+            <a:ln w="19050">
+              <a:solidFill>
+                <a:schemeClr val="accent4"/>
+              </a:solidFill>
+            </a:ln>
+          </p:spPr>
+          <p:style>
+            <a:lnRef idx="2">
+              <a:schemeClr val="accent1">
+                <a:shade val="50000"/>
+              </a:schemeClr>
+            </a:lnRef>
+            <a:fillRef idx="1">
+              <a:schemeClr val="accent1"/>
+            </a:fillRef>
+            <a:effectRef idx="0">
+              <a:schemeClr val="accent1"/>
+            </a:effectRef>
+            <a:fontRef idx="minor">
+              <a:schemeClr val="lt1"/>
+            </a:fontRef>
+          </p:style>
+          <p:txBody>
+            <a:bodyPr tIns="91440" bIns="91440" rtlCol="0" anchor="ctr"/>
+            <a:lstStyle/>
+            <a:p>
+              <a:pPr algn="ctr"/>
+              <a:endParaRPr lang="en-US" dirty="0" err="1">
+                <a:solidFill>
+                  <a:schemeClr val="tx1"/>
+                </a:solidFill>
+              </a:endParaRPr>
+            </a:p>
+          </p:txBody>
+        </p:sp>
+      </p:grpSp>
+      <p:cxnSp>
+        <p:nvCxnSpPr>
+          <p:cNvPr id="57" name="Straight Arrow Connector 56">
+            <a:extLst>
+              <a:ext uri="{FF2B5EF4-FFF2-40B4-BE49-F238E27FC236}">
+                <a16:creationId xmlns:a16="http://schemas.microsoft.com/office/drawing/2014/main" id="{65380837-F85D-1D4E-FD6C-B5A5CE21EEEF}"/>
+              </a:ext>
+            </a:extLst>
+          </p:cNvPr>
+          <p:cNvCxnSpPr>
+            <a:cxnSpLocks/>
+          </p:cNvCxnSpPr>
+          <p:nvPr/>
+        </p:nvCxnSpPr>
+        <p:spPr>
+          <a:xfrm>
+            <a:off x="3008694" y="4325845"/>
+            <a:ext cx="4524968" cy="648908"/>
+          </a:xfrm>
+          <a:prstGeom prst="straightConnector1">
+            <a:avLst/>
+          </a:prstGeom>
+          <a:ln w="19050">
+            <a:solidFill>
+              <a:schemeClr val="accent1"/>
+            </a:solidFill>
+            <a:tailEnd type="triangle"/>
+          </a:ln>
+        </p:spPr>
+        <p:style>
+          <a:lnRef idx="1">
+            <a:schemeClr val="accent1"/>
+          </a:lnRef>
+          <a:fillRef idx="0">
+            <a:schemeClr val="accent1"/>
+          </a:fillRef>
+          <a:effectRef idx="0">
+            <a:schemeClr val="accent1"/>
+          </a:effectRef>
+          <a:fontRef idx="minor">
+            <a:schemeClr val="tx1"/>
+          </a:fontRef>
+        </p:style>
+      </p:cxnSp>
       <p:pic>
         <p:nvPicPr>
-          <p:cNvPr id="8" name="Picture 2">
+          <p:cNvPr id="1026" name="Picture 2">
             <a:extLst>
               <a:ext uri="{FF2B5EF4-FFF2-40B4-BE49-F238E27FC236}">
-                <a16:creationId xmlns:a16="http://schemas.microsoft.com/office/drawing/2014/main" id="{E811B795-4E73-99F3-C9D5-DE65FD91C786}"/>
+                <a16:creationId xmlns:a16="http://schemas.microsoft.com/office/drawing/2014/main" id="{78B26501-FB8A-FBA1-45E6-905F58C375E4}"/>
               </a:ext>
             </a:extLst>
           </p:cNvPr>
@@ -27288,7 +27916,7 @@
           <p:nvPr/>
         </p:nvPicPr>
         <p:blipFill>
-          <a:blip r:embed="rId4">
+          <a:blip r:embed="rId5">
             <a:extLst>
               <a:ext uri="{28A0092B-C50C-407E-A947-70E740481C1C}">
                 <a14:useLocalDpi xmlns:a14="http://schemas.microsoft.com/office/drawing/2010/main" val="0"/>
@@ -27302,8 +27930,8 @@
         </p:blipFill>
         <p:spPr bwMode="auto">
           <a:xfrm>
-            <a:off x="5312487" y="3268746"/>
-            <a:ext cx="6232541" cy="1905000"/>
+            <a:off x="7239000" y="2192018"/>
+            <a:ext cx="3733800" cy="1037167"/>
           </a:xfrm>
           <a:prstGeom prst="rect">
             <a:avLst/>
@@ -27325,12 +27953,323 @@
           </a:extLst>
         </p:spPr>
       </p:pic>
+      <p:grpSp>
+        <p:nvGrpSpPr>
+          <p:cNvPr id="88" name="Group 87">
+            <a:extLst>
+              <a:ext uri="{FF2B5EF4-FFF2-40B4-BE49-F238E27FC236}">
+                <a16:creationId xmlns:a16="http://schemas.microsoft.com/office/drawing/2014/main" id="{A71209CA-2ABC-2E45-294A-5F6FB799B67F}"/>
+              </a:ext>
+            </a:extLst>
+          </p:cNvPr>
+          <p:cNvGrpSpPr/>
+          <p:nvPr/>
+        </p:nvGrpSpPr>
+        <p:grpSpPr>
+          <a:xfrm>
+            <a:off x="4928596" y="2971800"/>
+            <a:ext cx="2767604" cy="1023371"/>
+            <a:chOff x="4928596" y="2971800"/>
+            <a:chExt cx="2767604" cy="1023371"/>
+          </a:xfrm>
+        </p:grpSpPr>
+        <p:sp>
+          <p:nvSpPr>
+            <p:cNvPr id="83" name="Freeform 82">
+              <a:extLst>
+                <a:ext uri="{FF2B5EF4-FFF2-40B4-BE49-F238E27FC236}">
+                  <a16:creationId xmlns:a16="http://schemas.microsoft.com/office/drawing/2014/main" id="{1B193590-F2EF-34AA-8B2A-A9D139F6248F}"/>
+                </a:ext>
+              </a:extLst>
+            </p:cNvPr>
+            <p:cNvSpPr/>
+            <p:nvPr/>
+          </p:nvSpPr>
+          <p:spPr bwMode="ltGray">
+            <a:xfrm>
+              <a:off x="4928596" y="3034270"/>
+              <a:ext cx="2691404" cy="960901"/>
+            </a:xfrm>
+            <a:custGeom>
+              <a:avLst/>
+              <a:gdLst>
+                <a:gd name="connsiteX0" fmla="*/ 0 w 2708476"/>
+                <a:gd name="connsiteY0" fmla="*/ 567159 h 914608"/>
+                <a:gd name="connsiteX1" fmla="*/ 1331088 w 2708476"/>
+                <a:gd name="connsiteY1" fmla="*/ 891250 h 914608"/>
+                <a:gd name="connsiteX2" fmla="*/ 2708476 w 2708476"/>
+                <a:gd name="connsiteY2" fmla="*/ 0 h 914608"/>
+              </a:gdLst>
+              <a:ahLst/>
+              <a:cxnLst>
+                <a:cxn ang="0">
+                  <a:pos x="connsiteX0" y="connsiteY0"/>
+                </a:cxn>
+                <a:cxn ang="0">
+                  <a:pos x="connsiteX1" y="connsiteY1"/>
+                </a:cxn>
+                <a:cxn ang="0">
+                  <a:pos x="connsiteX2" y="connsiteY2"/>
+                </a:cxn>
+              </a:cxnLst>
+              <a:rect l="l" t="t" r="r" b="b"/>
+              <a:pathLst>
+                <a:path w="2708476" h="914608">
+                  <a:moveTo>
+                    <a:pt x="0" y="567159"/>
+                  </a:moveTo>
+                  <a:cubicBezTo>
+                    <a:pt x="439837" y="776468"/>
+                    <a:pt x="879675" y="985777"/>
+                    <a:pt x="1331088" y="891250"/>
+                  </a:cubicBezTo>
+                  <a:cubicBezTo>
+                    <a:pt x="1782501" y="796724"/>
+                    <a:pt x="2453833" y="138896"/>
+                    <a:pt x="2708476" y="0"/>
+                  </a:cubicBezTo>
+                </a:path>
+              </a:pathLst>
+            </a:custGeom>
+            <a:noFill/>
+            <a:ln w="19050">
+              <a:solidFill>
+                <a:schemeClr val="accent5"/>
+              </a:solidFill>
+            </a:ln>
+          </p:spPr>
+          <p:style>
+            <a:lnRef idx="2">
+              <a:schemeClr val="accent1">
+                <a:shade val="50000"/>
+              </a:schemeClr>
+            </a:lnRef>
+            <a:fillRef idx="1">
+              <a:schemeClr val="accent1"/>
+            </a:fillRef>
+            <a:effectRef idx="0">
+              <a:schemeClr val="accent1"/>
+            </a:effectRef>
+            <a:fontRef idx="minor">
+              <a:schemeClr val="lt1"/>
+            </a:fontRef>
+          </p:style>
+          <p:txBody>
+            <a:bodyPr rtlCol="0" anchor="ctr"/>
+            <a:lstStyle/>
+            <a:p>
+              <a:pPr algn="ctr"/>
+              <a:endParaRPr lang="en-US"/>
+            </a:p>
+          </p:txBody>
+        </p:sp>
+        <p:cxnSp>
+          <p:nvCxnSpPr>
+            <p:cNvPr id="85" name="Straight Arrow Connector 84">
+              <a:extLst>
+                <a:ext uri="{FF2B5EF4-FFF2-40B4-BE49-F238E27FC236}">
+                  <a16:creationId xmlns:a16="http://schemas.microsoft.com/office/drawing/2014/main" id="{B9124090-457C-F91E-148D-B2E5A9A539EA}"/>
+                </a:ext>
+              </a:extLst>
+            </p:cNvPr>
+            <p:cNvCxnSpPr>
+              <a:cxnSpLocks/>
+              <a:stCxn id="83" idx="2"/>
+            </p:cNvCxnSpPr>
+            <p:nvPr/>
+          </p:nvCxnSpPr>
+          <p:spPr>
+            <a:xfrm flipV="1">
+              <a:off x="7620000" y="2971800"/>
+              <a:ext cx="76200" cy="62470"/>
+            </a:xfrm>
+            <a:prstGeom prst="straightConnector1">
+              <a:avLst/>
+            </a:prstGeom>
+            <a:ln w="19050">
+              <a:solidFill>
+                <a:schemeClr val="accent5"/>
+              </a:solidFill>
+              <a:tailEnd type="triangle"/>
+            </a:ln>
+          </p:spPr>
+          <p:style>
+            <a:lnRef idx="1">
+              <a:schemeClr val="accent1"/>
+            </a:lnRef>
+            <a:fillRef idx="0">
+              <a:schemeClr val="accent1"/>
+            </a:fillRef>
+            <a:effectRef idx="0">
+              <a:schemeClr val="accent1"/>
+            </a:effectRef>
+            <a:fontRef idx="minor">
+              <a:schemeClr val="tx1"/>
+            </a:fontRef>
+          </p:style>
+        </p:cxnSp>
+      </p:grpSp>
+      <p:grpSp>
+        <p:nvGrpSpPr>
+          <p:cNvPr id="95" name="Group 94">
+            <a:extLst>
+              <a:ext uri="{FF2B5EF4-FFF2-40B4-BE49-F238E27FC236}">
+                <a16:creationId xmlns:a16="http://schemas.microsoft.com/office/drawing/2014/main" id="{CBF3136E-FC1B-E4CC-CD4C-71E15E7E7BCF}"/>
+              </a:ext>
+            </a:extLst>
+          </p:cNvPr>
+          <p:cNvGrpSpPr/>
+          <p:nvPr/>
+        </p:nvGrpSpPr>
+        <p:grpSpPr>
+          <a:xfrm>
+            <a:off x="4030133" y="2968647"/>
+            <a:ext cx="6485467" cy="1380741"/>
+            <a:chOff x="4030133" y="2984225"/>
+            <a:chExt cx="4903555" cy="1365163"/>
+          </a:xfrm>
+        </p:grpSpPr>
+        <p:sp>
+          <p:nvSpPr>
+            <p:cNvPr id="92" name="Freeform 91">
+              <a:extLst>
+                <a:ext uri="{FF2B5EF4-FFF2-40B4-BE49-F238E27FC236}">
+                  <a16:creationId xmlns:a16="http://schemas.microsoft.com/office/drawing/2014/main" id="{372412E5-B94F-3CCF-9BD0-4EDBAA521E11}"/>
+                </a:ext>
+              </a:extLst>
+            </p:cNvPr>
+            <p:cNvSpPr/>
+            <p:nvPr/>
+          </p:nvSpPr>
+          <p:spPr bwMode="ltGray">
+            <a:xfrm>
+              <a:off x="4030133" y="3034270"/>
+              <a:ext cx="4809067" cy="1315118"/>
+            </a:xfrm>
+            <a:custGeom>
+              <a:avLst/>
+              <a:gdLst>
+                <a:gd name="connsiteX0" fmla="*/ 0 w 4865511"/>
+                <a:gd name="connsiteY0" fmla="*/ 587023 h 1335255"/>
+                <a:gd name="connsiteX1" fmla="*/ 1998134 w 4865511"/>
+                <a:gd name="connsiteY1" fmla="*/ 1320800 h 1335255"/>
+                <a:gd name="connsiteX2" fmla="*/ 4865511 w 4865511"/>
+                <a:gd name="connsiteY2" fmla="*/ 0 h 1335255"/>
+              </a:gdLst>
+              <a:ahLst/>
+              <a:cxnLst>
+                <a:cxn ang="0">
+                  <a:pos x="connsiteX0" y="connsiteY0"/>
+                </a:cxn>
+                <a:cxn ang="0">
+                  <a:pos x="connsiteX1" y="connsiteY1"/>
+                </a:cxn>
+                <a:cxn ang="0">
+                  <a:pos x="connsiteX2" y="connsiteY2"/>
+                </a:cxn>
+              </a:cxnLst>
+              <a:rect l="l" t="t" r="r" b="b"/>
+              <a:pathLst>
+                <a:path w="4865511" h="1335255">
+                  <a:moveTo>
+                    <a:pt x="0" y="587023"/>
+                  </a:moveTo>
+                  <a:cubicBezTo>
+                    <a:pt x="593608" y="1002830"/>
+                    <a:pt x="1187216" y="1418637"/>
+                    <a:pt x="1998134" y="1320800"/>
+                  </a:cubicBezTo>
+                  <a:cubicBezTo>
+                    <a:pt x="2809053" y="1222963"/>
+                    <a:pt x="4389496" y="195674"/>
+                    <a:pt x="4865511" y="0"/>
+                  </a:cubicBezTo>
+                </a:path>
+              </a:pathLst>
+            </a:custGeom>
+            <a:noFill/>
+            <a:ln w="19050">
+              <a:solidFill>
+                <a:schemeClr val="accent5"/>
+              </a:solidFill>
+            </a:ln>
+          </p:spPr>
+          <p:style>
+            <a:lnRef idx="2">
+              <a:schemeClr val="accent1">
+                <a:shade val="50000"/>
+              </a:schemeClr>
+            </a:lnRef>
+            <a:fillRef idx="1">
+              <a:schemeClr val="accent1"/>
+            </a:fillRef>
+            <a:effectRef idx="0">
+              <a:schemeClr val="accent1"/>
+            </a:effectRef>
+            <a:fontRef idx="minor">
+              <a:schemeClr val="lt1"/>
+            </a:fontRef>
+          </p:style>
+          <p:txBody>
+            <a:bodyPr rtlCol="0" anchor="ctr"/>
+            <a:lstStyle/>
+            <a:p>
+              <a:pPr algn="ctr"/>
+              <a:endParaRPr lang="en-US"/>
+            </a:p>
+          </p:txBody>
+        </p:sp>
+        <p:cxnSp>
+          <p:nvCxnSpPr>
+            <p:cNvPr id="93" name="Straight Arrow Connector 92">
+              <a:extLst>
+                <a:ext uri="{FF2B5EF4-FFF2-40B4-BE49-F238E27FC236}">
+                  <a16:creationId xmlns:a16="http://schemas.microsoft.com/office/drawing/2014/main" id="{DDEF907B-8A0C-4B1A-DBD4-B31590442F21}"/>
+                </a:ext>
+              </a:extLst>
+            </p:cNvPr>
+            <p:cNvCxnSpPr>
+              <a:cxnSpLocks/>
+            </p:cNvCxnSpPr>
+            <p:nvPr/>
+          </p:nvCxnSpPr>
+          <p:spPr>
+            <a:xfrm flipV="1">
+              <a:off x="8832088" y="2984225"/>
+              <a:ext cx="101600" cy="53436"/>
+            </a:xfrm>
+            <a:prstGeom prst="straightConnector1">
+              <a:avLst/>
+            </a:prstGeom>
+            <a:ln w="19050">
+              <a:solidFill>
+                <a:schemeClr val="accent5"/>
+              </a:solidFill>
+              <a:tailEnd type="triangle"/>
+            </a:ln>
+          </p:spPr>
+          <p:style>
+            <a:lnRef idx="1">
+              <a:schemeClr val="accent1"/>
+            </a:lnRef>
+            <a:fillRef idx="0">
+              <a:schemeClr val="accent1"/>
+            </a:fillRef>
+            <a:effectRef idx="0">
+              <a:schemeClr val="accent1"/>
+            </a:effectRef>
+            <a:fontRef idx="minor">
+              <a:schemeClr val="tx1"/>
+            </a:fontRef>
+          </p:style>
+        </p:cxnSp>
+      </p:grpSp>
       <p:sp>
         <p:nvSpPr>
-          <p:cNvPr id="18" name="TextBox 17">
+          <p:cNvPr id="96" name="TextBox 95">
             <a:extLst>
               <a:ext uri="{FF2B5EF4-FFF2-40B4-BE49-F238E27FC236}">
-                <a16:creationId xmlns:a16="http://schemas.microsoft.com/office/drawing/2014/main" id="{40582C1D-0B3A-9E5B-5CCB-92162889BD3E}"/>
+                <a16:creationId xmlns:a16="http://schemas.microsoft.com/office/drawing/2014/main" id="{D44F1AAA-E3E2-352B-80A3-AF0AC8CB7241}"/>
               </a:ext>
             </a:extLst>
           </p:cNvPr>
@@ -27339,8 +28278,8 @@
         </p:nvSpPr>
         <p:spPr>
           <a:xfrm>
-            <a:off x="6248400" y="5208248"/>
-            <a:ext cx="4644220" cy="295466"/>
+            <a:off x="8310102" y="1844905"/>
+            <a:ext cx="1364476" cy="433965"/>
           </a:xfrm>
           <a:prstGeom prst="rect">
             <a:avLst/>
@@ -27366,21 +28305,18 @@
               </a:spcBef>
             </a:pPr>
             <a:r>
-              <a:rPr lang="en-US" sz="800" dirty="0">
-                <a:hlinkClick r:id="rId5"/>
-              </a:rPr>
-              <a:t>https://en.wikipedia.org/wiki/Discrete_wavelet_transformhttps://en.wikipedia.org/wiki/Discrete_wavelet_transform</a:t>
-            </a:r>
-            <a:endParaRPr lang="en-US" sz="800" dirty="0"/>
+              <a:rPr lang="en-US" dirty="0"/>
+              <a:t>Output Array</a:t>
+            </a:r>
           </a:p>
         </p:txBody>
       </p:sp>
       <p:sp>
         <p:nvSpPr>
-          <p:cNvPr id="36" name="TextBox 35">
+          <p:cNvPr id="109" name="TextBox 108">
             <a:extLst>
               <a:ext uri="{FF2B5EF4-FFF2-40B4-BE49-F238E27FC236}">
-                <a16:creationId xmlns:a16="http://schemas.microsoft.com/office/drawing/2014/main" id="{E0773BDC-BE0F-0D50-2596-5157D591123F}"/>
+                <a16:creationId xmlns:a16="http://schemas.microsoft.com/office/drawing/2014/main" id="{C76084E3-87D2-BF62-057D-C689762F6B96}"/>
               </a:ext>
             </a:extLst>
           </p:cNvPr>
@@ -27389,8 +28325,8 @@
         </p:nvSpPr>
         <p:spPr>
           <a:xfrm>
-            <a:off x="5410200" y="1243667"/>
-            <a:ext cx="5825634" cy="734560"/>
+            <a:off x="7334968" y="5862448"/>
+            <a:ext cx="3541864" cy="734560"/>
           </a:xfrm>
           <a:prstGeom prst="rect">
             <a:avLst/>
@@ -27402,12 +28338,12 @@
           </a:ln>
         </p:spPr>
         <p:txBody>
-          <a:bodyPr wrap="none" lIns="91440" tIns="91440" rIns="91440" bIns="91440" rtlCol="0">
+          <a:bodyPr wrap="square" lIns="91440" tIns="91440" rIns="91440" bIns="91440" rtlCol="0">
             <a:spAutoFit/>
           </a:bodyPr>
           <a:lstStyle/>
           <a:p>
-            <a:pPr algn="l">
+            <a:pPr>
               <a:lnSpc>
                 <a:spcPct val="90000"/>
               </a:lnSpc>
@@ -27417,25 +28353,75 @@
             </a:pPr>
             <a:r>
               <a:rPr lang="en-US" dirty="0"/>
-              <a:t>These are the signatures of each functions used in the 1D DWT </a:t>
-            </a:r>
-          </a:p>
-          <a:p>
-            <a:pPr algn="l">
+              <a:t>The full program can be found </a:t>
+            </a:r>
+            <a:r>
+              <a:rPr lang="en-US" dirty="0">
+                <a:hlinkClick r:id="rId6"/>
+              </a:rPr>
+              <a:t>here</a:t>
+            </a:r>
+            <a:endParaRPr lang="en-US" dirty="0"/>
+          </a:p>
+          <a:p>
+            <a:pPr marL="285750" indent="-285750" algn="l">
               <a:lnSpc>
                 <a:spcPct val="90000"/>
               </a:lnSpc>
               <a:spcBef>
                 <a:spcPts val="400"/>
               </a:spcBef>
+              <a:buFont typeface="MetricHPE" panose="020B0503030202060203" pitchFamily="34" charset="0"/>
+              <a:buChar char="•"/>
             </a:pPr>
-            <a:r>
-              <a:rPr lang="en-US" dirty="0"/>
-              <a:t>Their implementations will be discussed on the following slides</a:t>
-            </a:r>
+            <a:endParaRPr lang="en-US" dirty="0" err="1"/>
           </a:p>
         </p:txBody>
       </p:sp>
+      <p:cxnSp>
+        <p:nvCxnSpPr>
+          <p:cNvPr id="43" name="Straight Arrow Connector 42">
+            <a:extLst>
+              <a:ext uri="{FF2B5EF4-FFF2-40B4-BE49-F238E27FC236}">
+                <a16:creationId xmlns:a16="http://schemas.microsoft.com/office/drawing/2014/main" id="{1AB27469-D6BB-EA93-05F7-6DA4D9A8CAF8}"/>
+              </a:ext>
+            </a:extLst>
+          </p:cNvPr>
+          <p:cNvCxnSpPr>
+            <a:cxnSpLocks/>
+          </p:cNvCxnSpPr>
+          <p:nvPr/>
+        </p:nvCxnSpPr>
+        <p:spPr>
+          <a:xfrm>
+            <a:off x="5943600" y="3512964"/>
+            <a:ext cx="1590062" cy="1343114"/>
+          </a:xfrm>
+          <a:prstGeom prst="straightConnector1">
+            <a:avLst/>
+          </a:prstGeom>
+          <a:ln w="19050">
+            <a:solidFill>
+              <a:schemeClr val="accent4"/>
+            </a:solidFill>
+            <a:tailEnd type="triangle"/>
+          </a:ln>
+        </p:spPr>
+        <p:style>
+          <a:lnRef idx="1">
+            <a:schemeClr val="accent1"/>
+          </a:lnRef>
+          <a:fillRef idx="0">
+            <a:schemeClr val="accent1"/>
+          </a:fillRef>
+          <a:effectRef idx="0">
+            <a:schemeClr val="accent1"/>
+          </a:effectRef>
+          <a:fontRef idx="minor">
+            <a:schemeClr val="tx1"/>
+          </a:fontRef>
+        </p:style>
+      </p:cxnSp>
       <p:cxnSp>
         <p:nvCxnSpPr>
           <p:cNvPr id="37" name="Straight Arrow Connector 36">
@@ -27452,8 +28438,8 @@
         </p:nvCxnSpPr>
         <p:spPr>
           <a:xfrm>
-            <a:off x="3255862" y="4410084"/>
-            <a:ext cx="2992538" cy="366346"/>
+            <a:off x="3008694" y="5110983"/>
+            <a:ext cx="4524968" cy="190770"/>
           </a:xfrm>
           <a:prstGeom prst="straightConnector1">
             <a:avLst/>
@@ -27482,54 +28468,10 @@
       </p:cxnSp>
       <p:cxnSp>
         <p:nvCxnSpPr>
-          <p:cNvPr id="43" name="Straight Arrow Connector 42">
+          <p:cNvPr id="116" name="Straight Arrow Connector 115">
             <a:extLst>
               <a:ext uri="{FF2B5EF4-FFF2-40B4-BE49-F238E27FC236}">
-                <a16:creationId xmlns:a16="http://schemas.microsoft.com/office/drawing/2014/main" id="{1AB27469-D6BB-EA93-05F7-6DA4D9A8CAF8}"/>
-              </a:ext>
-            </a:extLst>
-          </p:cNvPr>
-          <p:cNvCxnSpPr>
-            <a:cxnSpLocks/>
-          </p:cNvCxnSpPr>
-          <p:nvPr/>
-        </p:nvCxnSpPr>
-        <p:spPr>
-          <a:xfrm>
-            <a:off x="6096000" y="2793226"/>
-            <a:ext cx="2095844" cy="801859"/>
-          </a:xfrm>
-          <a:prstGeom prst="straightConnector1">
-            <a:avLst/>
-          </a:prstGeom>
-          <a:ln w="19050">
-            <a:solidFill>
-              <a:schemeClr val="accent1"/>
-            </a:solidFill>
-            <a:tailEnd type="triangle"/>
-          </a:ln>
-        </p:spPr>
-        <p:style>
-          <a:lnRef idx="1">
-            <a:schemeClr val="accent1"/>
-          </a:lnRef>
-          <a:fillRef idx="0">
-            <a:schemeClr val="accent1"/>
-          </a:fillRef>
-          <a:effectRef idx="0">
-            <a:schemeClr val="accent1"/>
-          </a:effectRef>
-          <a:fontRef idx="minor">
-            <a:schemeClr val="tx1"/>
-          </a:fontRef>
-        </p:style>
-      </p:cxnSp>
-      <p:cxnSp>
-        <p:nvCxnSpPr>
-          <p:cNvPr id="49" name="Straight Arrow Connector 48">
-            <a:extLst>
-              <a:ext uri="{FF2B5EF4-FFF2-40B4-BE49-F238E27FC236}">
-                <a16:creationId xmlns:a16="http://schemas.microsoft.com/office/drawing/2014/main" id="{CCC1D79E-54AE-5FC4-D3A5-C183D407CE53}"/>
+                <a16:creationId xmlns:a16="http://schemas.microsoft.com/office/drawing/2014/main" id="{405B9F9D-45AA-7D98-A40C-E45DA38B152F}"/>
               </a:ext>
             </a:extLst>
           </p:cNvPr>
@@ -27540,108 +28482,8 @@
         </p:nvCxnSpPr>
         <p:spPr>
           <a:xfrm flipV="1">
-            <a:off x="3810000" y="4930679"/>
-            <a:ext cx="3200400" cy="332152"/>
-          </a:xfrm>
-          <a:prstGeom prst="straightConnector1">
-            <a:avLst/>
-          </a:prstGeom>
-          <a:ln w="19050">
-            <a:solidFill>
-              <a:schemeClr val="accent1"/>
-            </a:solidFill>
-            <a:tailEnd type="triangle"/>
-          </a:ln>
-        </p:spPr>
-        <p:style>
-          <a:lnRef idx="1">
-            <a:schemeClr val="accent1"/>
-          </a:lnRef>
-          <a:fillRef idx="0">
-            <a:schemeClr val="accent1"/>
-          </a:fillRef>
-          <a:effectRef idx="0">
-            <a:schemeClr val="accent1"/>
-          </a:effectRef>
-          <a:fontRef idx="minor">
-            <a:schemeClr val="tx1"/>
-          </a:fontRef>
-        </p:style>
-      </p:cxnSp>
-      <p:sp>
-        <p:nvSpPr>
-          <p:cNvPr id="56" name="Rectangle 55">
-            <a:extLst>
-              <a:ext uri="{FF2B5EF4-FFF2-40B4-BE49-F238E27FC236}">
-                <a16:creationId xmlns:a16="http://schemas.microsoft.com/office/drawing/2014/main" id="{3A179EA2-A274-64A2-737B-02DC8B4890A9}"/>
-              </a:ext>
-            </a:extLst>
-          </p:cNvPr>
-          <p:cNvSpPr/>
-          <p:nvPr/>
-        </p:nvSpPr>
-        <p:spPr bwMode="ltGray">
-          <a:xfrm>
-            <a:off x="7391400" y="3629587"/>
-            <a:ext cx="1600888" cy="1029964"/>
-          </a:xfrm>
-          <a:prstGeom prst="rect">
-            <a:avLst/>
-          </a:prstGeom>
-          <a:noFill/>
-          <a:ln w="57150">
-            <a:solidFill>
-              <a:schemeClr val="accent1"/>
-            </a:solidFill>
-          </a:ln>
-        </p:spPr>
-        <p:style>
-          <a:lnRef idx="2">
-            <a:schemeClr val="accent1">
-              <a:shade val="50000"/>
-            </a:schemeClr>
-          </a:lnRef>
-          <a:fillRef idx="1">
-            <a:schemeClr val="accent1"/>
-          </a:fillRef>
-          <a:effectRef idx="0">
-            <a:schemeClr val="accent1"/>
-          </a:effectRef>
-          <a:fontRef idx="minor">
-            <a:schemeClr val="lt1"/>
-          </a:fontRef>
-        </p:style>
-        <p:txBody>
-          <a:bodyPr tIns="91440" bIns="91440" rtlCol="0" anchor="ctr"/>
-          <a:lstStyle/>
-          <a:p>
-            <a:pPr algn="ctr"/>
-            <a:endParaRPr lang="en-US" dirty="0" err="1">
-              <a:solidFill>
-                <a:schemeClr val="tx1"/>
-              </a:solidFill>
-            </a:endParaRPr>
-          </a:p>
-        </p:txBody>
-      </p:sp>
-      <p:cxnSp>
-        <p:nvCxnSpPr>
-          <p:cNvPr id="57" name="Straight Arrow Connector 56">
-            <a:extLst>
-              <a:ext uri="{FF2B5EF4-FFF2-40B4-BE49-F238E27FC236}">
-                <a16:creationId xmlns:a16="http://schemas.microsoft.com/office/drawing/2014/main" id="{65380837-F85D-1D4E-FD6C-B5A5CE21EEEF}"/>
-              </a:ext>
-            </a:extLst>
-          </p:cNvPr>
-          <p:cNvCxnSpPr>
-            <a:cxnSpLocks/>
-          </p:cNvCxnSpPr>
-          <p:nvPr/>
-        </p:nvCxnSpPr>
-        <p:spPr>
-          <a:xfrm>
-            <a:off x="3215695" y="3625268"/>
-            <a:ext cx="3032705" cy="695731"/>
+            <a:off x="3681116" y="5468957"/>
+            <a:ext cx="4472284" cy="425418"/>
           </a:xfrm>
           <a:prstGeom prst="straightConnector1">
             <a:avLst/>
@@ -29112,7 +29954,7 @@
           <a:p>
             <a:r>
               <a:rPr lang="en-US" dirty="0"/>
-              <a:t>Chapel Implementation of 1d dwt With Type annotations</a:t>
+              <a:t>Chapel Implementation of 1d dwt — With Type annotations</a:t>
             </a:r>
           </a:p>
         </p:txBody>
@@ -29133,7 +29975,7 @@
         </p:nvSpPr>
         <p:spPr>
           <a:xfrm>
-            <a:off x="1" y="1274159"/>
+            <a:off x="0" y="1992129"/>
             <a:ext cx="9829800" cy="4309682"/>
           </a:xfrm>
           <a:prstGeom prst="rect">
@@ -29359,7 +30201,7 @@
                 </a:solidFill>
                 <a:latin typeface="MetricHPE" pitchFamily="2" charset="77"/>
               </a:rPr>
-              <a:t>// compute one step of the wavelet computation on the input signal (stores results in the 'output' array)</a:t>
+              <a:t>// compute one step of the wavelet computation on the input signal </a:t>
             </a:r>
           </a:p>
           <a:p>
@@ -29568,8 +30410,8 @@
         </p:nvSpPr>
         <p:spPr>
           <a:xfrm>
-            <a:off x="6091646" y="3200400"/>
-            <a:ext cx="5105401" cy="2032351"/>
+            <a:off x="5962718" y="3923050"/>
+            <a:ext cx="5924482" cy="1885644"/>
           </a:xfrm>
           <a:prstGeom prst="rect">
             <a:avLst/>
@@ -29596,7 +30438,7 @@
             </a:pPr>
             <a:r>
               <a:rPr lang="en-US" dirty="0"/>
-              <a:t>Updated signatures for each of the same procedures using type annotations, type queries and formal intents.</a:t>
+              <a:t>The following slides will show each of these in more detail</a:t>
             </a:r>
           </a:p>
           <a:p>
@@ -29621,7 +30463,110 @@
             </a:pPr>
             <a:r>
               <a:rPr lang="en-US" dirty="0"/>
-              <a:t>The following slides will discuss these in more detail; however, it is important to note that a program written this way will behave the same as the previously defined program without type annotations</a:t>
+              <a:t>It is important to note that these procedures will behave the same as the unannotated procedures on the previous three slides</a:t>
+            </a:r>
+          </a:p>
+          <a:p>
+            <a:pPr algn="l">
+              <a:lnSpc>
+                <a:spcPct val="90000"/>
+              </a:lnSpc>
+              <a:spcBef>
+                <a:spcPts val="400"/>
+              </a:spcBef>
+            </a:pPr>
+            <a:endParaRPr lang="en-US" dirty="0"/>
+          </a:p>
+          <a:p>
+            <a:pPr algn="l">
+              <a:lnSpc>
+                <a:spcPct val="90000"/>
+              </a:lnSpc>
+              <a:spcBef>
+                <a:spcPts val="400"/>
+              </a:spcBef>
+            </a:pPr>
+            <a:r>
+              <a:rPr lang="en-US" dirty="0"/>
+              <a:t>The full program can be found </a:t>
+            </a:r>
+            <a:r>
+              <a:rPr lang="en-US" dirty="0">
+                <a:hlinkClick r:id="rId4"/>
+              </a:rPr>
+              <a:t>here</a:t>
+            </a:r>
+            <a:endParaRPr lang="en-US" dirty="0"/>
+          </a:p>
+        </p:txBody>
+      </p:sp>
+      <p:sp>
+        <p:nvSpPr>
+          <p:cNvPr id="3" name="TextBox 2">
+            <a:extLst>
+              <a:ext uri="{FF2B5EF4-FFF2-40B4-BE49-F238E27FC236}">
+                <a16:creationId xmlns:a16="http://schemas.microsoft.com/office/drawing/2014/main" id="{C16200BC-850D-E9EF-0436-9D74C65AD56A}"/>
+              </a:ext>
+            </a:extLst>
+          </p:cNvPr>
+          <p:cNvSpPr txBox="1"/>
+          <p:nvPr/>
+        </p:nvSpPr>
+        <p:spPr>
+          <a:xfrm>
+            <a:off x="609600" y="1401198"/>
+            <a:ext cx="5482046" cy="590931"/>
+          </a:xfrm>
+          <a:prstGeom prst="rect">
+            <a:avLst/>
+          </a:prstGeom>
+          <a:noFill/>
+          <a:ln w="57150">
+            <a:noFill/>
+            <a:miter lim="800000"/>
+          </a:ln>
+        </p:spPr>
+        <p:txBody>
+          <a:bodyPr wrap="square">
+            <a:spAutoFit/>
+          </a:bodyPr>
+          <a:lstStyle/>
+          <a:p>
+            <a:pPr algn="l">
+              <a:lnSpc>
+                <a:spcPct val="90000"/>
+              </a:lnSpc>
+              <a:spcBef>
+                <a:spcPts val="400"/>
+              </a:spcBef>
+            </a:pPr>
+            <a:r>
+              <a:rPr lang="en-US" dirty="0"/>
+              <a:t>Updated signatures for each of the same procedures using </a:t>
+            </a:r>
+            <a:r>
+              <a:rPr lang="en-US" i="1" dirty="0"/>
+              <a:t>type annotations</a:t>
+            </a:r>
+            <a:r>
+              <a:rPr lang="en-US" dirty="0"/>
+              <a:t>, </a:t>
+            </a:r>
+            <a:r>
+              <a:rPr lang="en-US" i="1" dirty="0"/>
+              <a:t>type queries</a:t>
+            </a:r>
+            <a:r>
+              <a:rPr lang="en-US" dirty="0"/>
+              <a:t> and </a:t>
+            </a:r>
+            <a:r>
+              <a:rPr lang="en-US" i="1" dirty="0"/>
+              <a:t>formal intents</a:t>
+            </a:r>
+            <a:r>
+              <a:rPr lang="en-US" dirty="0"/>
+              <a:t>.</a:t>
             </a:r>
           </a:p>
         </p:txBody>
@@ -30120,6 +31065,226 @@
           </a:p>
         </p:txBody>
       </p:sp>
+      <p:sp>
+        <p:nvSpPr>
+          <p:cNvPr id="6" name="TextBox 5">
+            <a:extLst>
+              <a:ext uri="{FF2B5EF4-FFF2-40B4-BE49-F238E27FC236}">
+                <a16:creationId xmlns:a16="http://schemas.microsoft.com/office/drawing/2014/main" id="{3EAC817F-24AD-E741-8425-8C7E97CD2A5A}"/>
+              </a:ext>
+            </a:extLst>
+          </p:cNvPr>
+          <p:cNvSpPr txBox="1"/>
+          <p:nvPr/>
+        </p:nvSpPr>
+        <p:spPr>
+          <a:xfrm>
+            <a:off x="6682334" y="2237248"/>
+            <a:ext cx="4191000" cy="683264"/>
+          </a:xfrm>
+          <a:prstGeom prst="rect">
+            <a:avLst/>
+          </a:prstGeom>
+          <a:noFill/>
+          <a:ln w="57150">
+            <a:solidFill>
+              <a:schemeClr val="accent1"/>
+            </a:solidFill>
+            <a:miter lim="800000"/>
+          </a:ln>
+        </p:spPr>
+        <p:txBody>
+          <a:bodyPr wrap="square" lIns="91440" tIns="91440" rIns="91440" bIns="91440" rtlCol="0">
+            <a:spAutoFit/>
+          </a:bodyPr>
+          <a:lstStyle/>
+          <a:p>
+            <a:pPr algn="l">
+              <a:lnSpc>
+                <a:spcPct val="90000"/>
+              </a:lnSpc>
+              <a:spcBef>
+                <a:spcPts val="400"/>
+              </a:spcBef>
+            </a:pPr>
+            <a:r>
+              <a:rPr lang="en-US" dirty="0"/>
+              <a:t>The '[?d]' annotation on the arrays type, allows us to replace calls to '</a:t>
+            </a:r>
+            <a:r>
+              <a:rPr lang="en-US" dirty="0" err="1"/>
+              <a:t>x.domain</a:t>
+            </a:r>
+            <a:r>
+              <a:rPr lang="en-US" dirty="0"/>
+              <a:t>' with 'd'</a:t>
+            </a:r>
+          </a:p>
+        </p:txBody>
+      </p:sp>
+      <p:sp>
+        <p:nvSpPr>
+          <p:cNvPr id="7" name="TextBox 6">
+            <a:extLst>
+              <a:ext uri="{FF2B5EF4-FFF2-40B4-BE49-F238E27FC236}">
+                <a16:creationId xmlns:a16="http://schemas.microsoft.com/office/drawing/2014/main" id="{7D3311E6-AD9C-20FE-E100-DB695ED3335C}"/>
+              </a:ext>
+            </a:extLst>
+          </p:cNvPr>
+          <p:cNvSpPr txBox="1"/>
+          <p:nvPr/>
+        </p:nvSpPr>
+        <p:spPr>
+          <a:xfrm>
+            <a:off x="6629400" y="3596928"/>
+            <a:ext cx="4389932" cy="1783052"/>
+          </a:xfrm>
+          <a:prstGeom prst="rect">
+            <a:avLst/>
+          </a:prstGeom>
+          <a:noFill/>
+          <a:ln w="57150">
+            <a:solidFill>
+              <a:schemeClr val="accent1"/>
+            </a:solidFill>
+            <a:miter lim="800000"/>
+          </a:ln>
+        </p:spPr>
+        <p:txBody>
+          <a:bodyPr wrap="square" lIns="91440" tIns="91440" rIns="91440" bIns="91440" rtlCol="0">
+            <a:spAutoFit/>
+          </a:bodyPr>
+          <a:lstStyle/>
+          <a:p>
+            <a:pPr algn="l">
+              <a:lnSpc>
+                <a:spcPct val="90000"/>
+              </a:lnSpc>
+              <a:spcBef>
+                <a:spcPts val="400"/>
+              </a:spcBef>
+            </a:pPr>
+            <a:r>
+              <a:rPr lang="en-US" dirty="0"/>
+              <a:t>The '?t' annotation on the arrays type, allows us to make these procedures generic over any type that supports the `+=` operation. </a:t>
+            </a:r>
+          </a:p>
+          <a:p>
+            <a:pPr algn="l">
+              <a:lnSpc>
+                <a:spcPct val="90000"/>
+              </a:lnSpc>
+              <a:spcBef>
+                <a:spcPts val="400"/>
+              </a:spcBef>
+            </a:pPr>
+            <a:endParaRPr lang="en-US" dirty="0"/>
+          </a:p>
+          <a:p>
+            <a:pPr algn="l">
+              <a:lnSpc>
+                <a:spcPct val="90000"/>
+              </a:lnSpc>
+              <a:spcBef>
+                <a:spcPts val="400"/>
+              </a:spcBef>
+            </a:pPr>
+            <a:r>
+              <a:rPr lang="en-US" dirty="0"/>
+              <a:t>The simpler implementation just uses 'int' to define the array 'y'</a:t>
+            </a:r>
+          </a:p>
+        </p:txBody>
+      </p:sp>
+      <p:cxnSp>
+        <p:nvCxnSpPr>
+          <p:cNvPr id="9" name="Straight Arrow Connector 8">
+            <a:extLst>
+              <a:ext uri="{FF2B5EF4-FFF2-40B4-BE49-F238E27FC236}">
+                <a16:creationId xmlns:a16="http://schemas.microsoft.com/office/drawing/2014/main" id="{10E5FEE0-DF82-E264-EBF5-2DFAC4C1D0B6}"/>
+              </a:ext>
+            </a:extLst>
+          </p:cNvPr>
+          <p:cNvCxnSpPr>
+            <a:cxnSpLocks/>
+            <a:stCxn id="6" idx="1"/>
+          </p:cNvCxnSpPr>
+          <p:nvPr/>
+        </p:nvCxnSpPr>
+        <p:spPr>
+          <a:xfrm flipH="1" flipV="1">
+            <a:off x="3429000" y="2237248"/>
+            <a:ext cx="3253334" cy="341632"/>
+          </a:xfrm>
+          <a:prstGeom prst="straightConnector1">
+            <a:avLst/>
+          </a:prstGeom>
+          <a:ln w="57150">
+            <a:solidFill>
+              <a:schemeClr val="accent1"/>
+            </a:solidFill>
+            <a:tailEnd type="triangle"/>
+          </a:ln>
+        </p:spPr>
+        <p:style>
+          <a:lnRef idx="1">
+            <a:schemeClr val="accent1"/>
+          </a:lnRef>
+          <a:fillRef idx="0">
+            <a:schemeClr val="accent1"/>
+          </a:fillRef>
+          <a:effectRef idx="0">
+            <a:schemeClr val="accent1"/>
+          </a:effectRef>
+          <a:fontRef idx="minor">
+            <a:schemeClr val="tx1"/>
+          </a:fontRef>
+        </p:style>
+      </p:cxnSp>
+      <p:cxnSp>
+        <p:nvCxnSpPr>
+          <p:cNvPr id="13" name="Straight Arrow Connector 12">
+            <a:extLst>
+              <a:ext uri="{FF2B5EF4-FFF2-40B4-BE49-F238E27FC236}">
+                <a16:creationId xmlns:a16="http://schemas.microsoft.com/office/drawing/2014/main" id="{9818E0D1-3EF6-A833-742C-927C06DA5078}"/>
+              </a:ext>
+            </a:extLst>
+          </p:cNvPr>
+          <p:cNvCxnSpPr>
+            <a:cxnSpLocks/>
+          </p:cNvCxnSpPr>
+          <p:nvPr/>
+        </p:nvCxnSpPr>
+        <p:spPr>
+          <a:xfrm flipH="1" flipV="1">
+            <a:off x="3048000" y="3596928"/>
+            <a:ext cx="3599990" cy="830125"/>
+          </a:xfrm>
+          <a:prstGeom prst="straightConnector1">
+            <a:avLst/>
+          </a:prstGeom>
+          <a:ln w="57150">
+            <a:solidFill>
+              <a:schemeClr val="accent1"/>
+            </a:solidFill>
+            <a:tailEnd type="triangle"/>
+          </a:ln>
+        </p:spPr>
+        <p:style>
+          <a:lnRef idx="1">
+            <a:schemeClr val="accent1"/>
+          </a:lnRef>
+          <a:fillRef idx="0">
+            <a:schemeClr val="accent1"/>
+          </a:fillRef>
+          <a:effectRef idx="0">
+            <a:schemeClr val="accent1"/>
+          </a:effectRef>
+          <a:fontRef idx="minor">
+            <a:schemeClr val="tx1"/>
+          </a:fontRef>
+        </p:style>
+      </p:cxnSp>
     </p:spTree>
     <p:extLst>
       <p:ext uri="{BB962C8B-B14F-4D97-AF65-F5344CB8AC3E}">
